--- a/Whiteboard design session/WDS trainer presentation - Lift and shift.pptx
+++ b/Whiteboard design session/WDS trainer presentation - Lift and shift.pptx
@@ -5,10 +5,10 @@
     <p:sldMasterId id="2147483665" r:id="rId1"/>
   </p:sldMasterIdLst>
   <p:notesMasterIdLst>
-    <p:notesMasterId r:id="rId43"/>
+    <p:notesMasterId r:id="rId44"/>
   </p:notesMasterIdLst>
   <p:handoutMasterIdLst>
-    <p:handoutMasterId r:id="rId44"/>
+    <p:handoutMasterId r:id="rId45"/>
   </p:handoutMasterIdLst>
   <p:sldIdLst>
     <p:sldId id="300" r:id="rId2"/>
@@ -33,25 +33,26 @@
     <p:sldId id="340" r:id="rId21"/>
     <p:sldId id="342" r:id="rId22"/>
     <p:sldId id="343" r:id="rId23"/>
-    <p:sldId id="365" r:id="rId24"/>
-    <p:sldId id="316" r:id="rId25"/>
-    <p:sldId id="345" r:id="rId26"/>
-    <p:sldId id="349" r:id="rId27"/>
-    <p:sldId id="346" r:id="rId28"/>
-    <p:sldId id="373" r:id="rId29"/>
-    <p:sldId id="374" r:id="rId30"/>
-    <p:sldId id="376" r:id="rId31"/>
-    <p:sldId id="377" r:id="rId32"/>
-    <p:sldId id="379" r:id="rId33"/>
-    <p:sldId id="372" r:id="rId34"/>
-    <p:sldId id="363" r:id="rId35"/>
-    <p:sldId id="356" r:id="rId36"/>
-    <p:sldId id="357" r:id="rId37"/>
-    <p:sldId id="358" r:id="rId38"/>
-    <p:sldId id="360" r:id="rId39"/>
-    <p:sldId id="364" r:id="rId40"/>
-    <p:sldId id="361" r:id="rId41"/>
-    <p:sldId id="315" r:id="rId42"/>
+    <p:sldId id="380" r:id="rId24"/>
+    <p:sldId id="365" r:id="rId25"/>
+    <p:sldId id="316" r:id="rId26"/>
+    <p:sldId id="345" r:id="rId27"/>
+    <p:sldId id="349" r:id="rId28"/>
+    <p:sldId id="346" r:id="rId29"/>
+    <p:sldId id="373" r:id="rId30"/>
+    <p:sldId id="374" r:id="rId31"/>
+    <p:sldId id="376" r:id="rId32"/>
+    <p:sldId id="377" r:id="rId33"/>
+    <p:sldId id="379" r:id="rId34"/>
+    <p:sldId id="372" r:id="rId35"/>
+    <p:sldId id="363" r:id="rId36"/>
+    <p:sldId id="356" r:id="rId37"/>
+    <p:sldId id="357" r:id="rId38"/>
+    <p:sldId id="358" r:id="rId39"/>
+    <p:sldId id="360" r:id="rId40"/>
+    <p:sldId id="364" r:id="rId41"/>
+    <p:sldId id="361" r:id="rId42"/>
+    <p:sldId id="315" r:id="rId43"/>
   </p:sldIdLst>
   <p:sldSz cx="12192000" cy="6858000"/>
   <p:notesSz cx="6858000" cy="9144000"/>
@@ -261,7 +262,7 @@
           <a:p>
             <a:fld id="{0B4ED74A-224F-4188-850E-AD5C4B751E0D}" type="datetimeFigureOut">
               <a:rPr lang="en-US" smtClean="0"/>
-              <a:t>9/5/2018</a:t>
+              <a:t>12/19/2018</a:t>
             </a:fld>
             <a:endParaRPr lang="en-US" dirty="0"/>
           </a:p>
@@ -438,7 +439,7 @@
           <a:p>
             <a:fld id="{52A13B17-C506-4D51-BB37-16B365906619}" type="datetimeFigureOut">
               <a:rPr lang="en-US" smtClean="0"/>
-              <a:t>9/5/2018</a:t>
+              <a:t>12/19/2018</a:t>
             </a:fld>
             <a:endParaRPr lang="en-US" dirty="0"/>
           </a:p>
@@ -2544,34 +2545,6 @@
           <a:bodyPr/>
           <a:lstStyle/>
           <a:p>
-            <a:r>
-              <a:rPr lang="en-US" sz="1200" b="0" kern="1200" dirty="0">
-                <a:solidFill>
-                  <a:schemeClr val="tx1"/>
-                </a:solidFill>
-                <a:effectLst/>
-                <a:latin typeface="+mn-lt"/>
-                <a:ea typeface="+mn-ea"/>
-                <a:cs typeface="+mn-cs"/>
-              </a:rPr>
-              <a:t>The Azure Migrate Service can be used to assess the infrastructure in your environment. The Azure Migrate service</a:t>
-            </a:r>
-          </a:p>
-          <a:p>
-            <a:r>
-              <a:rPr lang="en-US" sz="1200" b="0" kern="1200" dirty="0">
-                <a:solidFill>
-                  <a:schemeClr val="tx1"/>
-                </a:solidFill>
-                <a:effectLst/>
-                <a:latin typeface="+mn-lt"/>
-                <a:ea typeface="+mn-ea"/>
-                <a:cs typeface="+mn-cs"/>
-              </a:rPr>
-              <a:t>assesses on-premises workloads for migration to Azure. The service assesses migration suitability and performance-based sizing, and provides cost estimations for running your on-premises machines in Azure.</a:t>
-            </a:r>
-          </a:p>
-          <a:p>
             <a:endParaRPr lang="en-US" sz="1200" b="0" kern="1200" dirty="0">
               <a:solidFill>
                 <a:schemeClr val="tx1"/>
@@ -2582,128 +2555,6 @@
               <a:cs typeface="+mn-cs"/>
             </a:endParaRPr>
           </a:p>
-          <a:p>
-            <a:r>
-              <a:rPr lang="en-US" sz="1200" b="0" kern="1200" dirty="0">
-                <a:solidFill>
-                  <a:schemeClr val="tx1"/>
-                </a:solidFill>
-                <a:effectLst/>
-                <a:latin typeface="+mn-lt"/>
-                <a:ea typeface="+mn-ea"/>
-                <a:cs typeface="+mn-cs"/>
-              </a:rPr>
-              <a:t>The Azure Migration Service provides the following benefits:</a:t>
-            </a:r>
-          </a:p>
-          <a:p>
-            <a:pPr marL="171450" indent="-171450">
-              <a:buFont typeface="Arial" panose="020B0604020202020204" pitchFamily="34" charset="0"/>
-              <a:buChar char="•"/>
-            </a:pPr>
-            <a:r>
-              <a:rPr lang="en-US" sz="1200" b="0" kern="1200" dirty="0">
-                <a:solidFill>
-                  <a:schemeClr val="tx1"/>
-                </a:solidFill>
-                <a:effectLst/>
-                <a:latin typeface="+mn-lt"/>
-                <a:ea typeface="+mn-ea"/>
-                <a:cs typeface="+mn-cs"/>
-              </a:rPr>
-              <a:t>Assess Azure readiness: Assess whether your on-premises machines are suitable for running in Azure.</a:t>
-            </a:r>
-          </a:p>
-          <a:p>
-            <a:pPr marL="171450" indent="-171450">
-              <a:buFont typeface="Arial" panose="020B0604020202020204" pitchFamily="34" charset="0"/>
-              <a:buChar char="•"/>
-            </a:pPr>
-            <a:r>
-              <a:rPr lang="en-US" sz="1200" b="0" kern="1200" dirty="0">
-                <a:solidFill>
-                  <a:schemeClr val="tx1"/>
-                </a:solidFill>
-                <a:effectLst/>
-                <a:latin typeface="+mn-lt"/>
-                <a:ea typeface="+mn-ea"/>
-                <a:cs typeface="+mn-cs"/>
-              </a:rPr>
-              <a:t>Get size recommendations: Get size recommendations for Azure VMs based on the performance history of on-premises VMs. You can specify a 'comfort factor', which is a buffer applied on top of the measured utilization when making sizing recommendations.</a:t>
-            </a:r>
-          </a:p>
-          <a:p>
-            <a:pPr marL="171450" indent="-171450">
-              <a:buFont typeface="Arial" panose="020B0604020202020204" pitchFamily="34" charset="0"/>
-              <a:buChar char="•"/>
-            </a:pPr>
-            <a:r>
-              <a:rPr lang="en-US" sz="1200" b="0" kern="1200" dirty="0">
-                <a:solidFill>
-                  <a:schemeClr val="tx1"/>
-                </a:solidFill>
-                <a:effectLst/>
-                <a:latin typeface="+mn-lt"/>
-                <a:ea typeface="+mn-ea"/>
-                <a:cs typeface="+mn-cs"/>
-              </a:rPr>
-              <a:t>Estimate monthly costs: Get estimated costs for running on-premises machines in Azure. You can specify the VM pricing tier (basic/standard). The estimate will also account for Azure Hybrid Benefit (to re-use existing licenses) and any Azure offers you are enrolled to</a:t>
-            </a:r>
-          </a:p>
-          <a:p>
-            <a:pPr marL="171450" indent="-171450">
-              <a:buFont typeface="Arial" panose="020B0604020202020204" pitchFamily="34" charset="0"/>
-              <a:buChar char="•"/>
-            </a:pPr>
-            <a:r>
-              <a:rPr lang="en-US" sz="1200" b="0" kern="1200" dirty="0">
-                <a:solidFill>
-                  <a:schemeClr val="tx1"/>
-                </a:solidFill>
-                <a:effectLst/>
-                <a:latin typeface="+mn-lt"/>
-                <a:ea typeface="+mn-ea"/>
-                <a:cs typeface="+mn-cs"/>
-              </a:rPr>
-              <a:t>Migrate with high confidence: Visualize dependencies of on-premises machines to create groups of machines that you</a:t>
-            </a:r>
-          </a:p>
-          <a:p>
-            <a:pPr marL="171450" indent="-171450">
-              <a:buFont typeface="Arial" panose="020B0604020202020204" pitchFamily="34" charset="0"/>
-              <a:buChar char="•"/>
-            </a:pPr>
-            <a:r>
-              <a:rPr lang="en-US" sz="1200" b="0" kern="1200" dirty="0">
-                <a:solidFill>
-                  <a:schemeClr val="tx1"/>
-                </a:solidFill>
-                <a:effectLst/>
-                <a:latin typeface="+mn-lt"/>
-                <a:ea typeface="+mn-ea"/>
-                <a:cs typeface="+mn-cs"/>
-              </a:rPr>
-              <a:t>will assess and migrate together. You can accurately view dependencies for a specific machine, or for all machines in</a:t>
-            </a:r>
-          </a:p>
-          <a:p>
-            <a:pPr marL="171450" indent="-171450">
-              <a:buFont typeface="Arial" panose="020B0604020202020204" pitchFamily="34" charset="0"/>
-              <a:buChar char="•"/>
-            </a:pPr>
-            <a:r>
-              <a:rPr lang="en-US" sz="1200" b="0" kern="1200" dirty="0">
-                <a:solidFill>
-                  <a:schemeClr val="tx1"/>
-                </a:solidFill>
-                <a:effectLst/>
-                <a:latin typeface="+mn-lt"/>
-                <a:ea typeface="+mn-ea"/>
-                <a:cs typeface="+mn-cs"/>
-              </a:rPr>
-              <a:t>a group.</a:t>
-            </a:r>
-          </a:p>
         </p:txBody>
       </p:sp>
       <p:sp>
@@ -2732,7 +2583,7 @@
     </p:spTree>
     <p:extLst>
       <p:ext uri="{BB962C8B-B14F-4D97-AF65-F5344CB8AC3E}">
-        <p14:creationId xmlns:p14="http://schemas.microsoft.com/office/powerpoint/2010/main" val="4081743649"/>
+        <p14:creationId xmlns:p14="http://schemas.microsoft.com/office/powerpoint/2010/main" val="3775678"/>
       </p:ext>
     </p:extLst>
   </p:cSld>
@@ -2796,7 +2647,21 @@
                 <a:ea typeface="+mn-ea"/>
                 <a:cs typeface="+mn-cs"/>
               </a:rPr>
-              <a:t>Web tier using Azure Virtual Machines: The application install has a dependency on the global assembly cache, which rules out Azure Web Apps. These machines should be configured as DS2_v2 or D2S_v3. This will provide for the required cores and RAM to meet the needs of the machines. A data disk could be added to the VMs depending upon the needs of the application or if it doesn't meet the requirement of Read/Write Cache which is on by the default with all Azure VMs.</a:t>
+              <a:t>The Azure Migrate Service can be used to assess the infrastructure in your environment. The Azure Migrate service</a:t>
+            </a:r>
+          </a:p>
+          <a:p>
+            <a:r>
+              <a:rPr lang="en-US" sz="1200" b="0" kern="1200" dirty="0">
+                <a:solidFill>
+                  <a:schemeClr val="tx1"/>
+                </a:solidFill>
+                <a:effectLst/>
+                <a:latin typeface="+mn-lt"/>
+                <a:ea typeface="+mn-ea"/>
+                <a:cs typeface="+mn-cs"/>
+              </a:rPr>
+              <a:t>assesses on-premises workloads for migration to Azure. The service assesses migration suitability and performance-based sizing, and provides cost estimations for running your on-premises machines in Azure.</a:t>
             </a:r>
           </a:p>
           <a:p>
@@ -2821,10 +2686,14 @@
                 <a:ea typeface="+mn-ea"/>
                 <a:cs typeface="+mn-cs"/>
               </a:rPr>
-              <a:t>Database tier using Azure Virtual Machines and SQL Server 2012, due to the unknown compatibility of the third-party procurement system and Azure SQL Database. The customer should likely reach out to the third-party vendor to</a:t>
-            </a:r>
-          </a:p>
-          <a:p>
+              <a:t>The Azure Migration Service provides the following benefits:</a:t>
+            </a:r>
+          </a:p>
+          <a:p>
+            <a:pPr marL="171450" indent="-171450">
+              <a:buFont typeface="Arial" panose="020B0604020202020204" pitchFamily="34" charset="0"/>
+              <a:buChar char="•"/>
+            </a:pPr>
             <a:r>
               <a:rPr lang="en-US" sz="1200" b="0" kern="1200" dirty="0">
                 <a:solidFill>
@@ -2835,21 +2704,14 @@
                 <a:ea typeface="+mn-ea"/>
                 <a:cs typeface="+mn-cs"/>
               </a:rPr>
-              <a:t>determine the roadmap on when and if Azure SQL Database will be officially supported.</a:t>
-            </a:r>
-          </a:p>
-          <a:p>
-            <a:endParaRPr lang="en-US" sz="1200" b="0" kern="1200" dirty="0">
-              <a:solidFill>
-                <a:schemeClr val="tx1"/>
-              </a:solidFill>
-              <a:effectLst/>
-              <a:latin typeface="+mn-lt"/>
-              <a:ea typeface="+mn-ea"/>
-              <a:cs typeface="+mn-cs"/>
-            </a:endParaRPr>
-          </a:p>
-          <a:p>
+              <a:t>Assess Azure readiness: Assess whether your on-premises machines are suitable for running in Azure.</a:t>
+            </a:r>
+          </a:p>
+          <a:p>
+            <a:pPr marL="171450" indent="-171450">
+              <a:buFont typeface="Arial" panose="020B0604020202020204" pitchFamily="34" charset="0"/>
+              <a:buChar char="•"/>
+            </a:pPr>
             <a:r>
               <a:rPr lang="en-US" sz="1200" b="0" kern="1200" dirty="0">
                 <a:solidFill>
@@ -2860,10 +2722,14 @@
                 <a:ea typeface="+mn-ea"/>
                 <a:cs typeface="+mn-cs"/>
               </a:rPr>
-              <a:t>Migration is a good opportunity to upgrade from the existing SQL Server 2012 to SQL Server 2017, rather than leaving</a:t>
-            </a:r>
-          </a:p>
-          <a:p>
+              <a:t>Get size recommendations: Get size recommendations for Azure VMs based on the performance history of on-premises VMs. You can specify a 'comfort factor', which is a buffer applied on top of the measured utilization when making sizing recommendations.</a:t>
+            </a:r>
+          </a:p>
+          <a:p>
+            <a:pPr marL="171450" indent="-171450">
+              <a:buFont typeface="Arial" panose="020B0604020202020204" pitchFamily="34" charset="0"/>
+              <a:buChar char="•"/>
+            </a:pPr>
             <a:r>
               <a:rPr lang="en-US" sz="1200" b="0" kern="1200" dirty="0">
                 <a:solidFill>
@@ -2874,21 +2740,14 @@
                 <a:ea typeface="+mn-ea"/>
                 <a:cs typeface="+mn-cs"/>
               </a:rPr>
-              <a:t>behind a future upgrade task. However this will also require them to upgrade their existing SQL licenses. Using SQL 2012 allows existing licenses to be re-used under the Azure Hybrid Benefit.</a:t>
-            </a:r>
-          </a:p>
-          <a:p>
-            <a:endParaRPr lang="en-US" sz="1200" b="0" kern="1200" dirty="0">
-              <a:solidFill>
-                <a:schemeClr val="tx1"/>
-              </a:solidFill>
-              <a:effectLst/>
-              <a:latin typeface="+mn-lt"/>
-              <a:ea typeface="+mn-ea"/>
-              <a:cs typeface="+mn-cs"/>
-            </a:endParaRPr>
-          </a:p>
-          <a:p>
+              <a:t>Estimate monthly costs: Get estimated costs for running on-premises machines in Azure. You can specify the VM pricing tier (basic/standard). The estimate will also account for Azure Hybrid Benefit (to re-use existing licenses) and any Azure offers you are enrolled to</a:t>
+            </a:r>
+          </a:p>
+          <a:p>
+            <a:pPr marL="171450" indent="-171450">
+              <a:buFont typeface="Arial" panose="020B0604020202020204" pitchFamily="34" charset="0"/>
+              <a:buChar char="•"/>
+            </a:pPr>
             <a:r>
               <a:rPr lang="en-US" sz="1200" b="0" kern="1200" dirty="0">
                 <a:solidFill>
@@ -2899,10 +2758,14 @@
                 <a:ea typeface="+mn-ea"/>
                 <a:cs typeface="+mn-cs"/>
               </a:rPr>
-              <a:t>The most likely instance size in Azure to match the existing hardware would be the DS3_v2 or D4S_v3 instance. The</a:t>
-            </a:r>
-          </a:p>
-          <a:p>
+              <a:t>Migrate with high confidence: Visualize dependencies of on-premises machines to create groups of machines that you</a:t>
+            </a:r>
+          </a:p>
+          <a:p>
+            <a:pPr marL="171450" indent="-171450">
+              <a:buFont typeface="Arial" panose="020B0604020202020204" pitchFamily="34" charset="0"/>
+              <a:buChar char="•"/>
+            </a:pPr>
             <a:r>
               <a:rPr lang="en-US" sz="1200" b="0" kern="1200" dirty="0">
                 <a:solidFill>
@@ -2913,10 +2776,14 @@
                 <a:ea typeface="+mn-ea"/>
                 <a:cs typeface="+mn-cs"/>
               </a:rPr>
-              <a:t>Both support four cores, 14 or 16 GB per server, and supports Premium storage for high-performance Solid-State Disk</a:t>
-            </a:r>
-          </a:p>
-          <a:p>
+              <a:t>will assess and migrate together. You can accurately view dependencies for a specific machine, or for all machines in</a:t>
+            </a:r>
+          </a:p>
+          <a:p>
+            <a:pPr marL="171450" indent="-171450">
+              <a:buFont typeface="Arial" panose="020B0604020202020204" pitchFamily="34" charset="0"/>
+              <a:buChar char="•"/>
+            </a:pPr>
             <a:r>
               <a:rPr lang="en-US" sz="1200" b="0" kern="1200" dirty="0">
                 <a:solidFill>
@@ -2927,32 +2794,7 @@
                 <a:ea typeface="+mn-ea"/>
                 <a:cs typeface="+mn-cs"/>
               </a:rPr>
-              <a:t>(SSD)-backed disks. Premium Storage will be used for both the web and database VMs. To ensure the best performance, use a disk layout on the VM that consists of: TempDB on the local SSD, Logs should be on a separate disk (non-cached), Data on another disk (Cached disk). Also, never use the drive letter E: as some Hosts in Azure have DVD drives which will cause issues starting if drive letters change upon booting.</a:t>
-            </a:r>
-          </a:p>
-          <a:p>
-            <a:endParaRPr lang="en-US" sz="1200" b="0" kern="1200" dirty="0">
-              <a:solidFill>
-                <a:schemeClr val="tx1"/>
-              </a:solidFill>
-              <a:effectLst/>
-              <a:latin typeface="+mn-lt"/>
-              <a:ea typeface="+mn-ea"/>
-              <a:cs typeface="+mn-cs"/>
-            </a:endParaRPr>
-          </a:p>
-          <a:p>
-            <a:r>
-              <a:rPr lang="en-US" sz="1200" b="0" kern="1200" dirty="0">
-                <a:solidFill>
-                  <a:schemeClr val="tx1"/>
-                </a:solidFill>
-                <a:effectLst/>
-                <a:latin typeface="+mn-lt"/>
-                <a:ea typeface="+mn-ea"/>
-                <a:cs typeface="+mn-cs"/>
-              </a:rPr>
-              <a:t>Application Gateway: To provide access to the procurement application and ensure that the needs are met for the requirement of cookie session affinity, an Azure Application Gateway will be built. As an alternative, administrators could also utilize an F5 from the Azure Marketplace.</a:t>
+              <a:t>a group.</a:t>
             </a:r>
           </a:p>
         </p:txBody>
@@ -2983,7 +2825,7 @@
     </p:spTree>
     <p:extLst>
       <p:ext uri="{BB962C8B-B14F-4D97-AF65-F5344CB8AC3E}">
-        <p14:creationId xmlns:p14="http://schemas.microsoft.com/office/powerpoint/2010/main" val="4179281765"/>
+        <p14:creationId xmlns:p14="http://schemas.microsoft.com/office/powerpoint/2010/main" val="4081743649"/>
       </p:ext>
     </p:extLst>
   </p:cSld>
@@ -3037,7 +2879,174 @@
           <a:bodyPr/>
           <a:lstStyle/>
           <a:p>
-            <a:endParaRPr lang="en-CA" dirty="0"/>
+            <a:r>
+              <a:rPr lang="en-US" sz="1200" b="0" kern="1200" dirty="0">
+                <a:solidFill>
+                  <a:schemeClr val="tx1"/>
+                </a:solidFill>
+                <a:effectLst/>
+                <a:latin typeface="+mn-lt"/>
+                <a:ea typeface="+mn-ea"/>
+                <a:cs typeface="+mn-cs"/>
+              </a:rPr>
+              <a:t>Web tier using Azure Virtual Machines: The application install has a dependency on the global assembly cache, which rules out Azure Web Apps. These machines should be configured as DS2_v2 or D2S_v3. This will provide for the required cores and RAM to meet the needs of the machines. A data disk could be added to the VMs depending upon the needs of the application or if it doesn't meet the requirement of Read/Write Cache which is on by the default with all Azure VMs.</a:t>
+            </a:r>
+          </a:p>
+          <a:p>
+            <a:endParaRPr lang="en-US" sz="1200" b="0" kern="1200" dirty="0">
+              <a:solidFill>
+                <a:schemeClr val="tx1"/>
+              </a:solidFill>
+              <a:effectLst/>
+              <a:latin typeface="+mn-lt"/>
+              <a:ea typeface="+mn-ea"/>
+              <a:cs typeface="+mn-cs"/>
+            </a:endParaRPr>
+          </a:p>
+          <a:p>
+            <a:r>
+              <a:rPr lang="en-US" sz="1200" b="0" kern="1200" dirty="0">
+                <a:solidFill>
+                  <a:schemeClr val="tx1"/>
+                </a:solidFill>
+                <a:effectLst/>
+                <a:latin typeface="+mn-lt"/>
+                <a:ea typeface="+mn-ea"/>
+                <a:cs typeface="+mn-cs"/>
+              </a:rPr>
+              <a:t>Database tier using Azure Virtual Machines and SQL Server 2012, due to the unknown compatibility of the third-party procurement system and Azure SQL Database. The customer should likely reach out to the third-party vendor to</a:t>
+            </a:r>
+          </a:p>
+          <a:p>
+            <a:r>
+              <a:rPr lang="en-US" sz="1200" b="0" kern="1200" dirty="0">
+                <a:solidFill>
+                  <a:schemeClr val="tx1"/>
+                </a:solidFill>
+                <a:effectLst/>
+                <a:latin typeface="+mn-lt"/>
+                <a:ea typeface="+mn-ea"/>
+                <a:cs typeface="+mn-cs"/>
+              </a:rPr>
+              <a:t>determine the roadmap on when and if Azure SQL Database will be officially supported.</a:t>
+            </a:r>
+          </a:p>
+          <a:p>
+            <a:endParaRPr lang="en-US" sz="1200" b="0" kern="1200" dirty="0">
+              <a:solidFill>
+                <a:schemeClr val="tx1"/>
+              </a:solidFill>
+              <a:effectLst/>
+              <a:latin typeface="+mn-lt"/>
+              <a:ea typeface="+mn-ea"/>
+              <a:cs typeface="+mn-cs"/>
+            </a:endParaRPr>
+          </a:p>
+          <a:p>
+            <a:r>
+              <a:rPr lang="en-US" sz="1200" b="0" kern="1200" dirty="0">
+                <a:solidFill>
+                  <a:schemeClr val="tx1"/>
+                </a:solidFill>
+                <a:effectLst/>
+                <a:latin typeface="+mn-lt"/>
+                <a:ea typeface="+mn-ea"/>
+                <a:cs typeface="+mn-cs"/>
+              </a:rPr>
+              <a:t>Migration is a good opportunity to upgrade from the existing SQL Server 2012 to SQL Server 2017, rather than leaving</a:t>
+            </a:r>
+          </a:p>
+          <a:p>
+            <a:r>
+              <a:rPr lang="en-US" sz="1200" b="0" kern="1200" dirty="0">
+                <a:solidFill>
+                  <a:schemeClr val="tx1"/>
+                </a:solidFill>
+                <a:effectLst/>
+                <a:latin typeface="+mn-lt"/>
+                <a:ea typeface="+mn-ea"/>
+                <a:cs typeface="+mn-cs"/>
+              </a:rPr>
+              <a:t>behind a future upgrade task. However this will also require them to upgrade their existing SQL licenses. Using SQL 2012 allows existing licenses to be re-used under the Azure Hybrid Benefit.</a:t>
+            </a:r>
+          </a:p>
+          <a:p>
+            <a:endParaRPr lang="en-US" sz="1200" b="0" kern="1200" dirty="0">
+              <a:solidFill>
+                <a:schemeClr val="tx1"/>
+              </a:solidFill>
+              <a:effectLst/>
+              <a:latin typeface="+mn-lt"/>
+              <a:ea typeface="+mn-ea"/>
+              <a:cs typeface="+mn-cs"/>
+            </a:endParaRPr>
+          </a:p>
+          <a:p>
+            <a:r>
+              <a:rPr lang="en-US" sz="1200" b="0" kern="1200" dirty="0">
+                <a:solidFill>
+                  <a:schemeClr val="tx1"/>
+                </a:solidFill>
+                <a:effectLst/>
+                <a:latin typeface="+mn-lt"/>
+                <a:ea typeface="+mn-ea"/>
+                <a:cs typeface="+mn-cs"/>
+              </a:rPr>
+              <a:t>The most likely instance size in Azure to match the existing hardware would be the DS3_v2 or D4S_v3 instance. The</a:t>
+            </a:r>
+          </a:p>
+          <a:p>
+            <a:r>
+              <a:rPr lang="en-US" sz="1200" b="0" kern="1200" dirty="0">
+                <a:solidFill>
+                  <a:schemeClr val="tx1"/>
+                </a:solidFill>
+                <a:effectLst/>
+                <a:latin typeface="+mn-lt"/>
+                <a:ea typeface="+mn-ea"/>
+                <a:cs typeface="+mn-cs"/>
+              </a:rPr>
+              <a:t>Both support four cores, 14 or 16 GB per server, and supports Premium storage for high-performance Solid-State Disk</a:t>
+            </a:r>
+          </a:p>
+          <a:p>
+            <a:r>
+              <a:rPr lang="en-US" sz="1200" b="0" kern="1200" dirty="0">
+                <a:solidFill>
+                  <a:schemeClr val="tx1"/>
+                </a:solidFill>
+                <a:effectLst/>
+                <a:latin typeface="+mn-lt"/>
+                <a:ea typeface="+mn-ea"/>
+                <a:cs typeface="+mn-cs"/>
+              </a:rPr>
+              <a:t>(SSD)-backed disks. Premium Storage will be used for both the web and database VMs. To ensure the best performance, use a disk layout on the VM that consists of: Logs should be on a separate disk (non-cached), Data on another disk (Cached disk). Also, never use the drive letter E: as some Hosts in Azure have DVD drives which will cause issues starting if drive letters change upon booting.</a:t>
+            </a:r>
+          </a:p>
+          <a:p>
+            <a:endParaRPr lang="en-US" sz="1200" b="0" kern="1200" dirty="0">
+              <a:solidFill>
+                <a:schemeClr val="tx1"/>
+              </a:solidFill>
+              <a:effectLst/>
+              <a:latin typeface="+mn-lt"/>
+              <a:ea typeface="+mn-ea"/>
+              <a:cs typeface="+mn-cs"/>
+            </a:endParaRPr>
+          </a:p>
+          <a:p>
+            <a:r>
+              <a:rPr lang="en-US" sz="1200" b="0" kern="1200" dirty="0">
+                <a:solidFill>
+                  <a:schemeClr val="tx1"/>
+                </a:solidFill>
+                <a:effectLst/>
+                <a:latin typeface="+mn-lt"/>
+                <a:ea typeface="+mn-ea"/>
+                <a:cs typeface="+mn-cs"/>
+              </a:rPr>
+              <a:t>Application Gateway: To provide access to the procurement application and ensure that the needs are met for the requirement of cookie session affinity, an Azure Application Gateway will be built. As an alternative, administrators could also utilize an F5 from the Azure Marketplace.</a:t>
+            </a:r>
           </a:p>
         </p:txBody>
       </p:sp>
@@ -3067,7 +3076,7 @@
     </p:spTree>
     <p:extLst>
       <p:ext uri="{BB962C8B-B14F-4D97-AF65-F5344CB8AC3E}">
-        <p14:creationId xmlns:p14="http://schemas.microsoft.com/office/powerpoint/2010/main" val="4097453372"/>
+        <p14:creationId xmlns:p14="http://schemas.microsoft.com/office/powerpoint/2010/main" val="4179281765"/>
       </p:ext>
     </p:extLst>
   </p:cSld>
@@ -3121,13 +3130,7 @@
           <a:bodyPr/>
           <a:lstStyle/>
           <a:p>
-            <a:r>
-              <a:rPr lang="en-US" dirty="0"/>
-              <a:t>Over the next 11 slides we will talk through the migration steps that Lucerne Publishing should follow for a successful migration.</a:t>
-            </a:r>
-          </a:p>
-          <a:p>
-            <a:endParaRPr lang="en-US" dirty="0"/>
+            <a:endParaRPr lang="en-CA" dirty="0"/>
           </a:p>
         </p:txBody>
       </p:sp>
@@ -3146,7 +3149,7 @@
           <a:bodyPr/>
           <a:lstStyle/>
           <a:p>
-            <a:fld id="{148D4592-6837-45C4-B65B-13E03ECAF0B2}" type="slidenum">
+            <a:fld id="{0998D5BB-B127-481F-BC0A-2F77C576BB34}" type="slidenum">
               <a:rPr lang="en-US" smtClean="0"/>
               <a:t>26</a:t>
             </a:fld>
@@ -3157,7 +3160,7 @@
     </p:spTree>
     <p:extLst>
       <p:ext uri="{BB962C8B-B14F-4D97-AF65-F5344CB8AC3E}">
-        <p14:creationId xmlns:p14="http://schemas.microsoft.com/office/powerpoint/2010/main" val="1323776156"/>
+        <p14:creationId xmlns:p14="http://schemas.microsoft.com/office/powerpoint/2010/main" val="4097453372"/>
       </p:ext>
     </p:extLst>
   </p:cSld>
@@ -3211,7 +3214,13 @@
           <a:bodyPr/>
           <a:lstStyle/>
           <a:p>
-            <a:endParaRPr lang="en-CA" dirty="0"/>
+            <a:r>
+              <a:rPr lang="en-US" dirty="0"/>
+              <a:t>Over the next 11 slides we will talk through the migration steps that Lucerne Publishing should follow for a successful migration.</a:t>
+            </a:r>
+          </a:p>
+          <a:p>
+            <a:endParaRPr lang="en-US" dirty="0"/>
           </a:p>
         </p:txBody>
       </p:sp>
@@ -3230,7 +3239,7 @@
           <a:bodyPr/>
           <a:lstStyle/>
           <a:p>
-            <a:fld id="{0998D5BB-B127-481F-BC0A-2F77C576BB34}" type="slidenum">
+            <a:fld id="{148D4592-6837-45C4-B65B-13E03ECAF0B2}" type="slidenum">
               <a:rPr lang="en-US" smtClean="0"/>
               <a:t>27</a:t>
             </a:fld>
@@ -3241,7 +3250,7 @@
     </p:spTree>
     <p:extLst>
       <p:ext uri="{BB962C8B-B14F-4D97-AF65-F5344CB8AC3E}">
-        <p14:creationId xmlns:p14="http://schemas.microsoft.com/office/powerpoint/2010/main" val="1855291055"/>
+        <p14:creationId xmlns:p14="http://schemas.microsoft.com/office/powerpoint/2010/main" val="1323776156"/>
       </p:ext>
     </p:extLst>
   </p:cSld>
@@ -3296,163 +3305,8 @@
           <a:lstStyle/>
           <a:p>
             <a:r>
-              <a:rPr lang="en-US" sz="1200" b="0" kern="1200" dirty="0">
-                <a:solidFill>
-                  <a:schemeClr val="tx1"/>
-                </a:solidFill>
-                <a:effectLst/>
-                <a:latin typeface="+mn-lt"/>
-                <a:ea typeface="+mn-ea"/>
-                <a:cs typeface="+mn-cs"/>
-              </a:rPr>
-              <a:t>The Azure Migrate Service can be used to assess the infrastructure in your environment. The Azure Migrate service</a:t>
-            </a:r>
-          </a:p>
-          <a:p>
-            <a:r>
-              <a:rPr lang="en-US" sz="1200" b="0" kern="1200" dirty="0">
-                <a:solidFill>
-                  <a:schemeClr val="tx1"/>
-                </a:solidFill>
-                <a:effectLst/>
-                <a:latin typeface="+mn-lt"/>
-                <a:ea typeface="+mn-ea"/>
-                <a:cs typeface="+mn-cs"/>
-              </a:rPr>
-              <a:t>assesses on-premises workloads for migration to Azure. The service assesses migration suitability and performance-based sizing, and provides cost estimations for running your on-premises machines in Azure.</a:t>
-            </a:r>
-          </a:p>
-          <a:p>
-            <a:endParaRPr lang="en-US" sz="1200" b="0" kern="1200" dirty="0">
-              <a:solidFill>
-                <a:schemeClr val="tx1"/>
-              </a:solidFill>
-              <a:effectLst/>
-              <a:latin typeface="+mn-lt"/>
-              <a:ea typeface="+mn-ea"/>
-              <a:cs typeface="+mn-cs"/>
-            </a:endParaRPr>
-          </a:p>
-          <a:p>
-            <a:r>
-              <a:rPr lang="en-US" sz="1200" b="0" kern="1200" dirty="0">
-                <a:solidFill>
-                  <a:schemeClr val="tx1"/>
-                </a:solidFill>
-                <a:effectLst/>
-                <a:latin typeface="+mn-lt"/>
-                <a:ea typeface="+mn-ea"/>
-                <a:cs typeface="+mn-cs"/>
-              </a:rPr>
-              <a:t>The Azure Migration Service provides the following benefits:</a:t>
-            </a:r>
-          </a:p>
-          <a:p>
-            <a:pPr marL="171450" indent="-171450">
-              <a:buFont typeface="Arial" panose="020B0604020202020204" pitchFamily="34" charset="0"/>
-              <a:buChar char="•"/>
-            </a:pPr>
-            <a:r>
-              <a:rPr lang="en-US" sz="1200" b="0" kern="1200" dirty="0">
-                <a:solidFill>
-                  <a:schemeClr val="tx1"/>
-                </a:solidFill>
-                <a:effectLst/>
-                <a:latin typeface="+mn-lt"/>
-                <a:ea typeface="+mn-ea"/>
-                <a:cs typeface="+mn-cs"/>
-              </a:rPr>
-              <a:t>Assess Azure readiness: Assess whether your on-premises machines are suitable for running in Azure.</a:t>
-            </a:r>
-          </a:p>
-          <a:p>
-            <a:pPr marL="171450" indent="-171450">
-              <a:buFont typeface="Arial" panose="020B0604020202020204" pitchFamily="34" charset="0"/>
-              <a:buChar char="•"/>
-            </a:pPr>
-            <a:r>
-              <a:rPr lang="en-US" sz="1200" b="0" kern="1200" dirty="0">
-                <a:solidFill>
-                  <a:schemeClr val="tx1"/>
-                </a:solidFill>
-                <a:effectLst/>
-                <a:latin typeface="+mn-lt"/>
-                <a:ea typeface="+mn-ea"/>
-                <a:cs typeface="+mn-cs"/>
-              </a:rPr>
-              <a:t>Get size recommendations: Get size recommendations for Azure VMs based on the performance history of on-premises VMs. You can specify a 'comfort factor', which is a buffer applied on top of the measured utilization when making sizing recommendations.</a:t>
-            </a:r>
-          </a:p>
-          <a:p>
-            <a:pPr marL="171450" indent="-171450">
-              <a:buFont typeface="Arial" panose="020B0604020202020204" pitchFamily="34" charset="0"/>
-              <a:buChar char="•"/>
-            </a:pPr>
-            <a:r>
-              <a:rPr lang="en-US" sz="1200" b="0" kern="1200" dirty="0">
-                <a:solidFill>
-                  <a:schemeClr val="tx1"/>
-                </a:solidFill>
-                <a:effectLst/>
-                <a:latin typeface="+mn-lt"/>
-                <a:ea typeface="+mn-ea"/>
-                <a:cs typeface="+mn-cs"/>
-              </a:rPr>
-              <a:t>Estimate monthly costs: Get estimated costs for running on-premises machines in Azure. You can specify the VM pricing tier (basic/standard). The estimate will also account for Azure Hybrid Benefit (to re-use existing licenses) and any Azure offers you are enrolled to</a:t>
-            </a:r>
-          </a:p>
-          <a:p>
-            <a:pPr marL="171450" indent="-171450">
-              <a:buFont typeface="Arial" panose="020B0604020202020204" pitchFamily="34" charset="0"/>
-              <a:buChar char="•"/>
-            </a:pPr>
-            <a:r>
-              <a:rPr lang="en-US" sz="1200" b="0" kern="1200" dirty="0">
-                <a:solidFill>
-                  <a:schemeClr val="tx1"/>
-                </a:solidFill>
-                <a:effectLst/>
-                <a:latin typeface="+mn-lt"/>
-                <a:ea typeface="+mn-ea"/>
-                <a:cs typeface="+mn-cs"/>
-              </a:rPr>
-              <a:t>Migrate with high confidence: Visualize dependencies of on-premises machines to create groups of machines that you</a:t>
-            </a:r>
-          </a:p>
-          <a:p>
-            <a:pPr marL="171450" indent="-171450">
-              <a:buFont typeface="Arial" panose="020B0604020202020204" pitchFamily="34" charset="0"/>
-              <a:buChar char="•"/>
-            </a:pPr>
-            <a:r>
-              <a:rPr lang="en-US" sz="1200" b="0" kern="1200" dirty="0">
-                <a:solidFill>
-                  <a:schemeClr val="tx1"/>
-                </a:solidFill>
-                <a:effectLst/>
-                <a:latin typeface="+mn-lt"/>
-                <a:ea typeface="+mn-ea"/>
-                <a:cs typeface="+mn-cs"/>
-              </a:rPr>
-              <a:t>will assess and migrate together. You can accurately view dependencies for a specific machine, or for all machines in</a:t>
-            </a:r>
-          </a:p>
-          <a:p>
-            <a:pPr marL="171450" indent="-171450">
-              <a:buFont typeface="Arial" panose="020B0604020202020204" pitchFamily="34" charset="0"/>
-              <a:buChar char="•"/>
-            </a:pPr>
-            <a:r>
-              <a:rPr lang="en-US" sz="1200" b="0" kern="1200" dirty="0">
-                <a:solidFill>
-                  <a:schemeClr val="tx1"/>
-                </a:solidFill>
-                <a:effectLst/>
-                <a:latin typeface="+mn-lt"/>
-                <a:ea typeface="+mn-ea"/>
-                <a:cs typeface="+mn-cs"/>
-              </a:rPr>
-              <a:t>a group.</a:t>
+              <a:rPr lang="en-CA" dirty="0"/>
+              <a:t>SQL Server VMs should be deployed across at least two Availability Zones. A cloud witness should be deployed to support the Windows Failover Cluster, this will allow the cluster to handle a datacenter level outage</a:t>
             </a:r>
           </a:p>
         </p:txBody>
@@ -3483,7 +3337,7 @@
     </p:spTree>
     <p:extLst>
       <p:ext uri="{BB962C8B-B14F-4D97-AF65-F5344CB8AC3E}">
-        <p14:creationId xmlns:p14="http://schemas.microsoft.com/office/powerpoint/2010/main" val="2506734815"/>
+        <p14:creationId xmlns:p14="http://schemas.microsoft.com/office/powerpoint/2010/main" val="1855291055"/>
       </p:ext>
     </p:extLst>
   </p:cSld>
@@ -3547,7 +3401,21 @@
                 <a:ea typeface="+mn-ea"/>
                 <a:cs typeface="+mn-cs"/>
               </a:rPr>
-              <a:t>Due to the lack of application installers, and the need to migrate quickly, the web tier should be migrated to Azure VMs.</a:t>
+              <a:t>The Azure Migrate Service can be used to assess the infrastructure in your environment. The Azure Migrate service</a:t>
+            </a:r>
+          </a:p>
+          <a:p>
+            <a:r>
+              <a:rPr lang="en-US" sz="1200" b="0" kern="1200" dirty="0">
+                <a:solidFill>
+                  <a:schemeClr val="tx1"/>
+                </a:solidFill>
+                <a:effectLst/>
+                <a:latin typeface="+mn-lt"/>
+                <a:ea typeface="+mn-ea"/>
+                <a:cs typeface="+mn-cs"/>
+              </a:rPr>
+              <a:t>assesses on-premises workloads for migration to Azure. The service assesses migration suitability and performance-based sizing, and provides cost estimations for running your on-premises machines in Azure.</a:t>
             </a:r>
           </a:p>
           <a:p>
@@ -3572,11 +3440,15 @@
                 <a:ea typeface="+mn-ea"/>
                 <a:cs typeface="+mn-cs"/>
               </a:rPr>
-              <a:t>Using Azure App Service is unsuitable since it will require access to the application code and require more time. In addition, since this is an internal application, using Azure App Service will require an App Service Environment, which will add significant additional cost.</a:t>
-            </a:r>
-          </a:p>
-          <a:p>
-            <a:br>
+              <a:t>The Azure Migration Service provides the following benefits:</a:t>
+            </a:r>
+          </a:p>
+          <a:p>
+            <a:pPr marL="171450" indent="-171450">
+              <a:buFont typeface="Arial" panose="020B0604020202020204" pitchFamily="34" charset="0"/>
+              <a:buChar char="•"/>
+            </a:pPr>
+            <a:r>
               <a:rPr lang="en-US" sz="1200" b="0" kern="1200" dirty="0">
                 <a:solidFill>
                   <a:schemeClr val="tx1"/>
@@ -3586,7 +3458,14 @@
                 <a:ea typeface="+mn-ea"/>
                 <a:cs typeface="+mn-cs"/>
               </a:rPr>
-            </a:br>
+              <a:t>Assess Azure readiness: Assess whether your on-premises machines are suitable for running in Azure.</a:t>
+            </a:r>
+          </a:p>
+          <a:p>
+            <a:pPr marL="171450" indent="-171450">
+              <a:buFont typeface="Arial" panose="020B0604020202020204" pitchFamily="34" charset="0"/>
+              <a:buChar char="•"/>
+            </a:pPr>
             <a:r>
               <a:rPr lang="en-US" sz="1200" b="0" kern="1200" dirty="0">
                 <a:solidFill>
@@ -3597,21 +3476,14 @@
                 <a:ea typeface="+mn-ea"/>
                 <a:cs typeface="+mn-cs"/>
               </a:rPr>
-              <a:t>Based on the desire for minimal on-going maintenance, Azure SQL Database Managed Instances should be considered in preference to running SQL Server in Azure VMs. (Using SQL Server in VMs is a good 'plan B' in case an unexpected compatibility issue arises.)</a:t>
-            </a:r>
-          </a:p>
-          <a:p>
-            <a:endParaRPr lang="en-US" sz="1200" b="0" kern="1200" dirty="0">
-              <a:solidFill>
-                <a:schemeClr val="tx1"/>
-              </a:solidFill>
-              <a:effectLst/>
-              <a:latin typeface="+mn-lt"/>
-              <a:ea typeface="+mn-ea"/>
-              <a:cs typeface="+mn-cs"/>
-            </a:endParaRPr>
-          </a:p>
-          <a:p>
+              <a:t>Get size recommendations: Get size recommendations for Azure VMs based on the performance history of on-premises VMs. You can specify a 'comfort factor', which is a buffer applied on top of the measured utilization when making sizing recommendations.</a:t>
+            </a:r>
+          </a:p>
+          <a:p>
+            <a:pPr marL="171450" indent="-171450">
+              <a:buFont typeface="Arial" panose="020B0604020202020204" pitchFamily="34" charset="0"/>
+              <a:buChar char="•"/>
+            </a:pPr>
             <a:r>
               <a:rPr lang="en-US" sz="1200" b="0" kern="1200" dirty="0">
                 <a:solidFill>
@@ -3622,10 +3494,16 @@
                 <a:ea typeface="+mn-ea"/>
                 <a:cs typeface="+mn-cs"/>
               </a:rPr>
-              <a:t>Note that the vanilla Azure SQL Database service is unsuitable due to the requirement for T-SQL jobs scheduled using SQL Agent; however this </a:t>
-            </a:r>
-            <a:r>
-              <a:rPr lang="en-US" sz="1200" b="1" kern="1200" dirty="0">
+              <a:t>Estimate monthly costs: Get estimated costs for running on-premises machines in Azure. You can specify the VM pricing tier (basic/standard). The estimate will also account for Azure Hybrid Benefit (to re-use existing licenses) and any Azure offers you are enrolled to</a:t>
+            </a:r>
+          </a:p>
+          <a:p>
+            <a:pPr marL="171450" indent="-171450">
+              <a:buFont typeface="Arial" panose="020B0604020202020204" pitchFamily="34" charset="0"/>
+              <a:buChar char="•"/>
+            </a:pPr>
+            <a:r>
+              <a:rPr lang="en-US" sz="1200" b="0" kern="1200" dirty="0">
                 <a:solidFill>
                   <a:schemeClr val="tx1"/>
                 </a:solidFill>
@@ -3634,8 +3512,14 @@
                 <a:ea typeface="+mn-ea"/>
                 <a:cs typeface="+mn-cs"/>
               </a:rPr>
-              <a:t>**is**</a:t>
-            </a:r>
+              <a:t>Migrate with high confidence: Visualize dependencies of on-premises machines to create groups of machines that you</a:t>
+            </a:r>
+          </a:p>
+          <a:p>
+            <a:pPr marL="171450" indent="-171450">
+              <a:buFont typeface="Arial" panose="020B0604020202020204" pitchFamily="34" charset="0"/>
+              <a:buChar char="•"/>
+            </a:pPr>
             <a:r>
               <a:rPr lang="en-US" sz="1200" b="0" kern="1200" dirty="0">
                 <a:solidFill>
@@ -3646,7 +3530,25 @@
                 <a:ea typeface="+mn-ea"/>
                 <a:cs typeface="+mn-cs"/>
               </a:rPr>
-              <a:t> supported on Azure SQL Database Managed Instances.</a:t>
+              <a:t>will assess and migrate together. You can accurately view dependencies for a specific machine, or for all machines in</a:t>
+            </a:r>
+          </a:p>
+          <a:p>
+            <a:pPr marL="171450" indent="-171450">
+              <a:buFont typeface="Arial" panose="020B0604020202020204" pitchFamily="34" charset="0"/>
+              <a:buChar char="•"/>
+            </a:pPr>
+            <a:r>
+              <a:rPr lang="en-US" sz="1200" b="0" kern="1200" dirty="0">
+                <a:solidFill>
+                  <a:schemeClr val="tx1"/>
+                </a:solidFill>
+                <a:effectLst/>
+                <a:latin typeface="+mn-lt"/>
+                <a:ea typeface="+mn-ea"/>
+                <a:cs typeface="+mn-cs"/>
+              </a:rPr>
+              <a:t>a group.</a:t>
             </a:r>
           </a:p>
         </p:txBody>
@@ -3677,7 +3579,7 @@
     </p:spTree>
     <p:extLst>
       <p:ext uri="{BB962C8B-B14F-4D97-AF65-F5344CB8AC3E}">
-        <p14:creationId xmlns:p14="http://schemas.microsoft.com/office/powerpoint/2010/main" val="4070250914"/>
+        <p14:creationId xmlns:p14="http://schemas.microsoft.com/office/powerpoint/2010/main" val="2506734815"/>
       </p:ext>
     </p:extLst>
   </p:cSld>
@@ -3825,11 +3727,22 @@
                 <a:ea typeface="+mn-ea"/>
                 <a:cs typeface="+mn-cs"/>
               </a:rPr>
-              <a:t>This poses a significant challenge. The existing physical servers use UEFI boot, and therefore Azure Site Recovery cannot be used. The application installers are not available, and so re-installing the application onto clean Azure VMs would be very difficult.</a:t>
-            </a:r>
-          </a:p>
-          <a:p>
-            <a:br>
+              <a:t>Due to the lack of application installers, and the need to migrate quickly, the web tier should be migrated to Azure VMs.</a:t>
+            </a:r>
+          </a:p>
+          <a:p>
+            <a:endParaRPr lang="en-US" sz="1200" b="0" kern="1200" dirty="0">
+              <a:solidFill>
+                <a:schemeClr val="tx1"/>
+              </a:solidFill>
+              <a:effectLst/>
+              <a:latin typeface="+mn-lt"/>
+              <a:ea typeface="+mn-ea"/>
+              <a:cs typeface="+mn-cs"/>
+            </a:endParaRPr>
+          </a:p>
+          <a:p>
+            <a:r>
               <a:rPr lang="en-US" sz="1200" b="0" kern="1200" dirty="0">
                 <a:solidFill>
                   <a:schemeClr val="tx1"/>
@@ -3839,8 +3752,11 @@
                 <a:ea typeface="+mn-ea"/>
                 <a:cs typeface="+mn-cs"/>
               </a:rPr>
-            </a:br>
-            <a:r>
+              <a:t>Using Azure App Service is unsuitable since it will require access to the application code and require more time. In addition, since this is an internal application, using Azure App Service will require an App Service Environment, which will add significant additional cost.</a:t>
+            </a:r>
+          </a:p>
+          <a:p>
+            <a:br>
               <a:rPr lang="en-US" sz="1200" b="0" kern="1200" dirty="0">
                 <a:solidFill>
                   <a:schemeClr val="tx1"/>
@@ -3850,10 +3766,7 @@
                 <a:ea typeface="+mn-ea"/>
                 <a:cs typeface="+mn-cs"/>
               </a:rPr>
-              <a:t>In this situation, use of third-party migration tools should be explored. For example, [CloudEndure](https://www.cloudendure.com/live-migration/)</a:t>
-            </a:r>
-          </a:p>
-          <a:p>
+            </a:br>
             <a:r>
               <a:rPr lang="en-US" sz="1200" b="0" kern="1200" dirty="0">
                 <a:solidFill>
@@ -3864,14 +3777,21 @@
                 <a:ea typeface="+mn-ea"/>
                 <a:cs typeface="+mn-cs"/>
               </a:rPr>
-              <a:t>offers block-level migration of both VMs and physical servers. The migration process is as follows:</a:t>
-            </a:r>
-          </a:p>
-          <a:p>
-            <a:pPr marL="228600" indent="-228600">
-              <a:buFont typeface="+mj-lt"/>
-              <a:buAutoNum type="arabicPeriod"/>
-            </a:pPr>
+              <a:t>Based on the desire for minimal on-going maintenance, Azure SQL Database Managed Instances should be considered in preference to running SQL Server in Azure VMs. (Using SQL Server in VMs is a good 'plan B' in case an unexpected compatibility issue arises.)</a:t>
+            </a:r>
+          </a:p>
+          <a:p>
+            <a:endParaRPr lang="en-US" sz="1200" b="0" kern="1200" dirty="0">
+              <a:solidFill>
+                <a:schemeClr val="tx1"/>
+              </a:solidFill>
+              <a:effectLst/>
+              <a:latin typeface="+mn-lt"/>
+              <a:ea typeface="+mn-ea"/>
+              <a:cs typeface="+mn-cs"/>
+            </a:endParaRPr>
+          </a:p>
+          <a:p>
             <a:r>
               <a:rPr lang="en-US" sz="1200" b="0" kern="1200" dirty="0">
                 <a:solidFill>
@@ -3882,16 +3802,10 @@
                 <a:ea typeface="+mn-ea"/>
                 <a:cs typeface="+mn-cs"/>
               </a:rPr>
-              <a:t>Install the CloudEndure agent on the physical servers to be migrated</a:t>
-            </a:r>
-          </a:p>
-          <a:p>
-            <a:pPr marL="228600" indent="-228600">
-              <a:buFont typeface="+mj-lt"/>
-              <a:buAutoNum type="arabicPeriod"/>
-            </a:pPr>
-            <a:r>
-              <a:rPr lang="en-US" sz="1200" b="0" kern="1200" dirty="0">
+              <a:t>Note that the vanilla Azure SQL Database service is unsuitable due to the requirement for T-SQL jobs scheduled using SQL Agent; however this </a:t>
+            </a:r>
+            <a:r>
+              <a:rPr lang="en-US" sz="1200" b="1" kern="1200" dirty="0">
                 <a:solidFill>
                   <a:schemeClr val="tx1"/>
                 </a:solidFill>
@@ -3900,14 +3814,8 @@
                 <a:ea typeface="+mn-ea"/>
                 <a:cs typeface="+mn-cs"/>
               </a:rPr>
-              <a:t>Specify the destination servers in Azure</a:t>
-            </a:r>
-          </a:p>
-          <a:p>
-            <a:pPr marL="228600" indent="-228600">
-              <a:buFont typeface="+mj-lt"/>
-              <a:buAutoNum type="arabicPeriod"/>
-            </a:pPr>
+              <a:t>**is**</a:t>
+            </a:r>
             <a:r>
               <a:rPr lang="en-US" sz="1200" b="0" kern="1200" dirty="0">
                 <a:solidFill>
@@ -3918,47 +3826,8 @@
                 <a:ea typeface="+mn-ea"/>
                 <a:cs typeface="+mn-cs"/>
               </a:rPr>
-              <a:t>CloudEndure will replicate the physical servers to Azure, at the block level, including any on-going changes. This occurs in the background, without disrupting the running application.</a:t>
-            </a:r>
-          </a:p>
-          <a:p>
-            <a:pPr marL="228600" indent="-228600">
-              <a:buFont typeface="+mj-lt"/>
-              <a:buAutoNum type="arabicPeriod"/>
-            </a:pPr>
-            <a:r>
-              <a:rPr lang="en-US" sz="1200" b="0" kern="1200" dirty="0">
-                <a:solidFill>
-                  <a:schemeClr val="tx1"/>
-                </a:solidFill>
-                <a:effectLst/>
-                <a:latin typeface="+mn-lt"/>
-                <a:ea typeface="+mn-ea"/>
-                <a:cs typeface="+mn-cs"/>
-              </a:rPr>
-              <a:t>To test the migrated server, CloudEndure allows you to spin up new Azure servers for verification</a:t>
-            </a:r>
-          </a:p>
-          <a:p>
-            <a:pPr marL="228600" indent="-228600">
-              <a:buFont typeface="+mj-lt"/>
-              <a:buAutoNum type="arabicPeriod"/>
-            </a:pPr>
-            <a:r>
-              <a:rPr lang="en-US" sz="1200" b="0" kern="1200" dirty="0">
-                <a:solidFill>
-                  <a:schemeClr val="tx1"/>
-                </a:solidFill>
-                <a:effectLst/>
-                <a:latin typeface="+mn-lt"/>
-                <a:ea typeface="+mn-ea"/>
-                <a:cs typeface="+mn-cs"/>
-              </a:rPr>
-              <a:t>Once testing is complete, user traffic can be cut over to the migrated servers similarly to the procurement system.</a:t>
-            </a:r>
-          </a:p>
-          <a:p>
-            <a:endParaRPr lang="en-US" dirty="0"/>
+              <a:t> supported on Azure SQL Database Managed Instances.</a:t>
+            </a:r>
           </a:p>
         </p:txBody>
       </p:sp>
@@ -3977,7 +3846,7 @@
           <a:bodyPr/>
           <a:lstStyle/>
           <a:p>
-            <a:fld id="{148D4592-6837-45C4-B65B-13E03ECAF0B2}" type="slidenum">
+            <a:fld id="{0998D5BB-B127-481F-BC0A-2F77C576BB34}" type="slidenum">
               <a:rPr lang="en-US" smtClean="0"/>
               <a:t>30</a:t>
             </a:fld>
@@ -3988,7 +3857,7 @@
     </p:spTree>
     <p:extLst>
       <p:ext uri="{BB962C8B-B14F-4D97-AF65-F5344CB8AC3E}">
-        <p14:creationId xmlns:p14="http://schemas.microsoft.com/office/powerpoint/2010/main" val="2533586462"/>
+        <p14:creationId xmlns:p14="http://schemas.microsoft.com/office/powerpoint/2010/main" val="4070250914"/>
       </p:ext>
     </p:extLst>
   </p:cSld>
@@ -4052,10 +3921,12 @@
                 <a:ea typeface="+mn-ea"/>
                 <a:cs typeface="+mn-cs"/>
               </a:rPr>
-              <a:t>Migrating the database to Azure SQL Database Managed Instances can be executed using the Azure Database Migration Service (</a:t>
-            </a:r>
-            <a:r>
-              <a:rPr lang="en-US" sz="1200" b="0" u="sng" kern="1200" dirty="0">
+              <a:t>This poses a significant challenge. The existing physical servers use UEFI boot, and therefore Azure Site Recovery cannot be used. The application installers are not available, and so re-installing the application onto clean Azure VMs would be very difficult.</a:t>
+            </a:r>
+          </a:p>
+          <a:p>
+            <a:br>
+              <a:rPr lang="en-US" sz="1200" b="0" kern="1200" dirty="0">
                 <a:solidFill>
                   <a:schemeClr val="tx1"/>
                 </a:solidFill>
@@ -4064,8 +3935,7 @@
                 <a:ea typeface="+mn-ea"/>
                 <a:cs typeface="+mn-cs"/>
               </a:rPr>
-              <a:t>https://docs.microsoft.com/azure/dms/dms-overview</a:t>
-            </a:r>
+            </a:br>
             <a:r>
               <a:rPr lang="en-US" sz="1200" b="0" kern="1200" dirty="0">
                 <a:solidFill>
@@ -4076,11 +3946,11 @@
                 <a:ea typeface="+mn-ea"/>
                 <a:cs typeface="+mn-cs"/>
               </a:rPr>
-              <a:t>). This is a fully managed service designed to enable seamless migrations from multiple database sources to Azure Data platforms with minimal downtime.</a:t>
-            </a:r>
-          </a:p>
-          <a:p>
-            <a:br>
+              <a:t>In this situation, use of third-party migration tools should be explored. For example, [CloudEndure](https://www.cloudendure.com/live-migration/)</a:t>
+            </a:r>
+          </a:p>
+          <a:p>
+            <a:r>
               <a:rPr lang="en-US" sz="1200" b="0" kern="1200" dirty="0">
                 <a:solidFill>
                   <a:schemeClr val="tx1"/>
@@ -4090,7 +3960,14 @@
                 <a:ea typeface="+mn-ea"/>
                 <a:cs typeface="+mn-cs"/>
               </a:rPr>
-            </a:br>
+              <a:t>offers block-level migration of both VMs and physical servers. The migration process is as follows:</a:t>
+            </a:r>
+          </a:p>
+          <a:p>
+            <a:pPr marL="228600" indent="-228600">
+              <a:buFont typeface="+mj-lt"/>
+              <a:buAutoNum type="arabicPeriod"/>
+            </a:pPr>
             <a:r>
               <a:rPr lang="en-US" sz="1200" b="0" kern="1200" dirty="0">
                 <a:solidFill>
@@ -4101,10 +3978,14 @@
                 <a:ea typeface="+mn-ea"/>
                 <a:cs typeface="+mn-cs"/>
               </a:rPr>
-              <a:t>Support for Azure SQL Database Managed Instances is currently in Preview. Microsoft publishes detailed step-by-step guidance on how to</a:t>
-            </a:r>
-          </a:p>
-          <a:p>
+              <a:t>Install the CloudEndure agent on the physical servers to be migrated</a:t>
+            </a:r>
+          </a:p>
+          <a:p>
+            <a:pPr marL="228600" indent="-228600">
+              <a:buFont typeface="+mj-lt"/>
+              <a:buAutoNum type="arabicPeriod"/>
+            </a:pPr>
             <a:r>
               <a:rPr lang="en-US" sz="1200" b="0" kern="1200" dirty="0">
                 <a:solidFill>
@@ -4115,10 +3996,16 @@
                 <a:ea typeface="+mn-ea"/>
                 <a:cs typeface="+mn-cs"/>
               </a:rPr>
-              <a:t>execute the migration (</a:t>
-            </a:r>
-            <a:r>
-              <a:rPr lang="en-US" sz="1200" b="0" u="sng" kern="1200" dirty="0">
+              <a:t>Specify the destination servers in Azure</a:t>
+            </a:r>
+          </a:p>
+          <a:p>
+            <a:pPr marL="228600" indent="-228600">
+              <a:buFont typeface="+mj-lt"/>
+              <a:buAutoNum type="arabicPeriod"/>
+            </a:pPr>
+            <a:r>
+              <a:rPr lang="en-US" sz="1200" b="0" kern="1200" dirty="0">
                 <a:solidFill>
                   <a:schemeClr val="tx1"/>
                 </a:solidFill>
@@ -4127,8 +4014,14 @@
                 <a:ea typeface="+mn-ea"/>
                 <a:cs typeface="+mn-cs"/>
               </a:rPr>
-              <a:t>https://docs.microsoft.com/azure/dms/tutorial-sql-server-to-managed-instance</a:t>
-            </a:r>
+              <a:t>CloudEndure will replicate the physical servers to Azure, at the block level, including any on-going changes. This occurs in the background, without disrupting the running application.</a:t>
+            </a:r>
+          </a:p>
+          <a:p>
+            <a:pPr marL="228600" indent="-228600">
+              <a:buFont typeface="+mj-lt"/>
+              <a:buAutoNum type="arabicPeriod"/>
+            </a:pPr>
             <a:r>
               <a:rPr lang="en-US" sz="1200" b="0" kern="1200" dirty="0">
                 <a:solidFill>
@@ -4139,11 +4032,15 @@
                 <a:ea typeface="+mn-ea"/>
                 <a:cs typeface="+mn-cs"/>
               </a:rPr>
-              <a:t>).</a:t>
-            </a:r>
-          </a:p>
-          <a:p>
-            <a:br>
+              <a:t>To test the migrated server, CloudEndure allows you to spin up new Azure servers for verification</a:t>
+            </a:r>
+          </a:p>
+          <a:p>
+            <a:pPr marL="228600" indent="-228600">
+              <a:buFont typeface="+mj-lt"/>
+              <a:buAutoNum type="arabicPeriod"/>
+            </a:pPr>
+            <a:r>
               <a:rPr lang="en-US" sz="1200" b="0" kern="1200" dirty="0">
                 <a:solidFill>
                   <a:schemeClr val="tx1"/>
@@ -4153,179 +4050,11 @@
                 <a:ea typeface="+mn-ea"/>
                 <a:cs typeface="+mn-cs"/>
               </a:rPr>
-            </a:br>
-            <a:r>
-              <a:rPr lang="en-US" sz="1200" b="0" kern="1200" dirty="0">
-                <a:solidFill>
-                  <a:schemeClr val="tx1"/>
-                </a:solidFill>
-                <a:effectLst/>
-                <a:latin typeface="+mn-lt"/>
-                <a:ea typeface="+mn-ea"/>
-                <a:cs typeface="+mn-cs"/>
-              </a:rPr>
-              <a:t>To summarize the migration steps:</a:t>
-            </a:r>
-          </a:p>
-          <a:p>
-            <a:pPr marL="171450" indent="-171450">
-              <a:buFont typeface="Arial" panose="020B0604020202020204" pitchFamily="34" charset="0"/>
-              <a:buChar char="•"/>
-            </a:pPr>
-            <a:r>
-              <a:rPr lang="en-US" sz="1200" b="0" kern="1200" dirty="0">
-                <a:solidFill>
-                  <a:schemeClr val="tx1"/>
-                </a:solidFill>
-                <a:effectLst/>
-                <a:latin typeface="+mn-lt"/>
-                <a:ea typeface="+mn-ea"/>
-                <a:cs typeface="+mn-cs"/>
-              </a:rPr>
-              <a:t>Complete pre-requisites, such as setting up the Virtual Network ensuring the correct network connectivity, setting up logins, etc.</a:t>
-            </a:r>
-          </a:p>
-          <a:p>
-            <a:pPr marL="171450" indent="-171450">
-              <a:buFont typeface="Arial" panose="020B0604020202020204" pitchFamily="34" charset="0"/>
-              <a:buChar char="•"/>
-            </a:pPr>
-            <a:r>
-              <a:rPr lang="en-US" sz="1200" b="0" kern="1200" dirty="0">
-                <a:solidFill>
-                  <a:schemeClr val="tx1"/>
-                </a:solidFill>
-                <a:effectLst/>
-                <a:latin typeface="+mn-lt"/>
-                <a:ea typeface="+mn-ea"/>
-                <a:cs typeface="+mn-cs"/>
-              </a:rPr>
-              <a:t>Create an Azure Database Migration Service resource, specifying the destination Virtual Network.</a:t>
-            </a:r>
-          </a:p>
-          <a:p>
-            <a:pPr marL="171450" indent="-171450">
-              <a:buFont typeface="Arial" panose="020B0604020202020204" pitchFamily="34" charset="0"/>
-              <a:buChar char="•"/>
-            </a:pPr>
-            <a:r>
-              <a:rPr lang="en-US" sz="1200" b="0" kern="1200" dirty="0">
-                <a:solidFill>
-                  <a:schemeClr val="tx1"/>
-                </a:solidFill>
-                <a:effectLst/>
-                <a:latin typeface="+mn-lt"/>
-                <a:ea typeface="+mn-ea"/>
-                <a:cs typeface="+mn-cs"/>
-              </a:rPr>
-              <a:t>Create a Migration Project, and specify the source database.</a:t>
-            </a:r>
-          </a:p>
-          <a:p>
-            <a:pPr marL="171450" indent="-171450">
-              <a:buFont typeface="Arial" panose="020B0604020202020204" pitchFamily="34" charset="0"/>
-              <a:buChar char="•"/>
-            </a:pPr>
-            <a:r>
-              <a:rPr lang="en-US" sz="1200" b="0" kern="1200" dirty="0">
-                <a:solidFill>
-                  <a:schemeClr val="tx1"/>
-                </a:solidFill>
-                <a:effectLst/>
-                <a:latin typeface="+mn-lt"/>
-                <a:ea typeface="+mn-ea"/>
-                <a:cs typeface="+mn-cs"/>
-              </a:rPr>
-              <a:t>Specify the setting for the Azure SQL Database Managed Instance, which the migration process will provision for you.</a:t>
-            </a:r>
-          </a:p>
-          <a:p>
-            <a:pPr marL="171450" indent="-171450">
-              <a:buFont typeface="Arial" panose="020B0604020202020204" pitchFamily="34" charset="0"/>
-              <a:buChar char="•"/>
-            </a:pPr>
-            <a:r>
-              <a:rPr lang="en-US" sz="1200" b="0" kern="1200" dirty="0">
-                <a:solidFill>
-                  <a:schemeClr val="tx1"/>
-                </a:solidFill>
-                <a:effectLst/>
-                <a:latin typeface="+mn-lt"/>
-                <a:ea typeface="+mn-ea"/>
-                <a:cs typeface="+mn-cs"/>
-              </a:rPr>
-              <a:t>Run the migration, specifying the storage location for backup files and login details. </a:t>
-            </a:r>
-          </a:p>
-          <a:p>
-            <a:pPr marL="171450" indent="-171450">
-              <a:buFont typeface="Arial" panose="020B0604020202020204" pitchFamily="34" charset="0"/>
-              <a:buChar char="•"/>
-            </a:pPr>
-            <a:r>
-              <a:rPr lang="en-US" sz="1200" b="0" kern="1200" dirty="0">
-                <a:solidFill>
-                  <a:schemeClr val="tx1"/>
-                </a:solidFill>
-                <a:effectLst/>
-                <a:latin typeface="+mn-lt"/>
-                <a:ea typeface="+mn-ea"/>
-                <a:cs typeface="+mn-cs"/>
-              </a:rPr>
-              <a:t>View the migration report, validate the migrated database, and update the web tier to use the new database.</a:t>
-            </a:r>
-          </a:p>
-          <a:p>
-            <a:br>
-              <a:rPr lang="en-US" sz="1200" b="0" kern="1200" dirty="0">
-                <a:solidFill>
-                  <a:schemeClr val="tx1"/>
-                </a:solidFill>
-                <a:effectLst/>
-                <a:latin typeface="+mn-lt"/>
-                <a:ea typeface="+mn-ea"/>
-                <a:cs typeface="+mn-cs"/>
-              </a:rPr>
-            </a:br>
-            <a:r>
-              <a:rPr lang="en-US" sz="1200" b="0" kern="1200" dirty="0">
-                <a:solidFill>
-                  <a:schemeClr val="tx1"/>
-                </a:solidFill>
-                <a:effectLst/>
-                <a:latin typeface="+mn-lt"/>
-                <a:ea typeface="+mn-ea"/>
-                <a:cs typeface="+mn-cs"/>
-              </a:rPr>
-              <a:t>If issues arise during migration, Microsoft have also published detailed documentation on how to execute a manual migration (</a:t>
-            </a:r>
-            <a:r>
-              <a:rPr lang="en-US" sz="1200" b="0" u="sng" kern="1200" dirty="0">
-                <a:solidFill>
-                  <a:schemeClr val="tx1"/>
-                </a:solidFill>
-                <a:effectLst/>
-                <a:latin typeface="+mn-lt"/>
-                <a:ea typeface="+mn-ea"/>
-                <a:cs typeface="+mn-cs"/>
-              </a:rPr>
-              <a:t>https://docs.microsoft.com/azure/sql-database/sql-database-managed-instance-migrate</a:t>
-            </a:r>
-            <a:r>
-              <a:rPr lang="en-US" sz="1200" b="0" kern="1200" dirty="0">
-                <a:solidFill>
-                  <a:schemeClr val="tx1"/>
-                </a:solidFill>
-                <a:effectLst/>
-                <a:latin typeface="+mn-lt"/>
-                <a:ea typeface="+mn-ea"/>
-                <a:cs typeface="+mn-cs"/>
-              </a:rPr>
-              <a:t>).</a:t>
-            </a:r>
-          </a:p>
-          <a:p>
-            <a:endParaRPr lang="en-CA" dirty="0"/>
+              <a:t>Once testing is complete, user traffic can be cut over to the migrated servers similarly to the procurement system.</a:t>
+            </a:r>
+          </a:p>
+          <a:p>
+            <a:endParaRPr lang="en-US" dirty="0"/>
           </a:p>
         </p:txBody>
       </p:sp>
@@ -4344,7 +4073,7 @@
           <a:bodyPr/>
           <a:lstStyle/>
           <a:p>
-            <a:fld id="{0998D5BB-B127-481F-BC0A-2F77C576BB34}" type="slidenum">
+            <a:fld id="{148D4592-6837-45C4-B65B-13E03ECAF0B2}" type="slidenum">
               <a:rPr lang="en-US" smtClean="0"/>
               <a:t>31</a:t>
             </a:fld>
@@ -4355,7 +4084,7 @@
     </p:spTree>
     <p:extLst>
       <p:ext uri="{BB962C8B-B14F-4D97-AF65-F5344CB8AC3E}">
-        <p14:creationId xmlns:p14="http://schemas.microsoft.com/office/powerpoint/2010/main" val="1575152072"/>
+        <p14:creationId xmlns:p14="http://schemas.microsoft.com/office/powerpoint/2010/main" val="2533586462"/>
       </p:ext>
     </p:extLst>
   </p:cSld>
@@ -4419,23 +4148,10 @@
                 <a:ea typeface="+mn-ea"/>
                 <a:cs typeface="+mn-cs"/>
               </a:rPr>
-              <a:t>By migrating the database to Azure SQL Database Managed Instances, the service will benefit from improved from the high availability features which are built-in to this service (similar to SQL Always On availability groups). This is an improvement over the previous database failover cluster implementation.</a:t>
-            </a:r>
-          </a:p>
-          <a:p>
-            <a:endParaRPr lang="en-US" sz="1200" b="0" kern="1200" dirty="0">
-              <a:solidFill>
-                <a:schemeClr val="tx1"/>
-              </a:solidFill>
-              <a:effectLst/>
-              <a:latin typeface="+mn-lt"/>
-              <a:ea typeface="+mn-ea"/>
-              <a:cs typeface="+mn-cs"/>
-            </a:endParaRPr>
-          </a:p>
-          <a:p>
-            <a:r>
-              <a:rPr lang="en-US" sz="1200" b="0" kern="1200" dirty="0">
+              <a:t>Migrating the database to Azure SQL Database Managed Instances can be executed using the Azure Database Migration Service (</a:t>
+            </a:r>
+            <a:r>
+              <a:rPr lang="en-US" sz="1200" b="0" u="sng" kern="1200" dirty="0">
                 <a:solidFill>
                   <a:schemeClr val="tx1"/>
                 </a:solidFill>
@@ -4444,7 +4160,264 @@
                 <a:ea typeface="+mn-ea"/>
                 <a:cs typeface="+mn-cs"/>
               </a:rPr>
-              <a:t>It may be possible to deploy Azure AD Application Proxy to make the application available to remote users, without having to open the application to traffic from the Internet.</a:t>
+              <a:t>https://docs.microsoft.com/azure/dms/dms-overview</a:t>
+            </a:r>
+            <a:r>
+              <a:rPr lang="en-US" sz="1200" b="0" kern="1200" dirty="0">
+                <a:solidFill>
+                  <a:schemeClr val="tx1"/>
+                </a:solidFill>
+                <a:effectLst/>
+                <a:latin typeface="+mn-lt"/>
+                <a:ea typeface="+mn-ea"/>
+                <a:cs typeface="+mn-cs"/>
+              </a:rPr>
+              <a:t>). This is a fully managed service designed to enable seamless migrations from multiple database sources to Azure Data platforms with minimal downtime.</a:t>
+            </a:r>
+          </a:p>
+          <a:p>
+            <a:br>
+              <a:rPr lang="en-US" sz="1200" b="0" kern="1200" dirty="0">
+                <a:solidFill>
+                  <a:schemeClr val="tx1"/>
+                </a:solidFill>
+                <a:effectLst/>
+                <a:latin typeface="+mn-lt"/>
+                <a:ea typeface="+mn-ea"/>
+                <a:cs typeface="+mn-cs"/>
+              </a:rPr>
+            </a:br>
+            <a:r>
+              <a:rPr lang="en-US" sz="1200" b="0" kern="1200" dirty="0">
+                <a:solidFill>
+                  <a:schemeClr val="tx1"/>
+                </a:solidFill>
+                <a:effectLst/>
+                <a:latin typeface="+mn-lt"/>
+                <a:ea typeface="+mn-ea"/>
+                <a:cs typeface="+mn-cs"/>
+              </a:rPr>
+              <a:t>Support for Azure SQL Database Managed Instances is currently in Preview. Microsoft publishes detailed step-by-step guidance on how to</a:t>
+            </a:r>
+          </a:p>
+          <a:p>
+            <a:r>
+              <a:rPr lang="en-US" sz="1200" b="0" kern="1200" dirty="0">
+                <a:solidFill>
+                  <a:schemeClr val="tx1"/>
+                </a:solidFill>
+                <a:effectLst/>
+                <a:latin typeface="+mn-lt"/>
+                <a:ea typeface="+mn-ea"/>
+                <a:cs typeface="+mn-cs"/>
+              </a:rPr>
+              <a:t>execute the migration (</a:t>
+            </a:r>
+            <a:r>
+              <a:rPr lang="en-US" sz="1200" b="0" u="sng" kern="1200" dirty="0">
+                <a:solidFill>
+                  <a:schemeClr val="tx1"/>
+                </a:solidFill>
+                <a:effectLst/>
+                <a:latin typeface="+mn-lt"/>
+                <a:ea typeface="+mn-ea"/>
+                <a:cs typeface="+mn-cs"/>
+              </a:rPr>
+              <a:t>https://docs.microsoft.com/azure/dms/tutorial-sql-server-to-managed-instance</a:t>
+            </a:r>
+            <a:r>
+              <a:rPr lang="en-US" sz="1200" b="0" kern="1200" dirty="0">
+                <a:solidFill>
+                  <a:schemeClr val="tx1"/>
+                </a:solidFill>
+                <a:effectLst/>
+                <a:latin typeface="+mn-lt"/>
+                <a:ea typeface="+mn-ea"/>
+                <a:cs typeface="+mn-cs"/>
+              </a:rPr>
+              <a:t>).</a:t>
+            </a:r>
+          </a:p>
+          <a:p>
+            <a:br>
+              <a:rPr lang="en-US" sz="1200" b="0" kern="1200" dirty="0">
+                <a:solidFill>
+                  <a:schemeClr val="tx1"/>
+                </a:solidFill>
+                <a:effectLst/>
+                <a:latin typeface="+mn-lt"/>
+                <a:ea typeface="+mn-ea"/>
+                <a:cs typeface="+mn-cs"/>
+              </a:rPr>
+            </a:br>
+            <a:r>
+              <a:rPr lang="en-US" sz="1200" b="0" kern="1200" dirty="0">
+                <a:solidFill>
+                  <a:schemeClr val="tx1"/>
+                </a:solidFill>
+                <a:effectLst/>
+                <a:latin typeface="+mn-lt"/>
+                <a:ea typeface="+mn-ea"/>
+                <a:cs typeface="+mn-cs"/>
+              </a:rPr>
+              <a:t>To summarize the migration steps:</a:t>
+            </a:r>
+          </a:p>
+          <a:p>
+            <a:pPr marL="171450" indent="-171450">
+              <a:buFont typeface="Arial" panose="020B0604020202020204" pitchFamily="34" charset="0"/>
+              <a:buChar char="•"/>
+            </a:pPr>
+            <a:r>
+              <a:rPr lang="en-US" sz="1200" b="0" kern="1200" dirty="0">
+                <a:solidFill>
+                  <a:schemeClr val="tx1"/>
+                </a:solidFill>
+                <a:effectLst/>
+                <a:latin typeface="+mn-lt"/>
+                <a:ea typeface="+mn-ea"/>
+                <a:cs typeface="+mn-cs"/>
+              </a:rPr>
+              <a:t>Complete pre-requisites, such as setting up the Virtual Network ensuring the correct network connectivity, setting up logins, etc.</a:t>
+            </a:r>
+          </a:p>
+          <a:p>
+            <a:pPr marL="171450" indent="-171450">
+              <a:buFont typeface="Arial" panose="020B0604020202020204" pitchFamily="34" charset="0"/>
+              <a:buChar char="•"/>
+            </a:pPr>
+            <a:r>
+              <a:rPr lang="en-US" sz="1200" b="0" kern="1200" dirty="0">
+                <a:solidFill>
+                  <a:schemeClr val="tx1"/>
+                </a:solidFill>
+                <a:effectLst/>
+                <a:latin typeface="+mn-lt"/>
+                <a:ea typeface="+mn-ea"/>
+                <a:cs typeface="+mn-cs"/>
+              </a:rPr>
+              <a:t>Create an Azure Database Migration Service resource, specifying the destination Virtual Network.</a:t>
+            </a:r>
+          </a:p>
+          <a:p>
+            <a:pPr marL="171450" indent="-171450">
+              <a:buFont typeface="Arial" panose="020B0604020202020204" pitchFamily="34" charset="0"/>
+              <a:buChar char="•"/>
+            </a:pPr>
+            <a:r>
+              <a:rPr lang="en-US" sz="1200" b="0" kern="1200" dirty="0">
+                <a:solidFill>
+                  <a:schemeClr val="tx1"/>
+                </a:solidFill>
+                <a:effectLst/>
+                <a:latin typeface="+mn-lt"/>
+                <a:ea typeface="+mn-ea"/>
+                <a:cs typeface="+mn-cs"/>
+              </a:rPr>
+              <a:t>Create a Migration Project, and specify the source database.</a:t>
+            </a:r>
+          </a:p>
+          <a:p>
+            <a:pPr marL="171450" indent="-171450">
+              <a:buFont typeface="Arial" panose="020B0604020202020204" pitchFamily="34" charset="0"/>
+              <a:buChar char="•"/>
+            </a:pPr>
+            <a:r>
+              <a:rPr lang="en-US" sz="1200" b="0" kern="1200" dirty="0">
+                <a:solidFill>
+                  <a:schemeClr val="tx1"/>
+                </a:solidFill>
+                <a:effectLst/>
+                <a:latin typeface="+mn-lt"/>
+                <a:ea typeface="+mn-ea"/>
+                <a:cs typeface="+mn-cs"/>
+              </a:rPr>
+              <a:t>Specify the setting for the Azure SQL Database Managed Instance, which the migration process will provision for you.</a:t>
+            </a:r>
+          </a:p>
+          <a:p>
+            <a:pPr marL="171450" indent="-171450">
+              <a:buFont typeface="Arial" panose="020B0604020202020204" pitchFamily="34" charset="0"/>
+              <a:buChar char="•"/>
+            </a:pPr>
+            <a:r>
+              <a:rPr lang="en-US" sz="1200" b="0" kern="1200" dirty="0">
+                <a:solidFill>
+                  <a:schemeClr val="tx1"/>
+                </a:solidFill>
+                <a:effectLst/>
+                <a:latin typeface="+mn-lt"/>
+                <a:ea typeface="+mn-ea"/>
+                <a:cs typeface="+mn-cs"/>
+              </a:rPr>
+              <a:t>Run the migration, specifying the storage location for backup files and login details. </a:t>
+            </a:r>
+          </a:p>
+          <a:p>
+            <a:pPr marL="171450" indent="-171450">
+              <a:buFont typeface="Arial" panose="020B0604020202020204" pitchFamily="34" charset="0"/>
+              <a:buChar char="•"/>
+            </a:pPr>
+            <a:r>
+              <a:rPr lang="en-US" sz="1200" b="0" kern="1200" dirty="0">
+                <a:solidFill>
+                  <a:schemeClr val="tx1"/>
+                </a:solidFill>
+                <a:effectLst/>
+                <a:latin typeface="+mn-lt"/>
+                <a:ea typeface="+mn-ea"/>
+                <a:cs typeface="+mn-cs"/>
+              </a:rPr>
+              <a:t>View the migration report, validate the migrated database, and update the web tier to use the new database.</a:t>
+            </a:r>
+          </a:p>
+          <a:p>
+            <a:br>
+              <a:rPr lang="en-US" sz="1200" b="0" kern="1200" dirty="0">
+                <a:solidFill>
+                  <a:schemeClr val="tx1"/>
+                </a:solidFill>
+                <a:effectLst/>
+                <a:latin typeface="+mn-lt"/>
+                <a:ea typeface="+mn-ea"/>
+                <a:cs typeface="+mn-cs"/>
+              </a:rPr>
+            </a:br>
+            <a:r>
+              <a:rPr lang="en-US" sz="1200" b="0" kern="1200" dirty="0">
+                <a:solidFill>
+                  <a:schemeClr val="tx1"/>
+                </a:solidFill>
+                <a:effectLst/>
+                <a:latin typeface="+mn-lt"/>
+                <a:ea typeface="+mn-ea"/>
+                <a:cs typeface="+mn-cs"/>
+              </a:rPr>
+              <a:t>If issues arise during migration, Microsoft have also published detailed documentation on how to execute a manual migration (</a:t>
+            </a:r>
+            <a:r>
+              <a:rPr lang="en-US" sz="1200" b="0" u="sng" kern="1200" dirty="0">
+                <a:solidFill>
+                  <a:schemeClr val="tx1"/>
+                </a:solidFill>
+                <a:effectLst/>
+                <a:latin typeface="+mn-lt"/>
+                <a:ea typeface="+mn-ea"/>
+                <a:cs typeface="+mn-cs"/>
+              </a:rPr>
+              <a:t>https://docs.microsoft.com/azure/sql-database/sql-database-managed-instance-migrate</a:t>
+            </a:r>
+            <a:r>
+              <a:rPr lang="en-US" sz="1200" b="0" kern="1200" dirty="0">
+                <a:solidFill>
+                  <a:schemeClr val="tx1"/>
+                </a:solidFill>
+                <a:effectLst/>
+                <a:latin typeface="+mn-lt"/>
+                <a:ea typeface="+mn-ea"/>
+                <a:cs typeface="+mn-cs"/>
+              </a:rPr>
+              <a:t>).</a:t>
             </a:r>
           </a:p>
           <a:p>
@@ -4478,7 +4451,7 @@
     </p:spTree>
     <p:extLst>
       <p:ext uri="{BB962C8B-B14F-4D97-AF65-F5344CB8AC3E}">
-        <p14:creationId xmlns:p14="http://schemas.microsoft.com/office/powerpoint/2010/main" val="2471382685"/>
+        <p14:creationId xmlns:p14="http://schemas.microsoft.com/office/powerpoint/2010/main" val="1575152072"/>
       </p:ext>
     </p:extLst>
   </p:cSld>
@@ -4542,7 +4515,7 @@
                 <a:ea typeface="+mn-ea"/>
                 <a:cs typeface="+mn-cs"/>
               </a:rPr>
-              <a:t>Both applications will be configured with availability sets on both web and database tiers to minimize host outages from hardware and host updates. </a:t>
+              <a:t>By migrating the database to Azure SQL Database Managed Instances, the service will benefit from improved from the high availability features which are built-in to this service (similar to SQL Always On availability groups). This is an improvement over the previous database failover cluster implementation.</a:t>
             </a:r>
           </a:p>
           <a:p>
@@ -4567,134 +4540,11 @@
                 <a:ea typeface="+mn-ea"/>
                 <a:cs typeface="+mn-cs"/>
               </a:rPr>
-              <a:t>The web tier will have load balancing enabled to accommodate for individual VM failures. The database will use a SQL Always On availability</a:t>
-            </a:r>
-          </a:p>
-          <a:p>
-            <a:r>
-              <a:rPr lang="en-US" sz="1200" b="0" kern="1200" dirty="0">
-                <a:solidFill>
-                  <a:schemeClr val="tx1"/>
-                </a:solidFill>
-                <a:effectLst/>
-                <a:latin typeface="+mn-lt"/>
-                <a:ea typeface="+mn-ea"/>
-                <a:cs typeface="+mn-cs"/>
-              </a:rPr>
-              <a:t>group similar behavior of their existing procurement system deployment, and a significant upgrade for the HR Application.</a:t>
-            </a:r>
-          </a:p>
-          <a:p>
-            <a:endParaRPr lang="en-US" sz="1200" b="0" kern="1200" dirty="0">
-              <a:solidFill>
-                <a:schemeClr val="tx1"/>
-              </a:solidFill>
-              <a:effectLst/>
-              <a:latin typeface="+mn-lt"/>
-              <a:ea typeface="+mn-ea"/>
-              <a:cs typeface="+mn-cs"/>
-            </a:endParaRPr>
-          </a:p>
-          <a:p>
-            <a:r>
-              <a:rPr lang="en-US" sz="1200" b="0" kern="1200" dirty="0">
-                <a:solidFill>
-                  <a:schemeClr val="tx1"/>
-                </a:solidFill>
-                <a:effectLst/>
-                <a:latin typeface="+mn-lt"/>
-                <a:ea typeface="+mn-ea"/>
-                <a:cs typeface="+mn-cs"/>
-              </a:rPr>
-              <a:t>There are 3 Backup options:</a:t>
-            </a:r>
-          </a:p>
-          <a:p>
-            <a:pPr marL="228600" indent="-228600">
-              <a:buFont typeface="+mj-lt"/>
-              <a:buAutoNum type="arabicPeriod"/>
-            </a:pPr>
-            <a:r>
-              <a:rPr lang="en-US" sz="1200" b="0" kern="1200" dirty="0">
-                <a:solidFill>
-                  <a:schemeClr val="tx1"/>
-                </a:solidFill>
-                <a:effectLst/>
-                <a:latin typeface="+mn-lt"/>
-                <a:ea typeface="+mn-ea"/>
-                <a:cs typeface="+mn-cs"/>
-              </a:rPr>
-              <a:t>Use Azure Backup Server. The downside is that this requires additional infrastructure (the backup server) to be deployed, maintained, and paid for.</a:t>
-            </a:r>
-          </a:p>
-          <a:p>
-            <a:pPr marL="228600" indent="-228600">
-              <a:buFont typeface="+mj-lt"/>
-              <a:buAutoNum type="arabicPeriod"/>
-            </a:pPr>
-            <a:r>
-              <a:rPr lang="en-US" sz="1200" b="0" kern="1200" dirty="0">
-                <a:solidFill>
-                  <a:schemeClr val="tx1"/>
-                </a:solidFill>
-                <a:effectLst/>
-                <a:latin typeface="+mn-lt"/>
-                <a:ea typeface="+mn-ea"/>
-                <a:cs typeface="+mn-cs"/>
-              </a:rPr>
-              <a:t>Use built-in SQL backup. For SQL Server 2017, this can back up directly to an Azure Storage account. It does not offer centralized management or long-term retention.</a:t>
-            </a:r>
-          </a:p>
-          <a:p>
-            <a:pPr marL="228600" indent="-228600">
-              <a:buFont typeface="+mj-lt"/>
-              <a:buAutoNum type="arabicPeriod"/>
-            </a:pPr>
-            <a:r>
-              <a:rPr lang="en-US" sz="1200" b="0" kern="1200" dirty="0">
-                <a:solidFill>
-                  <a:schemeClr val="tx1"/>
-                </a:solidFill>
-                <a:effectLst/>
-                <a:latin typeface="+mn-lt"/>
-                <a:ea typeface="+mn-ea"/>
-                <a:cs typeface="+mn-cs"/>
-              </a:rPr>
-              <a:t>Use the Azure Backup Service. A new feature of Azure Backup (in Preview at the time of writing) is native support to back up SQL databases running in Azure VMs. This is a low-cost, fully-managed zero-infrastructure service that allows you to centrally manage your backups across all your databases.</a:t>
-            </a:r>
-          </a:p>
-          <a:p>
-            <a:pPr marL="0" indent="0">
-              <a:buFontTx/>
-              <a:buNone/>
-            </a:pPr>
-            <a:endParaRPr lang="en-US" sz="1200" b="0" kern="1200" dirty="0">
-              <a:solidFill>
-                <a:schemeClr val="tx1"/>
-              </a:solidFill>
-              <a:effectLst/>
-              <a:latin typeface="+mn-lt"/>
-              <a:ea typeface="+mn-ea"/>
-              <a:cs typeface="+mn-cs"/>
-            </a:endParaRPr>
-          </a:p>
-          <a:p>
-            <a:pPr marL="0" indent="0">
-              <a:buFontTx/>
-              <a:buNone/>
-            </a:pPr>
-            <a:r>
-              <a:rPr lang="en-US" sz="1200" b="0" kern="1200" dirty="0">
-                <a:solidFill>
-                  <a:schemeClr val="tx1"/>
-                </a:solidFill>
-                <a:effectLst/>
-                <a:latin typeface="+mn-lt"/>
-                <a:ea typeface="+mn-ea"/>
-                <a:cs typeface="+mn-cs"/>
-              </a:rPr>
-              <a:t>It's important to note that Azure Backup Server and Azure Backup Service both use a Recovery Services Vault which by default is Geo-Replicated, so here are always three copies of the data in two regions (each region has 3 copies). If a DBA uses SQL Server backup directly to Azure Storage, the Storage Account that is used should have GRS enabled to ensure there are copies of the SQL Server BAK files in two locations.</a:t>
-            </a:r>
+              <a:t>It may be possible to deploy Azure AD Application Proxy to make the application available to remote users, without having to open the application to traffic from the Internet.</a:t>
+            </a:r>
+          </a:p>
+          <a:p>
+            <a:endParaRPr lang="en-CA" dirty="0"/>
           </a:p>
         </p:txBody>
       </p:sp>
@@ -4724,7 +4574,7 @@
     </p:spTree>
     <p:extLst>
       <p:ext uri="{BB962C8B-B14F-4D97-AF65-F5344CB8AC3E}">
-        <p14:creationId xmlns:p14="http://schemas.microsoft.com/office/powerpoint/2010/main" val="54649592"/>
+        <p14:creationId xmlns:p14="http://schemas.microsoft.com/office/powerpoint/2010/main" val="2471382685"/>
       </p:ext>
     </p:extLst>
   </p:cSld>
@@ -4778,7 +4628,169 @@
           <a:bodyPr/>
           <a:lstStyle/>
           <a:p>
-            <a:endParaRPr lang="en-CA" dirty="0"/>
+            <a:r>
+              <a:rPr lang="en-US" sz="1200" b="0" kern="1200" dirty="0">
+                <a:solidFill>
+                  <a:schemeClr val="tx1"/>
+                </a:solidFill>
+                <a:effectLst/>
+                <a:latin typeface="+mn-lt"/>
+                <a:ea typeface="+mn-ea"/>
+                <a:cs typeface="+mn-cs"/>
+              </a:rPr>
+              <a:t>Both applications will be configured with availability sets on both web and database tiers to minimize host outages from hardware and host updates. </a:t>
+            </a:r>
+          </a:p>
+          <a:p>
+            <a:endParaRPr lang="en-US" sz="1200" b="0" kern="1200" dirty="0">
+              <a:solidFill>
+                <a:schemeClr val="tx1"/>
+              </a:solidFill>
+              <a:effectLst/>
+              <a:latin typeface="+mn-lt"/>
+              <a:ea typeface="+mn-ea"/>
+              <a:cs typeface="+mn-cs"/>
+            </a:endParaRPr>
+          </a:p>
+          <a:p>
+            <a:r>
+              <a:rPr lang="en-US" sz="1200" b="0" kern="1200" dirty="0">
+                <a:solidFill>
+                  <a:schemeClr val="tx1"/>
+                </a:solidFill>
+                <a:effectLst/>
+                <a:latin typeface="+mn-lt"/>
+                <a:ea typeface="+mn-ea"/>
+                <a:cs typeface="+mn-cs"/>
+              </a:rPr>
+              <a:t>The web tier will have load balancing enabled to accommodate for individual VM failures. The database will use a SQL Always On availability</a:t>
+            </a:r>
+          </a:p>
+          <a:p>
+            <a:r>
+              <a:rPr lang="en-US" sz="1200" b="0" kern="1200" dirty="0">
+                <a:solidFill>
+                  <a:schemeClr val="tx1"/>
+                </a:solidFill>
+                <a:effectLst/>
+                <a:latin typeface="+mn-lt"/>
+                <a:ea typeface="+mn-ea"/>
+                <a:cs typeface="+mn-cs"/>
+              </a:rPr>
+              <a:t>group similar behavior of their existing procurement system deployment, and a significant upgrade for the HR Application.</a:t>
+            </a:r>
+          </a:p>
+          <a:p>
+            <a:endParaRPr lang="en-US" sz="1200" b="0" kern="1200" dirty="0">
+              <a:solidFill>
+                <a:schemeClr val="tx1"/>
+              </a:solidFill>
+              <a:effectLst/>
+              <a:latin typeface="+mn-lt"/>
+              <a:ea typeface="+mn-ea"/>
+              <a:cs typeface="+mn-cs"/>
+            </a:endParaRPr>
+          </a:p>
+          <a:p>
+            <a:r>
+              <a:rPr lang="en-US" sz="1200" b="0" kern="1200" dirty="0">
+                <a:solidFill>
+                  <a:schemeClr val="tx1"/>
+                </a:solidFill>
+                <a:effectLst/>
+                <a:latin typeface="+mn-lt"/>
+                <a:ea typeface="+mn-ea"/>
+                <a:cs typeface="+mn-cs"/>
+              </a:rPr>
+              <a:t>There are 3 Backup options:</a:t>
+            </a:r>
+          </a:p>
+          <a:p>
+            <a:pPr marL="228600" indent="-228600">
+              <a:buFont typeface="+mj-lt"/>
+              <a:buAutoNum type="arabicPeriod"/>
+            </a:pPr>
+            <a:r>
+              <a:rPr lang="en-US" sz="1200" b="0" kern="1200" dirty="0">
+                <a:solidFill>
+                  <a:schemeClr val="tx1"/>
+                </a:solidFill>
+                <a:effectLst/>
+                <a:latin typeface="+mn-lt"/>
+                <a:ea typeface="+mn-ea"/>
+                <a:cs typeface="+mn-cs"/>
+              </a:rPr>
+              <a:t>Use Azure Backup Server. The downside is that this requires additional infrastructure (the backup server) to be deployed, maintained, and paid for.</a:t>
+            </a:r>
+          </a:p>
+          <a:p>
+            <a:pPr marL="228600" indent="-228600">
+              <a:buFont typeface="+mj-lt"/>
+              <a:buAutoNum type="arabicPeriod"/>
+            </a:pPr>
+            <a:r>
+              <a:rPr lang="en-US" sz="1200" b="0" kern="1200" dirty="0">
+                <a:solidFill>
+                  <a:schemeClr val="tx1"/>
+                </a:solidFill>
+                <a:effectLst/>
+                <a:latin typeface="+mn-lt"/>
+                <a:ea typeface="+mn-ea"/>
+                <a:cs typeface="+mn-cs"/>
+              </a:rPr>
+              <a:t>Use built-in SQL backup. For SQL Server 2017, this can back up directly to an Azure Storage account. It does not offer centralized management or long-term retention.</a:t>
+            </a:r>
+          </a:p>
+          <a:p>
+            <a:pPr marL="228600" indent="-228600">
+              <a:buFont typeface="+mj-lt"/>
+              <a:buAutoNum type="arabicPeriod"/>
+            </a:pPr>
+            <a:r>
+              <a:rPr lang="en-US" sz="1200" b="0" kern="1200" dirty="0">
+                <a:solidFill>
+                  <a:schemeClr val="tx1"/>
+                </a:solidFill>
+                <a:effectLst/>
+                <a:latin typeface="+mn-lt"/>
+                <a:ea typeface="+mn-ea"/>
+                <a:cs typeface="+mn-cs"/>
+              </a:rPr>
+              <a:t>Use the Azure Backup Service. A new feature of Azure Backup (in Preview at the time of writing) is native support to back up SQL databases running in Azure VMs. This is a low-cost, fully-managed zero-infrastructure service that allows you to centrally manage your backups across all your databases.</a:t>
+            </a:r>
+          </a:p>
+          <a:p>
+            <a:pPr marL="0" indent="0">
+              <a:buFontTx/>
+              <a:buNone/>
+            </a:pPr>
+            <a:endParaRPr lang="en-US" sz="1200" b="0" kern="1200" dirty="0">
+              <a:solidFill>
+                <a:schemeClr val="tx1"/>
+              </a:solidFill>
+              <a:effectLst/>
+              <a:latin typeface="+mn-lt"/>
+              <a:ea typeface="+mn-ea"/>
+              <a:cs typeface="+mn-cs"/>
+            </a:endParaRPr>
+          </a:p>
+          <a:p>
+            <a:pPr marL="0" indent="0">
+              <a:buFontTx/>
+              <a:buNone/>
+            </a:pPr>
+            <a:r>
+              <a:rPr lang="en-US" sz="1200" b="0" kern="1200" dirty="0">
+                <a:solidFill>
+                  <a:schemeClr val="tx1"/>
+                </a:solidFill>
+                <a:effectLst/>
+                <a:latin typeface="+mn-lt"/>
+                <a:ea typeface="+mn-ea"/>
+                <a:cs typeface="+mn-cs"/>
+              </a:rPr>
+              <a:t>It's important to note that Azure Backup Server and Azure Backup Service both use a Recovery Services Vault which by default is Geo-Replicated, so here are always three copies of the data in two regions (each region has 3 copies). If a DBA uses SQL Server backup directly to Azure Storage, the Storage Account that is used should have GRS enabled to ensure there are copies of the SQL Server BAK files in two locations.</a:t>
+            </a:r>
           </a:p>
         </p:txBody>
       </p:sp>
@@ -4808,7 +4820,7 @@
     </p:spTree>
     <p:extLst>
       <p:ext uri="{BB962C8B-B14F-4D97-AF65-F5344CB8AC3E}">
-        <p14:creationId xmlns:p14="http://schemas.microsoft.com/office/powerpoint/2010/main" val="2022519461"/>
+        <p14:creationId xmlns:p14="http://schemas.microsoft.com/office/powerpoint/2010/main" val="54649592"/>
       </p:ext>
     </p:extLst>
   </p:cSld>
@@ -4892,7 +4904,7 @@
     </p:spTree>
     <p:extLst>
       <p:ext uri="{BB962C8B-B14F-4D97-AF65-F5344CB8AC3E}">
-        <p14:creationId xmlns:p14="http://schemas.microsoft.com/office/powerpoint/2010/main" val="726448092"/>
+        <p14:creationId xmlns:p14="http://schemas.microsoft.com/office/powerpoint/2010/main" val="2022519461"/>
       </p:ext>
     </p:extLst>
   </p:cSld>
@@ -4976,7 +4988,7 @@
     </p:spTree>
     <p:extLst>
       <p:ext uri="{BB962C8B-B14F-4D97-AF65-F5344CB8AC3E}">
-        <p14:creationId xmlns:p14="http://schemas.microsoft.com/office/powerpoint/2010/main" val="1694835443"/>
+        <p14:creationId xmlns:p14="http://schemas.microsoft.com/office/powerpoint/2010/main" val="726448092"/>
       </p:ext>
     </p:extLst>
   </p:cSld>
@@ -5060,7 +5072,7 @@
     </p:spTree>
     <p:extLst>
       <p:ext uri="{BB962C8B-B14F-4D97-AF65-F5344CB8AC3E}">
-        <p14:creationId xmlns:p14="http://schemas.microsoft.com/office/powerpoint/2010/main" val="909913427"/>
+        <p14:creationId xmlns:p14="http://schemas.microsoft.com/office/powerpoint/2010/main" val="1694835443"/>
       </p:ext>
     </p:extLst>
   </p:cSld>
@@ -5114,45 +5126,6 @@
           <a:bodyPr/>
           <a:lstStyle/>
           <a:p>
-            <a:r>
-              <a:rPr lang="en-US" sz="1200" b="0" kern="1200" dirty="0">
-                <a:solidFill>
-                  <a:schemeClr val="tx1"/>
-                </a:solidFill>
-                <a:effectLst/>
-                <a:latin typeface="+mn-lt"/>
-                <a:ea typeface="+mn-ea"/>
-                <a:cs typeface="+mn-cs"/>
-              </a:rPr>
-              <a:t>For the web tier, both on-premises and Azure-based web servers are deployed in parallel, with the cut-over occurring at the DNS level by updating the http://procurement endpoint DNS entry. This should be seamless for the end users. Even existing sessions will not be interrupted, since they will continue on their existing server until they are terminated. The only possible effect is loss of cookie affinity as new sessions are established against the new servers.</a:t>
-            </a:r>
-          </a:p>
-          <a:p>
-            <a:br>
-              <a:rPr lang="en-US" sz="1200" b="0" kern="1200" dirty="0">
-                <a:solidFill>
-                  <a:schemeClr val="tx1"/>
-                </a:solidFill>
-                <a:effectLst/>
-                <a:latin typeface="+mn-lt"/>
-                <a:ea typeface="+mn-ea"/>
-                <a:cs typeface="+mn-cs"/>
-              </a:rPr>
-            </a:br>
-            <a:r>
-              <a:rPr lang="en-US" sz="1200" b="0" kern="1200" dirty="0">
-                <a:solidFill>
-                  <a:schemeClr val="tx1"/>
-                </a:solidFill>
-                <a:effectLst/>
-                <a:latin typeface="+mn-lt"/>
-                <a:ea typeface="+mn-ea"/>
-                <a:cs typeface="+mn-cs"/>
-              </a:rPr>
-              <a:t>For the database, a short migration window (in the order of minutes) is required when failing over the primary replica. The impact can be minimized by switching the web tier to a read-only mode, if one is available. Failing over the database without pausing or using a read-only mode on the web app is possible, if the transaction volume is low and a slight chance of losing a database transaction can be tolerated.</a:t>
-            </a:r>
-          </a:p>
-          <a:p>
             <a:endParaRPr lang="en-CA" dirty="0"/>
           </a:p>
         </p:txBody>
@@ -5183,7 +5156,7 @@
     </p:spTree>
     <p:extLst>
       <p:ext uri="{BB962C8B-B14F-4D97-AF65-F5344CB8AC3E}">
-        <p14:creationId xmlns:p14="http://schemas.microsoft.com/office/powerpoint/2010/main" val="3515136552"/>
+        <p14:creationId xmlns:p14="http://schemas.microsoft.com/office/powerpoint/2010/main" val="909913427"/>
       </p:ext>
     </p:extLst>
   </p:cSld>
@@ -5237,6 +5210,45 @@
           <a:bodyPr/>
           <a:lstStyle/>
           <a:p>
+            <a:r>
+              <a:rPr lang="en-US" sz="1200" b="0" kern="1200" dirty="0">
+                <a:solidFill>
+                  <a:schemeClr val="tx1"/>
+                </a:solidFill>
+                <a:effectLst/>
+                <a:latin typeface="+mn-lt"/>
+                <a:ea typeface="+mn-ea"/>
+                <a:cs typeface="+mn-cs"/>
+              </a:rPr>
+              <a:t>For the web tier, both on-premises and Azure-based web servers are deployed in parallel, with the cut-over occurring at the DNS level by updating the http://procurement endpoint DNS entry. This should be seamless for the end users. Even existing sessions will not be interrupted, since they will continue on their existing server until they are terminated. The only possible effect is loss of cookie affinity as new sessions are established against the new servers.</a:t>
+            </a:r>
+          </a:p>
+          <a:p>
+            <a:br>
+              <a:rPr lang="en-US" sz="1200" b="0" kern="1200" dirty="0">
+                <a:solidFill>
+                  <a:schemeClr val="tx1"/>
+                </a:solidFill>
+                <a:effectLst/>
+                <a:latin typeface="+mn-lt"/>
+                <a:ea typeface="+mn-ea"/>
+                <a:cs typeface="+mn-cs"/>
+              </a:rPr>
+            </a:br>
+            <a:r>
+              <a:rPr lang="en-US" sz="1200" b="0" kern="1200" dirty="0">
+                <a:solidFill>
+                  <a:schemeClr val="tx1"/>
+                </a:solidFill>
+                <a:effectLst/>
+                <a:latin typeface="+mn-lt"/>
+                <a:ea typeface="+mn-ea"/>
+                <a:cs typeface="+mn-cs"/>
+              </a:rPr>
+              <a:t>For the database, a short migration window (in the order of minutes) is required when failing over the primary replica. The impact can be minimized by switching the web tier to a read-only mode, if one is available. Failing over the database without pausing or using a read-only mode on the web app is possible, if the transaction volume is low. Switch the availability group to synchronous mode to failover with no chance of data loss. Synchronous mode will have a performance impact on the application so this is best done during off-peak hours.</a:t>
+            </a:r>
+          </a:p>
+          <a:p>
             <a:endParaRPr lang="en-CA" dirty="0"/>
           </a:p>
         </p:txBody>
@@ -5267,7 +5279,7 @@
     </p:spTree>
     <p:extLst>
       <p:ext uri="{BB962C8B-B14F-4D97-AF65-F5344CB8AC3E}">
-        <p14:creationId xmlns:p14="http://schemas.microsoft.com/office/powerpoint/2010/main" val="3628778522"/>
+        <p14:creationId xmlns:p14="http://schemas.microsoft.com/office/powerpoint/2010/main" val="3515136552"/>
       </p:ext>
     </p:extLst>
   </p:cSld>
@@ -5435,126 +5447,7 @@
           <a:bodyPr/>
           <a:lstStyle/>
           <a:p>
-            <a:pPr marL="0" marR="0" lvl="0" indent="0" algn="l" defTabSz="914400" rtl="0" eaLnBrk="1" fontAlgn="auto" latinLnBrk="0" hangingPunct="1">
-              <a:lnSpc>
-                <a:spcPct val="100000"/>
-              </a:lnSpc>
-              <a:spcBef>
-                <a:spcPts val="0"/>
-              </a:spcBef>
-              <a:spcAft>
-                <a:spcPts val="0"/>
-              </a:spcAft>
-              <a:buClrTx/>
-              <a:buSzTx/>
-              <a:buFontTx/>
-              <a:buNone/>
-              <a:tabLst/>
-              <a:defRPr/>
-            </a:pPr>
-            <a:r>
-              <a:rPr lang="en-US" dirty="0"/>
-              <a:t>The following quote by </a:t>
-            </a:r>
-            <a:r>
-              <a:rPr lang="en-US" sz="1200" dirty="0">
-                <a:solidFill>
-                  <a:schemeClr val="bg1"/>
-                </a:solidFill>
-              </a:rPr>
-              <a:t>Greg Vernon, Head of Infrastructure and Enterprise Operations, at Lucerne Publishing summarizes</a:t>
-            </a:r>
-            <a:r>
-              <a:rPr lang="en-US" sz="1200" baseline="0" dirty="0">
-                <a:solidFill>
-                  <a:schemeClr val="bg1"/>
-                </a:solidFill>
-              </a:rPr>
-              <a:t> the benefits of moving to the Azure cloud.</a:t>
-            </a:r>
-          </a:p>
-          <a:p>
-            <a:pPr marL="0" marR="0" lvl="0" indent="0" algn="l" defTabSz="914400" rtl="0" eaLnBrk="1" fontAlgn="auto" latinLnBrk="0" hangingPunct="1">
-              <a:lnSpc>
-                <a:spcPct val="100000"/>
-              </a:lnSpc>
-              <a:spcBef>
-                <a:spcPts val="0"/>
-              </a:spcBef>
-              <a:spcAft>
-                <a:spcPts val="0"/>
-              </a:spcAft>
-              <a:buClrTx/>
-              <a:buSzTx/>
-              <a:buFontTx/>
-              <a:buNone/>
-              <a:tabLst/>
-              <a:defRPr/>
-            </a:pPr>
-            <a:endParaRPr lang="en-US" sz="1200" baseline="0" dirty="0">
-              <a:solidFill>
-                <a:schemeClr val="bg1"/>
-              </a:solidFill>
-            </a:endParaRPr>
-          </a:p>
-          <a:p>
-            <a:pPr marL="0" marR="0" lvl="0" indent="0" algn="l" defTabSz="914400" rtl="0" eaLnBrk="1" fontAlgn="auto" latinLnBrk="0" hangingPunct="1">
-              <a:lnSpc>
-                <a:spcPct val="100000"/>
-              </a:lnSpc>
-              <a:spcBef>
-                <a:spcPts val="0"/>
-              </a:spcBef>
-              <a:spcAft>
-                <a:spcPts val="0"/>
-              </a:spcAft>
-              <a:buClrTx/>
-              <a:buSzTx/>
-              <a:buFontTx/>
-              <a:buNone/>
-              <a:tabLst/>
-              <a:defRPr/>
-            </a:pPr>
-            <a:endParaRPr lang="en-US" sz="1200" baseline="0" dirty="0">
-              <a:solidFill>
-                <a:schemeClr val="bg1"/>
-              </a:solidFill>
-            </a:endParaRPr>
-          </a:p>
-          <a:p>
-            <a:pPr marL="0" marR="0" lvl="0" indent="0" algn="l" defTabSz="914400" rtl="0" eaLnBrk="1" fontAlgn="auto" latinLnBrk="0" hangingPunct="1">
-              <a:lnSpc>
-                <a:spcPct val="100000"/>
-              </a:lnSpc>
-              <a:spcBef>
-                <a:spcPts val="0"/>
-              </a:spcBef>
-              <a:spcAft>
-                <a:spcPts val="0"/>
-              </a:spcAft>
-              <a:buClrTx/>
-              <a:buSzTx/>
-              <a:buFontTx/>
-              <a:buNone/>
-              <a:tabLst/>
-              <a:defRPr/>
-            </a:pPr>
-            <a:r>
-              <a:rPr lang="en-US" sz="1200" baseline="0" dirty="0">
-                <a:solidFill>
-                  <a:schemeClr val="bg1"/>
-                </a:solidFill>
-              </a:rPr>
-              <a:t>Thank you for your participation in this real-world case study.</a:t>
-            </a:r>
-            <a:endParaRPr lang="en-US" sz="1200" dirty="0">
-              <a:solidFill>
-                <a:schemeClr val="bg1"/>
-              </a:solidFill>
-            </a:endParaRPr>
-          </a:p>
-          <a:p>
-            <a:endParaRPr lang="en-US" dirty="0"/>
+            <a:endParaRPr lang="en-CA" dirty="0"/>
           </a:p>
         </p:txBody>
       </p:sp>
@@ -5573,7 +5466,7 @@
           <a:bodyPr/>
           <a:lstStyle/>
           <a:p>
-            <a:fld id="{148D4592-6837-45C4-B65B-13E03ECAF0B2}" type="slidenum">
+            <a:fld id="{0998D5BB-B127-481F-BC0A-2F77C576BB34}" type="slidenum">
               <a:rPr lang="en-US" smtClean="0"/>
               <a:t>40</a:t>
             </a:fld>
@@ -5584,7 +5477,7 @@
     </p:spTree>
     <p:extLst>
       <p:ext uri="{BB962C8B-B14F-4D97-AF65-F5344CB8AC3E}">
-        <p14:creationId xmlns:p14="http://schemas.microsoft.com/office/powerpoint/2010/main" val="2137304351"/>
+        <p14:creationId xmlns:p14="http://schemas.microsoft.com/office/powerpoint/2010/main" val="3628778522"/>
       </p:ext>
     </p:extLst>
   </p:cSld>
@@ -5621,6 +5514,209 @@
             <p:ph type="sldImg"/>
           </p:nvPr>
         </p:nvSpPr>
+        <p:spPr/>
+      </p:sp>
+      <p:sp>
+        <p:nvSpPr>
+          <p:cNvPr id="3" name="Notes Placeholder 2"/>
+          <p:cNvSpPr>
+            <a:spLocks noGrp="1"/>
+          </p:cNvSpPr>
+          <p:nvPr>
+            <p:ph type="body" idx="1"/>
+          </p:nvPr>
+        </p:nvSpPr>
+        <p:spPr/>
+        <p:txBody>
+          <a:bodyPr/>
+          <a:lstStyle/>
+          <a:p>
+            <a:pPr marL="0" marR="0" lvl="0" indent="0" algn="l" defTabSz="914400" rtl="0" eaLnBrk="1" fontAlgn="auto" latinLnBrk="0" hangingPunct="1">
+              <a:lnSpc>
+                <a:spcPct val="100000"/>
+              </a:lnSpc>
+              <a:spcBef>
+                <a:spcPts val="0"/>
+              </a:spcBef>
+              <a:spcAft>
+                <a:spcPts val="0"/>
+              </a:spcAft>
+              <a:buClrTx/>
+              <a:buSzTx/>
+              <a:buFontTx/>
+              <a:buNone/>
+              <a:tabLst/>
+              <a:defRPr/>
+            </a:pPr>
+            <a:r>
+              <a:rPr lang="en-US" dirty="0"/>
+              <a:t>The following quote by </a:t>
+            </a:r>
+            <a:r>
+              <a:rPr lang="en-US" sz="1200" dirty="0">
+                <a:solidFill>
+                  <a:schemeClr val="bg1"/>
+                </a:solidFill>
+              </a:rPr>
+              <a:t>Greg Vernon, Head of Infrastructure and Enterprise Operations, at Lucerne Publishing summarizes</a:t>
+            </a:r>
+            <a:r>
+              <a:rPr lang="en-US" sz="1200" baseline="0" dirty="0">
+                <a:solidFill>
+                  <a:schemeClr val="bg1"/>
+                </a:solidFill>
+              </a:rPr>
+              <a:t> the benefits of moving to the Azure cloud.</a:t>
+            </a:r>
+          </a:p>
+          <a:p>
+            <a:pPr marL="0" marR="0" lvl="0" indent="0" algn="l" defTabSz="914400" rtl="0" eaLnBrk="1" fontAlgn="auto" latinLnBrk="0" hangingPunct="1">
+              <a:lnSpc>
+                <a:spcPct val="100000"/>
+              </a:lnSpc>
+              <a:spcBef>
+                <a:spcPts val="0"/>
+              </a:spcBef>
+              <a:spcAft>
+                <a:spcPts val="0"/>
+              </a:spcAft>
+              <a:buClrTx/>
+              <a:buSzTx/>
+              <a:buFontTx/>
+              <a:buNone/>
+              <a:tabLst/>
+              <a:defRPr/>
+            </a:pPr>
+            <a:endParaRPr lang="en-US" sz="1200" baseline="0" dirty="0">
+              <a:solidFill>
+                <a:schemeClr val="bg1"/>
+              </a:solidFill>
+            </a:endParaRPr>
+          </a:p>
+          <a:p>
+            <a:pPr marL="0" marR="0" lvl="0" indent="0" algn="l" defTabSz="914400" rtl="0" eaLnBrk="1" fontAlgn="auto" latinLnBrk="0" hangingPunct="1">
+              <a:lnSpc>
+                <a:spcPct val="100000"/>
+              </a:lnSpc>
+              <a:spcBef>
+                <a:spcPts val="0"/>
+              </a:spcBef>
+              <a:spcAft>
+                <a:spcPts val="0"/>
+              </a:spcAft>
+              <a:buClrTx/>
+              <a:buSzTx/>
+              <a:buFontTx/>
+              <a:buNone/>
+              <a:tabLst/>
+              <a:defRPr/>
+            </a:pPr>
+            <a:endParaRPr lang="en-US" sz="1200" baseline="0" dirty="0">
+              <a:solidFill>
+                <a:schemeClr val="bg1"/>
+              </a:solidFill>
+            </a:endParaRPr>
+          </a:p>
+          <a:p>
+            <a:pPr marL="0" marR="0" lvl="0" indent="0" algn="l" defTabSz="914400" rtl="0" eaLnBrk="1" fontAlgn="auto" latinLnBrk="0" hangingPunct="1">
+              <a:lnSpc>
+                <a:spcPct val="100000"/>
+              </a:lnSpc>
+              <a:spcBef>
+                <a:spcPts val="0"/>
+              </a:spcBef>
+              <a:spcAft>
+                <a:spcPts val="0"/>
+              </a:spcAft>
+              <a:buClrTx/>
+              <a:buSzTx/>
+              <a:buFontTx/>
+              <a:buNone/>
+              <a:tabLst/>
+              <a:defRPr/>
+            </a:pPr>
+            <a:r>
+              <a:rPr lang="en-US" sz="1200" baseline="0" dirty="0">
+                <a:solidFill>
+                  <a:schemeClr val="bg1"/>
+                </a:solidFill>
+              </a:rPr>
+              <a:t>Thank you for your participation in this real-world case study.</a:t>
+            </a:r>
+            <a:endParaRPr lang="en-US" sz="1200" dirty="0">
+              <a:solidFill>
+                <a:schemeClr val="bg1"/>
+              </a:solidFill>
+            </a:endParaRPr>
+          </a:p>
+          <a:p>
+            <a:endParaRPr lang="en-US" dirty="0"/>
+          </a:p>
+        </p:txBody>
+      </p:sp>
+      <p:sp>
+        <p:nvSpPr>
+          <p:cNvPr id="4" name="Slide Number Placeholder 3"/>
+          <p:cNvSpPr>
+            <a:spLocks noGrp="1"/>
+          </p:cNvSpPr>
+          <p:nvPr>
+            <p:ph type="sldNum" sz="quarter" idx="10"/>
+          </p:nvPr>
+        </p:nvSpPr>
+        <p:spPr/>
+        <p:txBody>
+          <a:bodyPr/>
+          <a:lstStyle/>
+          <a:p>
+            <a:fld id="{148D4592-6837-45C4-B65B-13E03ECAF0B2}" type="slidenum">
+              <a:rPr lang="en-US" smtClean="0"/>
+              <a:t>41</a:t>
+            </a:fld>
+            <a:endParaRPr lang="en-US" dirty="0"/>
+          </a:p>
+        </p:txBody>
+      </p:sp>
+    </p:spTree>
+    <p:extLst>
+      <p:ext uri="{BB962C8B-B14F-4D97-AF65-F5344CB8AC3E}">
+        <p14:creationId xmlns:p14="http://schemas.microsoft.com/office/powerpoint/2010/main" val="2137304351"/>
+      </p:ext>
+    </p:extLst>
+  </p:cSld>
+  <p:clrMapOvr>
+    <a:masterClrMapping/>
+  </p:clrMapOvr>
+</p:notes>
+</file>
+
+<file path=ppt/notesSlides/notesSlide42.xml><?xml version="1.0" encoding="utf-8"?>
+<p:notes xmlns:a="http://schemas.openxmlformats.org/drawingml/2006/main" xmlns:r="http://schemas.openxmlformats.org/officeDocument/2006/relationships" xmlns:p="http://schemas.openxmlformats.org/presentationml/2006/main">
+  <p:cSld>
+    <p:spTree>
+      <p:nvGrpSpPr>
+        <p:cNvPr id="1" name=""/>
+        <p:cNvGrpSpPr/>
+        <p:nvPr/>
+      </p:nvGrpSpPr>
+      <p:grpSpPr>
+        <a:xfrm>
+          <a:off x="0" y="0"/>
+          <a:ext cx="0" cy="0"/>
+          <a:chOff x="0" y="0"/>
+          <a:chExt cx="0" cy="0"/>
+        </a:xfrm>
+      </p:grpSpPr>
+      <p:sp>
+        <p:nvSpPr>
+          <p:cNvPr id="2" name="Slide Image Placeholder 1"/>
+          <p:cNvSpPr>
+            <a:spLocks noGrp="1" noRot="1" noChangeAspect="1"/>
+          </p:cNvSpPr>
+          <p:nvPr>
+            <p:ph type="sldImg"/>
+          </p:nvPr>
+        </p:nvSpPr>
         <p:spPr>
           <a:xfrm>
             <a:off x="381000" y="685800"/>
@@ -5701,7 +5797,7 @@
                   <a:prstClr val="black"/>
                 </a:solidFill>
               </a:rPr>
-              <a:t>9/5/2018 4:34 PM</a:t>
+              <a:t>12/19/2018 11:43 AM</a:t>
             </a:fld>
             <a:endParaRPr lang="en-US" dirty="0">
               <a:solidFill>
@@ -5733,7 +5829,7 @@
                 </a:solidFill>
               </a:rPr>
               <a:pPr/>
-              <a:t>41</a:t>
+              <a:t>42</a:t>
             </a:fld>
             <a:endParaRPr lang="en-US" dirty="0">
               <a:solidFill>
@@ -6682,7 +6778,32 @@
                 <a:ea typeface="+mn-ea"/>
                 <a:cs typeface="+mn-cs"/>
               </a:rPr>
-              <a:t>Mechanisms must be in place to control and monitor Azure cost and prevent use of unapproved Azure services.</a:t>
+              <a:t>Mechanisms must be in place to monitor control and monitor Azure cost and prevent use of unapproved Azure services.</a:t>
+            </a:r>
+          </a:p>
+          <a:p>
+            <a:endParaRPr lang="en-US" sz="1200" b="0" kern="1200" dirty="0">
+              <a:solidFill>
+                <a:schemeClr val="tx1"/>
+              </a:solidFill>
+              <a:effectLst/>
+              <a:latin typeface="+mn-lt"/>
+              <a:ea typeface="+mn-ea"/>
+              <a:cs typeface="+mn-cs"/>
+            </a:endParaRPr>
+          </a:p>
+          <a:p>
+            <a:r>
+              <a:rPr lang="en-US" sz="1200" b="0" kern="1200" dirty="0">
+                <a:solidFill>
+                  <a:schemeClr val="tx1"/>
+                </a:solidFill>
+                <a:effectLst/>
+                <a:latin typeface="+mn-lt"/>
+                <a:ea typeface="+mn-ea"/>
+                <a:cs typeface="+mn-cs"/>
+              </a:rPr>
+              <a:t>Provide the ability to monitor every level of the Azure environment for performance and availability. </a:t>
             </a:r>
           </a:p>
           <a:p>
@@ -15017,7 +15138,7 @@
         <p:spPr>
           <a:xfrm>
             <a:off x="269239" y="1189177"/>
-            <a:ext cx="11653523" cy="5718489"/>
+            <a:ext cx="11653523" cy="5499967"/>
           </a:xfrm>
         </p:spPr>
         <p:txBody>
@@ -15028,26 +15149,18 @@
               <a:spcBef>
                 <a:spcPts val="1800"/>
               </a:spcBef>
+              <a:spcAft>
+                <a:spcPts val="1200"/>
+              </a:spcAft>
             </a:pPr>
             <a:r>
-              <a:rPr lang="en-US" sz="2800" dirty="0"/>
-              <a:t>Our operations team is new to the cloud and currently uses existing technologies like System Center Operations Manager (SCOM). We are concerned about the time it takes to learn new technologies to monitor and maintain an existing workload.</a:t>
-            </a:r>
-          </a:p>
-          <a:p>
-            <a:pPr>
-              <a:spcBef>
-                <a:spcPts val="1800"/>
-              </a:spcBef>
-            </a:pPr>
-            <a:r>
-              <a:rPr lang="en-US" sz="2800" dirty="0"/>
+              <a:rPr lang="en-US" sz="3600" dirty="0"/>
               <a:t>Logistics and procurement is one of our most critical applications. Any glitch will cause havoc in our ecosystem. The procurement system migration must be seamless, with no loss of data and no application downtime.</a:t>
             </a:r>
           </a:p>
           <a:p>
             <a:r>
-              <a:rPr lang="en-US" sz="2800" dirty="0"/>
+              <a:rPr lang="en-US" sz="3600" dirty="0"/>
               <a:t>The procurement application is a simple application with known dependencies and is perfect for a pilot. What about more complicated workloads or workloads where we don't exactly know where the dependencies are?</a:t>
             </a:r>
           </a:p>
@@ -18527,12 +18640,7 @@
             <p:ph type="title"/>
           </p:nvPr>
         </p:nvSpPr>
-        <p:spPr>
-          <a:xfrm>
-            <a:off x="232872" y="274380"/>
-            <a:ext cx="11655840" cy="899665"/>
-          </a:xfrm>
-        </p:spPr>
+        <p:spPr/>
         <p:txBody>
           <a:bodyPr/>
           <a:lstStyle/>
@@ -18543,7 +18651,7 @@
                   <a:schemeClr val="tx1"/>
                 </a:solidFill>
               </a:rPr>
-              <a:t>Procurement - Azure migrate</a:t>
+              <a:t>How to monitor performance and availability?</a:t>
             </a:r>
             <a:endParaRPr lang="en-US" sz="4400" dirty="0"/>
           </a:p>
@@ -18567,8 +18675,8 @@
         </p:nvSpPr>
         <p:spPr>
           <a:xfrm>
-            <a:off x="328973" y="1028402"/>
-            <a:ext cx="11046460" cy="6740307"/>
+            <a:off x="269239" y="1251522"/>
+            <a:ext cx="10472207" cy="5209118"/>
           </a:xfrm>
         </p:spPr>
         <p:txBody>
@@ -18576,69 +18684,72 @@
           <a:lstStyle/>
           <a:p>
             <a:r>
-              <a:rPr lang="en-US" sz="2800" dirty="0">
-                <a:latin typeface="+mn-lt"/>
-              </a:rPr>
-              <a:t>Assess Azure readiness: Assess whether your on-premises machines are suitable for running in Azure.</a:t>
-            </a:r>
-          </a:p>
-          <a:p>
-            <a:endParaRPr lang="en-US" sz="1600" dirty="0">
+              <a:rPr lang="en-US" sz="3400" dirty="0"/>
+              <a:t>Use Azure Monitor to collect: </a:t>
+            </a:r>
+          </a:p>
+          <a:p>
+            <a:pPr lvl="1"/>
+            <a:r>
+              <a:rPr lang="en-US" sz="2800" dirty="0"/>
+              <a:t>Near real-time metrics from various Azure services </a:t>
+            </a:r>
+          </a:p>
+          <a:p>
+            <a:pPr lvl="1"/>
+            <a:r>
+              <a:rPr lang="en-US" sz="2800" dirty="0"/>
+              <a:t>Application monitoring data</a:t>
+            </a:r>
+          </a:p>
+          <a:p>
+            <a:pPr lvl="1"/>
+            <a:r>
+              <a:rPr lang="en-US" sz="2800" dirty="0"/>
+              <a:t>Azure resource monitoring data</a:t>
+            </a:r>
+          </a:p>
+          <a:p>
+            <a:pPr lvl="1"/>
+            <a:r>
+              <a:rPr lang="en-US" sz="2800" dirty="0"/>
+              <a:t>Azure subscription monitoring data</a:t>
+            </a:r>
+          </a:p>
+          <a:p>
+            <a:pPr lvl="1"/>
+            <a:r>
+              <a:rPr lang="en-US" sz="2800" dirty="0"/>
+              <a:t>Azure tenant monitoring data </a:t>
+            </a:r>
+            <a:endParaRPr lang="en-US" sz="2400" dirty="0">
               <a:latin typeface="+mn-lt"/>
             </a:endParaRPr>
           </a:p>
           <a:p>
             <a:r>
-              <a:rPr lang="en-US" sz="2800" dirty="0">
-                <a:latin typeface="+mn-lt"/>
-              </a:rPr>
-              <a:t>Get size recommendations: Get size recommendations for Azure VMs based on the performance history of on-premises VMs, plus configurable 'comfort factor’.</a:t>
-            </a:r>
-          </a:p>
-          <a:p>
-            <a:endParaRPr lang="en-US" sz="1600" dirty="0">
-              <a:latin typeface="+mn-lt"/>
-            </a:endParaRPr>
-          </a:p>
-          <a:p>
-            <a:r>
-              <a:rPr lang="en-US" sz="2800" dirty="0">
-                <a:latin typeface="+mn-lt"/>
-              </a:rPr>
-              <a:t>Estimate monthly costs: Get estimated costs for running on-premises machines in Azure, including Hybrid Benefit.</a:t>
-            </a:r>
-          </a:p>
-          <a:p>
-            <a:endParaRPr lang="en-US" sz="1600" dirty="0">
-              <a:latin typeface="+mn-lt"/>
-            </a:endParaRPr>
-          </a:p>
-          <a:p>
-            <a:r>
-              <a:rPr lang="en-US" sz="2800" dirty="0">
-                <a:latin typeface="+mn-lt"/>
-              </a:rPr>
-              <a:t>Migrate with high confidence: Visualize dependencies of on-premises machines to create groups of machines that you will assess and migrate together. You can accurately view dependencies for a specific machine, or for all machines in a group.</a:t>
-            </a:r>
-          </a:p>
-          <a:p>
-            <a:pPr marL="0" indent="0">
-              <a:buNone/>
-            </a:pPr>
-            <a:endParaRPr lang="en-US" sz="3600" dirty="0"/>
-          </a:p>
-          <a:p>
-            <a:pPr marL="0" indent="0">
-              <a:buNone/>
-            </a:pPr>
-            <a:endParaRPr lang="en-US" sz="3600" dirty="0"/>
+              <a:rPr lang="en-US" sz="3400" dirty="0"/>
+              <a:t>Interactively query and analyze monitoring data</a:t>
+            </a:r>
+          </a:p>
+          <a:p>
+            <a:r>
+              <a:rPr lang="en-US" sz="3400" dirty="0"/>
+              <a:t>Proactively alert for critical conditions</a:t>
+            </a:r>
+          </a:p>
+          <a:p>
+            <a:r>
+              <a:rPr lang="en-US" sz="3400" dirty="0"/>
+              <a:t>Take automated action or integrate with other systems with Event Hubs and Logic Apps</a:t>
+            </a:r>
           </a:p>
         </p:txBody>
       </p:sp>
     </p:spTree>
     <p:extLst>
       <p:ext uri="{BB962C8B-B14F-4D97-AF65-F5344CB8AC3E}">
-        <p14:creationId xmlns:p14="http://schemas.microsoft.com/office/powerpoint/2010/main" val="3657948149"/>
+        <p14:creationId xmlns:p14="http://schemas.microsoft.com/office/powerpoint/2010/main" val="2493923603"/>
       </p:ext>
     </p:extLst>
   </p:cSld>
@@ -18675,6 +18786,168 @@
       </p:grpSpPr>
       <p:sp>
         <p:nvSpPr>
+          <p:cNvPr id="3" name="Title 2">
+            <a:extLst>
+              <a:ext uri="{FF2B5EF4-FFF2-40B4-BE49-F238E27FC236}">
+                <a16:creationId xmlns:a16="http://schemas.microsoft.com/office/drawing/2014/main" id="{66A68177-90F0-4F53-B613-75902B630F9E}"/>
+              </a:ext>
+            </a:extLst>
+          </p:cNvPr>
+          <p:cNvSpPr>
+            <a:spLocks noGrp="1"/>
+          </p:cNvSpPr>
+          <p:nvPr>
+            <p:ph type="title"/>
+          </p:nvPr>
+        </p:nvSpPr>
+        <p:spPr>
+          <a:xfrm>
+            <a:off x="232872" y="274380"/>
+            <a:ext cx="11655840" cy="899665"/>
+          </a:xfrm>
+        </p:spPr>
+        <p:txBody>
+          <a:bodyPr/>
+          <a:lstStyle/>
+          <a:p>
+            <a:r>
+              <a:rPr lang="en-US" sz="4400" dirty="0">
+                <a:solidFill>
+                  <a:schemeClr val="tx1"/>
+                </a:solidFill>
+              </a:rPr>
+              <a:t>Procurement - Azure migrate</a:t>
+            </a:r>
+            <a:endParaRPr lang="en-US" sz="4400" dirty="0"/>
+          </a:p>
+        </p:txBody>
+      </p:sp>
+      <p:sp>
+        <p:nvSpPr>
+          <p:cNvPr id="2" name="Text Placeholder 1">
+            <a:extLst>
+              <a:ext uri="{FF2B5EF4-FFF2-40B4-BE49-F238E27FC236}">
+                <a16:creationId xmlns:a16="http://schemas.microsoft.com/office/drawing/2014/main" id="{A0080AB5-C747-4D3D-AAAB-313926CDAC4D}"/>
+              </a:ext>
+            </a:extLst>
+          </p:cNvPr>
+          <p:cNvSpPr>
+            <a:spLocks noGrp="1"/>
+          </p:cNvSpPr>
+          <p:nvPr>
+            <p:ph type="body" sz="quarter" idx="10"/>
+          </p:nvPr>
+        </p:nvSpPr>
+        <p:spPr>
+          <a:xfrm>
+            <a:off x="328973" y="1028402"/>
+            <a:ext cx="11046460" cy="6740307"/>
+          </a:xfrm>
+        </p:spPr>
+        <p:txBody>
+          <a:bodyPr/>
+          <a:lstStyle/>
+          <a:p>
+            <a:r>
+              <a:rPr lang="en-US" sz="2800" dirty="0">
+                <a:latin typeface="+mn-lt"/>
+              </a:rPr>
+              <a:t>Assess Azure readiness: Assess whether your on-premises machines are suitable for running in Azure.</a:t>
+            </a:r>
+          </a:p>
+          <a:p>
+            <a:endParaRPr lang="en-US" sz="1600" dirty="0">
+              <a:latin typeface="+mn-lt"/>
+            </a:endParaRPr>
+          </a:p>
+          <a:p>
+            <a:r>
+              <a:rPr lang="en-US" sz="2800" dirty="0">
+                <a:latin typeface="+mn-lt"/>
+              </a:rPr>
+              <a:t>Get size recommendations: Get size recommendations for Azure VMs based on the performance history of on-premises VMs, plus configurable 'comfort factor’.</a:t>
+            </a:r>
+          </a:p>
+          <a:p>
+            <a:endParaRPr lang="en-US" sz="1600" dirty="0">
+              <a:latin typeface="+mn-lt"/>
+            </a:endParaRPr>
+          </a:p>
+          <a:p>
+            <a:r>
+              <a:rPr lang="en-US" sz="2800" dirty="0">
+                <a:latin typeface="+mn-lt"/>
+              </a:rPr>
+              <a:t>Estimate monthly costs: Get estimated costs for running on-premises machines in Azure, including Hybrid Benefit.</a:t>
+            </a:r>
+          </a:p>
+          <a:p>
+            <a:endParaRPr lang="en-US" sz="1600" dirty="0">
+              <a:latin typeface="+mn-lt"/>
+            </a:endParaRPr>
+          </a:p>
+          <a:p>
+            <a:r>
+              <a:rPr lang="en-US" sz="2800" dirty="0">
+                <a:latin typeface="+mn-lt"/>
+              </a:rPr>
+              <a:t>Migrate with high confidence: Visualize dependencies of on-premises machines to create groups of machines that you will assess and migrate together. You can accurately view dependencies for a specific machine, or for all machines in a group.</a:t>
+            </a:r>
+          </a:p>
+          <a:p>
+            <a:pPr marL="0" indent="0">
+              <a:buNone/>
+            </a:pPr>
+            <a:endParaRPr lang="en-US" sz="3600" dirty="0"/>
+          </a:p>
+          <a:p>
+            <a:pPr marL="0" indent="0">
+              <a:buNone/>
+            </a:pPr>
+            <a:endParaRPr lang="en-US" sz="3600" dirty="0"/>
+          </a:p>
+        </p:txBody>
+      </p:sp>
+    </p:spTree>
+    <p:extLst>
+      <p:ext uri="{BB962C8B-B14F-4D97-AF65-F5344CB8AC3E}">
+        <p14:creationId xmlns:p14="http://schemas.microsoft.com/office/powerpoint/2010/main" val="3657948149"/>
+      </p:ext>
+    </p:extLst>
+  </p:cSld>
+  <p:clrMapOvr>
+    <a:masterClrMapping/>
+  </p:clrMapOvr>
+  <mc:AlternateContent xmlns:mc="http://schemas.openxmlformats.org/markup-compatibility/2006" xmlns:p14="http://schemas.microsoft.com/office/powerpoint/2010/main">
+    <mc:Choice Requires="p14">
+      <p:transition p14:dur="0"/>
+    </mc:Choice>
+    <mc:Fallback xmlns="">
+      <p:transition/>
+    </mc:Fallback>
+  </mc:AlternateContent>
+</p:sld>
+</file>
+
+<file path=ppt/slides/slide25.xml><?xml version="1.0" encoding="utf-8"?>
+<p:sld xmlns:a="http://schemas.openxmlformats.org/drawingml/2006/main" xmlns:r="http://schemas.openxmlformats.org/officeDocument/2006/relationships" xmlns:p="http://schemas.openxmlformats.org/presentationml/2006/main">
+  <p:cSld>
+    <p:spTree>
+      <p:nvGrpSpPr>
+        <p:cNvPr id="1" name=""/>
+        <p:cNvGrpSpPr/>
+        <p:nvPr/>
+      </p:nvGrpSpPr>
+      <p:grpSpPr>
+        <a:xfrm>
+          <a:off x="0" y="0"/>
+          <a:ext cx="0" cy="0"/>
+          <a:chOff x="0" y="0"/>
+          <a:chExt cx="0" cy="0"/>
+        </a:xfrm>
+      </p:grpSpPr>
+      <p:sp>
+        <p:nvSpPr>
           <p:cNvPr id="2" name="Title 1"/>
           <p:cNvSpPr>
             <a:spLocks noGrp="1"/>
@@ -18741,7 +19014,7 @@
                   <a:schemeClr val="tx1"/>
                 </a:solidFill>
               </a:rPr>
-              <a:t>Web tier: DS2_v2 or D2S_v3 VMs in availability set</a:t>
+              <a:t>Web tier: DS2_v2 or D2S_v3 VMs hosted across availability zones</a:t>
             </a:r>
           </a:p>
           <a:p>
@@ -18756,7 +19029,7 @@
                   <a:schemeClr val="tx1"/>
                 </a:solidFill>
               </a:rPr>
-              <a:t>Database tier: DS3_v2 or D4S_v3 VMs in availability set, running SQL Server with bring your own licenses (BYOL), Always On and Cloud Witness</a:t>
+              <a:t>Database tier: DS3_v2 or D4S_v3 VMs hosted across availability zones, running SQL Server with bring your own licenses (BYOL), Always On and Cloud Witness</a:t>
             </a:r>
           </a:p>
           <a:p>
@@ -18803,10 +19076,10 @@
       </p:sp>
       <p:pic>
         <p:nvPicPr>
-          <p:cNvPr id="15" name="Picture 14" descr="This diagram shows the design for the procurement system once migrated to Azure. At the top is the ExpressRoute icon. This is connected to the Application Gateway icon, which sits in the App Gw subnet, and is labelled with 'Static IP address' and 'Cookie affinity'. The Application Gateway is connected to the web tier virtual machines, which sit within an availability set within the web tier subnet. The web tier virtual machines are connected to the internal load balancer icon, sits in the database tier subnet and is labelled with 'Direct Server Return'. This is connected to the database virtual machines, which sit within an availability set, also within the database tier subnet. The database virtual machines are connected to a storage account icon, which is labelled 'Cloud Witness (storage account)'." title="Procurement system solution design">
+          <p:cNvPr id="6" name="Picture 5" descr="This diagram shows the design for the procurement system once migrated to Azure. At the top is the ExpressRoute icon. This is connected to the Application Gateway icon, which sits in the App Gw subnet, and is labelled with 'Static IP address' and 'Cookie affinity' and 'Zone redundant'. The Application Gateway is connected to the web tier virtual machines, which sit within the web tier subnet. Each web tier virtual machine sits in a seperate availability zone. The web tier virtual machines are connected to the internal load balancer icon, which sits in the database tier subnet and is labelled with 'Direct Server Return'. This is connected to the database virtual machines, each of which sit within a seperate availability zone, also within the database tier subnet. The database virtual machines are connected to a storage account icon, which is labeled 'Cloud Witness (Zone Redundant)'.">
             <a:extLst>
               <a:ext uri="{FF2B5EF4-FFF2-40B4-BE49-F238E27FC236}">
-                <a16:creationId xmlns:a16="http://schemas.microsoft.com/office/drawing/2014/main" id="{61DFB6B0-AECC-4247-B3DB-54AE82D2CA23}"/>
+                <a16:creationId xmlns:a16="http://schemas.microsoft.com/office/drawing/2014/main" id="{DEA3BD4A-28D0-4F8A-94FB-38827891A3F3}"/>
               </a:ext>
             </a:extLst>
           </p:cNvPr>
@@ -18816,21 +19089,15 @@
           <p:nvPr/>
         </p:nvPicPr>
         <p:blipFill>
-          <a:blip r:embed="rId3">
-            <a:extLst>
-              <a:ext uri="{28A0092B-C50C-407E-A947-70E740481C1C}">
-                <a14:useLocalDpi xmlns:a14="http://schemas.microsoft.com/office/drawing/2010/main" val="0"/>
-              </a:ext>
-            </a:extLst>
-          </a:blip>
+          <a:blip r:embed="rId3"/>
           <a:stretch>
             <a:fillRect/>
           </a:stretch>
         </p:blipFill>
         <p:spPr>
           <a:xfrm>
-            <a:off x="7263700" y="1215705"/>
-            <a:ext cx="4652993" cy="5352784"/>
+            <a:off x="7494655" y="1189176"/>
+            <a:ext cx="4360959" cy="5309947"/>
           </a:xfrm>
           <a:prstGeom prst="rect">
             <a:avLst/>
@@ -18858,7 +19125,7 @@
 </p:sld>
 </file>
 
-<file path=ppt/slides/slide25.xml><?xml version="1.0" encoding="utf-8"?>
+<file path=ppt/slides/slide26.xml><?xml version="1.0" encoding="utf-8"?>
 <p:sld xmlns:a="http://schemas.openxmlformats.org/drawingml/2006/main" xmlns:r="http://schemas.openxmlformats.org/officeDocument/2006/relationships" xmlns:p="http://schemas.openxmlformats.org/presentationml/2006/main">
   <p:cSld>
     <p:spTree>
@@ -19065,166 +19332,6 @@
 </p:sld>
 </file>
 
-<file path=ppt/slides/slide26.xml><?xml version="1.0" encoding="utf-8"?>
-<p:sld xmlns:a="http://schemas.openxmlformats.org/drawingml/2006/main" xmlns:r="http://schemas.openxmlformats.org/officeDocument/2006/relationships" xmlns:p="http://schemas.openxmlformats.org/presentationml/2006/main">
-  <p:cSld>
-    <p:spTree>
-      <p:nvGrpSpPr>
-        <p:cNvPr id="1" name=""/>
-        <p:cNvGrpSpPr/>
-        <p:nvPr/>
-      </p:nvGrpSpPr>
-      <p:grpSpPr>
-        <a:xfrm>
-          <a:off x="0" y="0"/>
-          <a:ext cx="0" cy="0"/>
-          <a:chOff x="0" y="0"/>
-          <a:chExt cx="0" cy="0"/>
-        </a:xfrm>
-      </p:grpSpPr>
-      <p:sp>
-        <p:nvSpPr>
-          <p:cNvPr id="2" name="Title 1"/>
-          <p:cNvSpPr>
-            <a:spLocks noGrp="1"/>
-          </p:cNvSpPr>
-          <p:nvPr>
-            <p:ph type="title"/>
-          </p:nvPr>
-        </p:nvSpPr>
-        <p:spPr/>
-        <p:txBody>
-          <a:bodyPr/>
-          <a:lstStyle/>
-          <a:p>
-            <a:r>
-              <a:rPr lang="en-US" sz="4400" dirty="0">
-                <a:solidFill>
-                  <a:schemeClr val="tx1"/>
-                </a:solidFill>
-              </a:rPr>
-              <a:t>Procurement – web tier migration steps</a:t>
-            </a:r>
-          </a:p>
-        </p:txBody>
-      </p:sp>
-      <p:sp>
-        <p:nvSpPr>
-          <p:cNvPr id="3" name="Text Placeholder 2">
-            <a:extLst>
-              <a:ext uri="{FF2B5EF4-FFF2-40B4-BE49-F238E27FC236}">
-                <a16:creationId xmlns:a16="http://schemas.microsoft.com/office/drawing/2014/main" id="{7253E98F-ECD7-4C6F-9482-C9373F10E57A}"/>
-              </a:ext>
-            </a:extLst>
-          </p:cNvPr>
-          <p:cNvSpPr>
-            <a:spLocks noGrp="1"/>
-          </p:cNvSpPr>
-          <p:nvPr>
-            <p:ph type="body" sz="quarter" idx="10"/>
-          </p:nvPr>
-        </p:nvSpPr>
-        <p:spPr>
-          <a:xfrm>
-            <a:off x="269240" y="1220112"/>
-            <a:ext cx="11112862" cy="5983176"/>
-          </a:xfrm>
-        </p:spPr>
-        <p:txBody>
-          <a:bodyPr/>
-          <a:lstStyle/>
-          <a:p>
-            <a:r>
-              <a:rPr lang="en-US" sz="3200" dirty="0">
-                <a:latin typeface="+mn-lt"/>
-              </a:rPr>
-              <a:t>Create the Azure Application Gateway with a static internal IP.</a:t>
-            </a:r>
-          </a:p>
-          <a:p>
-            <a:r>
-              <a:rPr lang="en-US" sz="3200" dirty="0">
-                <a:latin typeface="+mn-lt"/>
-              </a:rPr>
-              <a:t>Migrate servers using one of the 3 methods presented.</a:t>
-            </a:r>
-          </a:p>
-          <a:p>
-            <a:r>
-              <a:rPr lang="en-US" sz="3200" dirty="0">
-                <a:latin typeface="+mn-lt"/>
-              </a:rPr>
-              <a:t>Configure the App GW backend server pool to reference the newly migrated web servers.</a:t>
-            </a:r>
-          </a:p>
-          <a:p>
-            <a:r>
-              <a:rPr lang="en-US" sz="3200" dirty="0">
-                <a:latin typeface="+mn-lt"/>
-              </a:rPr>
-              <a:t>Set cookie-based affinity on the backend HTTP server settings list.</a:t>
-            </a:r>
-          </a:p>
-          <a:p>
-            <a:r>
-              <a:rPr lang="en-US" sz="3200" dirty="0">
-                <a:latin typeface="+mn-lt"/>
-              </a:rPr>
-              <a:t>Update </a:t>
-            </a:r>
-            <a:r>
-              <a:rPr lang="en-US" sz="3200" dirty="0">
-                <a:latin typeface="+mn-lt"/>
-                <a:hlinkClick r:id="rId3"/>
-              </a:rPr>
-              <a:t>http://procurement</a:t>
-            </a:r>
-            <a:r>
-              <a:rPr lang="en-US" sz="3200" dirty="0">
-                <a:latin typeface="+mn-lt"/>
-              </a:rPr>
-              <a:t> DNS entry to point to App Gw static internal IP.</a:t>
-            </a:r>
-          </a:p>
-          <a:p>
-            <a:pPr marL="514350" indent="-514350">
-              <a:buFont typeface="+mj-lt"/>
-              <a:buAutoNum type="arabicPeriod"/>
-            </a:pPr>
-            <a:endParaRPr lang="en-US" sz="3200" dirty="0">
-              <a:latin typeface="+mn-lt"/>
-            </a:endParaRPr>
-          </a:p>
-          <a:p>
-            <a:pPr marL="514350" indent="-514350">
-              <a:buFont typeface="+mj-lt"/>
-              <a:buAutoNum type="arabicPeriod"/>
-            </a:pPr>
-            <a:endParaRPr lang="en-US" sz="3600" dirty="0"/>
-          </a:p>
-        </p:txBody>
-      </p:sp>
-    </p:spTree>
-    <p:extLst>
-      <p:ext uri="{BB962C8B-B14F-4D97-AF65-F5344CB8AC3E}">
-        <p14:creationId xmlns:p14="http://schemas.microsoft.com/office/powerpoint/2010/main" val="1586023142"/>
-      </p:ext>
-    </p:extLst>
-  </p:cSld>
-  <p:clrMapOvr>
-    <a:masterClrMapping/>
-  </p:clrMapOvr>
-  <mc:AlternateContent xmlns:mc="http://schemas.openxmlformats.org/markup-compatibility/2006" xmlns:p14="http://schemas.microsoft.com/office/powerpoint/2010/main">
-    <mc:Choice Requires="p14">
-      <p:transition p14:dur="0"/>
-    </mc:Choice>
-    <mc:Fallback xmlns="">
-      <p:transition/>
-    </mc:Fallback>
-  </mc:AlternateContent>
-</p:sld>
-</file>
-
 <file path=ppt/slides/slide27.xml><?xml version="1.0" encoding="utf-8"?>
 <p:sld xmlns:a="http://schemas.openxmlformats.org/drawingml/2006/main" xmlns:r="http://schemas.openxmlformats.org/officeDocument/2006/relationships" xmlns:p="http://schemas.openxmlformats.org/presentationml/2006/main">
   <p:cSld>
@@ -19244,13 +19351,7 @@
       </p:grpSpPr>
       <p:sp>
         <p:nvSpPr>
-          <p:cNvPr id="3" name="Title 2">
-            <a:extLst>
-              <a:ext uri="{FF2B5EF4-FFF2-40B4-BE49-F238E27FC236}">
-                <a16:creationId xmlns:a16="http://schemas.microsoft.com/office/drawing/2014/main" id="{66A68177-90F0-4F53-B613-75902B630F9E}"/>
-              </a:ext>
-            </a:extLst>
-          </p:cNvPr>
+          <p:cNvPr id="2" name="Title 1"/>
           <p:cNvSpPr>
             <a:spLocks noGrp="1"/>
           </p:cNvSpPr>
@@ -19269,18 +19370,17 @@
                   <a:schemeClr val="tx1"/>
                 </a:solidFill>
               </a:rPr>
-              <a:t>Procurement – database tier migration steps</a:t>
-            </a:r>
-            <a:endParaRPr lang="en-US" sz="4400" dirty="0"/>
+              <a:t>Procurement – web tier migration steps</a:t>
+            </a:r>
           </a:p>
         </p:txBody>
       </p:sp>
       <p:sp>
         <p:nvSpPr>
-          <p:cNvPr id="2" name="Text Placeholder 1">
+          <p:cNvPr id="3" name="Text Placeholder 2">
             <a:extLst>
               <a:ext uri="{FF2B5EF4-FFF2-40B4-BE49-F238E27FC236}">
-                <a16:creationId xmlns:a16="http://schemas.microsoft.com/office/drawing/2014/main" id="{A0080AB5-C747-4D3D-AAAB-313926CDAC4D}"/>
+                <a16:creationId xmlns:a16="http://schemas.microsoft.com/office/drawing/2014/main" id="{7253E98F-ECD7-4C6F-9482-C9373F10E57A}"/>
               </a:ext>
             </a:extLst>
           </p:cNvPr>
@@ -19293,8 +19393,8 @@
         </p:nvSpPr>
         <p:spPr>
           <a:xfrm>
-            <a:off x="269240" y="1268619"/>
-            <a:ext cx="11465776" cy="4764381"/>
+            <a:off x="269240" y="1220112"/>
+            <a:ext cx="11112862" cy="5983176"/>
           </a:xfrm>
         </p:spPr>
         <p:txBody>
@@ -19305,7 +19405,7 @@
               <a:rPr lang="en-US" sz="3200" dirty="0">
                 <a:latin typeface="+mn-lt"/>
               </a:rPr>
-              <a:t>Deploy new Azure VMs with SQL Server in an availability set.</a:t>
+              <a:t>Create the Azure Application Gateway with a static internal IP.</a:t>
             </a:r>
           </a:p>
           <a:p>
@@ -19313,7 +19413,7 @@
               <a:rPr lang="en-US" sz="3200" dirty="0">
                 <a:latin typeface="+mn-lt"/>
               </a:rPr>
-              <a:t>Configure internal load-balancer with Direct Server Return (DSR).</a:t>
+              <a:t>Migrate servers using one of the 3 methods presented.</a:t>
             </a:r>
           </a:p>
           <a:p>
@@ -19321,7 +19421,7 @@
               <a:rPr lang="en-US" sz="3200" dirty="0">
                 <a:latin typeface="+mn-lt"/>
               </a:rPr>
-              <a:t>Extend existing Always On availability group to new Azure VMs.</a:t>
+              <a:t>Configure the App GW backend server pool to reference the newly migrated web servers.</a:t>
             </a:r>
           </a:p>
           <a:p>
@@ -19329,7 +19429,7 @@
               <a:rPr lang="en-US" sz="3200" dirty="0">
                 <a:latin typeface="+mn-lt"/>
               </a:rPr>
-              <a:t>Pause web tier or place in read-only mode.</a:t>
+              <a:t>Set cookie-based affinity on the backend HTTP server settings list.</a:t>
             </a:r>
           </a:p>
           <a:p>
@@ -19337,32 +19437,44 @@
               <a:rPr lang="en-US" sz="3200" dirty="0">
                 <a:latin typeface="+mn-lt"/>
               </a:rPr>
-              <a:t>Fail over SQL primary to Azure VM.</a:t>
-            </a:r>
-          </a:p>
-          <a:p>
+              <a:t>Update </a:t>
+            </a:r>
             <a:r>
               <a:rPr lang="en-US" sz="3200" dirty="0">
                 <a:latin typeface="+mn-lt"/>
-              </a:rPr>
-              <a:t>Update web tier to use ILB as database endpoint.</a:t>
-            </a:r>
-          </a:p>
-          <a:p>
+                <a:hlinkClick r:id="rId3"/>
+              </a:rPr>
+              <a:t>http://procurement</a:t>
+            </a:r>
             <a:r>
               <a:rPr lang="en-US" sz="3200" dirty="0">
                 <a:latin typeface="+mn-lt"/>
               </a:rPr>
-              <a:t>Re-start web tier.</a:t>
-            </a:r>
-            <a:endParaRPr lang="en-US" sz="2800" dirty="0"/>
+              <a:t> DNS entry to point to App Gw static internal IP.</a:t>
+            </a:r>
+          </a:p>
+          <a:p>
+            <a:pPr marL="514350" indent="-514350">
+              <a:buFont typeface="+mj-lt"/>
+              <a:buAutoNum type="arabicPeriod"/>
+            </a:pPr>
+            <a:endParaRPr lang="en-US" sz="3200" dirty="0">
+              <a:latin typeface="+mn-lt"/>
+            </a:endParaRPr>
+          </a:p>
+          <a:p>
+            <a:pPr marL="514350" indent="-514350">
+              <a:buFont typeface="+mj-lt"/>
+              <a:buAutoNum type="arabicPeriod"/>
+            </a:pPr>
+            <a:endParaRPr lang="en-US" sz="3600" dirty="0"/>
           </a:p>
         </p:txBody>
       </p:sp>
     </p:spTree>
     <p:extLst>
       <p:ext uri="{BB962C8B-B14F-4D97-AF65-F5344CB8AC3E}">
-        <p14:creationId xmlns:p14="http://schemas.microsoft.com/office/powerpoint/2010/main" val="4186314683"/>
+        <p14:creationId xmlns:p14="http://schemas.microsoft.com/office/powerpoint/2010/main" val="1586023142"/>
       </p:ext>
     </p:extLst>
   </p:cSld>
@@ -19413,6 +19525,161 @@
             <p:ph type="title"/>
           </p:nvPr>
         </p:nvSpPr>
+        <p:spPr/>
+        <p:txBody>
+          <a:bodyPr/>
+          <a:lstStyle/>
+          <a:p>
+            <a:r>
+              <a:rPr lang="en-US" sz="4400" dirty="0">
+                <a:solidFill>
+                  <a:schemeClr val="tx1"/>
+                </a:solidFill>
+              </a:rPr>
+              <a:t>Procurement – database tier migration steps</a:t>
+            </a:r>
+            <a:endParaRPr lang="en-US" sz="4400" dirty="0"/>
+          </a:p>
+        </p:txBody>
+      </p:sp>
+      <p:sp>
+        <p:nvSpPr>
+          <p:cNvPr id="2" name="Text Placeholder 1">
+            <a:extLst>
+              <a:ext uri="{FF2B5EF4-FFF2-40B4-BE49-F238E27FC236}">
+                <a16:creationId xmlns:a16="http://schemas.microsoft.com/office/drawing/2014/main" id="{A0080AB5-C747-4D3D-AAAB-313926CDAC4D}"/>
+              </a:ext>
+            </a:extLst>
+          </p:cNvPr>
+          <p:cNvSpPr>
+            <a:spLocks noGrp="1"/>
+          </p:cNvSpPr>
+          <p:nvPr>
+            <p:ph type="body" sz="quarter" idx="10"/>
+          </p:nvPr>
+        </p:nvSpPr>
+        <p:spPr>
+          <a:xfrm>
+            <a:off x="269240" y="1268619"/>
+            <a:ext cx="11465776" cy="5207579"/>
+          </a:xfrm>
+        </p:spPr>
+        <p:txBody>
+          <a:bodyPr/>
+          <a:lstStyle/>
+          <a:p>
+            <a:r>
+              <a:rPr lang="en-US" sz="3200" dirty="0">
+                <a:latin typeface="+mn-lt"/>
+              </a:rPr>
+              <a:t>Deploy new Azure VMs with SQL Server across two or more Availability Zones.</a:t>
+            </a:r>
+          </a:p>
+          <a:p>
+            <a:r>
+              <a:rPr lang="en-US" sz="3200" dirty="0">
+                <a:latin typeface="+mn-lt"/>
+              </a:rPr>
+              <a:t>Configure internal load-balancer with Direct Server Return (DSR).</a:t>
+            </a:r>
+          </a:p>
+          <a:p>
+            <a:r>
+              <a:rPr lang="en-US" sz="3200" dirty="0">
+                <a:latin typeface="+mn-lt"/>
+              </a:rPr>
+              <a:t>Extend existing Always On availability group to new Azure VMs.</a:t>
+            </a:r>
+          </a:p>
+          <a:p>
+            <a:r>
+              <a:rPr lang="en-US" sz="3200" dirty="0">
+                <a:latin typeface="+mn-lt"/>
+              </a:rPr>
+              <a:t>Pause web tier or place in read-only mode.</a:t>
+            </a:r>
+          </a:p>
+          <a:p>
+            <a:r>
+              <a:rPr lang="en-US" sz="3200" dirty="0">
+                <a:latin typeface="+mn-lt"/>
+              </a:rPr>
+              <a:t>Fail over SQL primary to Azure VM.</a:t>
+            </a:r>
+          </a:p>
+          <a:p>
+            <a:r>
+              <a:rPr lang="en-US" sz="3200" dirty="0">
+                <a:latin typeface="+mn-lt"/>
+              </a:rPr>
+              <a:t>Update web tier to use ILB as database endpoint.</a:t>
+            </a:r>
+          </a:p>
+          <a:p>
+            <a:r>
+              <a:rPr lang="en-US" sz="3200" dirty="0">
+                <a:latin typeface="+mn-lt"/>
+              </a:rPr>
+              <a:t>Re-start web tier.</a:t>
+            </a:r>
+            <a:endParaRPr lang="en-US" sz="2800" dirty="0"/>
+          </a:p>
+        </p:txBody>
+      </p:sp>
+    </p:spTree>
+    <p:extLst>
+      <p:ext uri="{BB962C8B-B14F-4D97-AF65-F5344CB8AC3E}">
+        <p14:creationId xmlns:p14="http://schemas.microsoft.com/office/powerpoint/2010/main" val="4186314683"/>
+      </p:ext>
+    </p:extLst>
+  </p:cSld>
+  <p:clrMapOvr>
+    <a:masterClrMapping/>
+  </p:clrMapOvr>
+  <mc:AlternateContent xmlns:mc="http://schemas.openxmlformats.org/markup-compatibility/2006" xmlns:p14="http://schemas.microsoft.com/office/powerpoint/2010/main">
+    <mc:Choice Requires="p14">
+      <p:transition p14:dur="0"/>
+    </mc:Choice>
+    <mc:Fallback xmlns="">
+      <p:transition/>
+    </mc:Fallback>
+  </mc:AlternateContent>
+</p:sld>
+</file>
+
+<file path=ppt/slides/slide29.xml><?xml version="1.0" encoding="utf-8"?>
+<p:sld xmlns:a="http://schemas.openxmlformats.org/drawingml/2006/main" xmlns:r="http://schemas.openxmlformats.org/officeDocument/2006/relationships" xmlns:p="http://schemas.openxmlformats.org/presentationml/2006/main">
+  <p:cSld>
+    <p:spTree>
+      <p:nvGrpSpPr>
+        <p:cNvPr id="1" name=""/>
+        <p:cNvGrpSpPr/>
+        <p:nvPr/>
+      </p:nvGrpSpPr>
+      <p:grpSpPr>
+        <a:xfrm>
+          <a:off x="0" y="0"/>
+          <a:ext cx="0" cy="0"/>
+          <a:chOff x="0" y="0"/>
+          <a:chExt cx="0" cy="0"/>
+        </a:xfrm>
+      </p:grpSpPr>
+      <p:sp>
+        <p:nvSpPr>
+          <p:cNvPr id="3" name="Title 2">
+            <a:extLst>
+              <a:ext uri="{FF2B5EF4-FFF2-40B4-BE49-F238E27FC236}">
+                <a16:creationId xmlns:a16="http://schemas.microsoft.com/office/drawing/2014/main" id="{66A68177-90F0-4F53-B613-75902B630F9E}"/>
+              </a:ext>
+            </a:extLst>
+          </p:cNvPr>
+          <p:cNvSpPr>
+            <a:spLocks noGrp="1"/>
+          </p:cNvSpPr>
+          <p:nvPr>
+            <p:ph type="title"/>
+          </p:nvPr>
+        </p:nvSpPr>
         <p:spPr>
           <a:xfrm>
             <a:off x="232872" y="274380"/>
@@ -19533,7 +19800,189 @@
 </p:sld>
 </file>
 
-<file path=ppt/slides/slide29.xml><?xml version="1.0" encoding="utf-8"?>
+<file path=ppt/slides/slide3.xml><?xml version="1.0" encoding="utf-8"?>
+<p:sld xmlns:a="http://schemas.openxmlformats.org/drawingml/2006/main" xmlns:r="http://schemas.openxmlformats.org/officeDocument/2006/relationships" xmlns:p="http://schemas.openxmlformats.org/presentationml/2006/main">
+  <p:cSld>
+    <p:bg>
+      <p:bgPr>
+        <a:solidFill>
+          <a:schemeClr val="bg2"/>
+        </a:solidFill>
+        <a:effectLst/>
+      </p:bgPr>
+    </p:bg>
+    <p:spTree>
+      <p:nvGrpSpPr>
+        <p:cNvPr id="1" name=""/>
+        <p:cNvGrpSpPr/>
+        <p:nvPr/>
+      </p:nvGrpSpPr>
+      <p:grpSpPr>
+        <a:xfrm>
+          <a:off x="0" y="0"/>
+          <a:ext cx="0" cy="0"/>
+          <a:chOff x="0" y="0"/>
+          <a:chExt cx="0" cy="0"/>
+        </a:xfrm>
+      </p:grpSpPr>
+      <p:sp>
+        <p:nvSpPr>
+          <p:cNvPr id="2" name="Title 1"/>
+          <p:cNvSpPr>
+            <a:spLocks noGrp="1"/>
+          </p:cNvSpPr>
+          <p:nvPr>
+            <p:ph type="title"/>
+          </p:nvPr>
+        </p:nvSpPr>
+        <p:spPr/>
+        <p:txBody>
+          <a:bodyPr>
+            <a:normAutofit/>
+          </a:bodyPr>
+          <a:lstStyle/>
+          <a:p>
+            <a:r>
+              <a:rPr lang="en-US" sz="4400" dirty="0">
+                <a:solidFill>
+                  <a:schemeClr val="tx1"/>
+                </a:solidFill>
+                <a:latin typeface="Segoe UI Light" panose="020B0502040204020203" pitchFamily="34" charset="0"/>
+                <a:cs typeface="Segoe UI Light" panose="020B0502040204020203" pitchFamily="34" charset="0"/>
+              </a:rPr>
+              <a:t>Step 1: Review the customer case study</a:t>
+            </a:r>
+          </a:p>
+        </p:txBody>
+      </p:sp>
+      <p:sp>
+        <p:nvSpPr>
+          <p:cNvPr id="9" name="TextBox 8">
+            <a:extLst>
+              <a:ext uri="{FF2B5EF4-FFF2-40B4-BE49-F238E27FC236}">
+                <a16:creationId xmlns:a16="http://schemas.microsoft.com/office/drawing/2014/main" id="{0F86F9F9-39B5-4CE6-AF48-9ADAE40EA728}"/>
+              </a:ext>
+            </a:extLst>
+          </p:cNvPr>
+          <p:cNvSpPr txBox="1"/>
+          <p:nvPr/>
+        </p:nvSpPr>
+        <p:spPr>
+          <a:xfrm>
+            <a:off x="340285" y="1741246"/>
+            <a:ext cx="7247965" cy="2597634"/>
+          </a:xfrm>
+          <a:prstGeom prst="rect">
+            <a:avLst/>
+          </a:prstGeom>
+          <a:noFill/>
+        </p:spPr>
+        <p:txBody>
+          <a:bodyPr wrap="square" lIns="182880" tIns="146304" rIns="182880" bIns="146304" rtlCol="0">
+            <a:spAutoFit/>
+          </a:bodyPr>
+          <a:lstStyle/>
+          <a:p>
+            <a:pPr>
+              <a:lnSpc>
+                <a:spcPct val="90000"/>
+              </a:lnSpc>
+              <a:spcAft>
+                <a:spcPts val="600"/>
+              </a:spcAft>
+            </a:pPr>
+            <a:r>
+              <a:rPr lang="en-US" sz="3600" dirty="0">
+                <a:latin typeface="+mj-lt"/>
+              </a:rPr>
+              <a:t>Outcome</a:t>
+            </a:r>
+          </a:p>
+          <a:p>
+            <a:pPr>
+              <a:lnSpc>
+                <a:spcPct val="90000"/>
+              </a:lnSpc>
+              <a:spcAft>
+                <a:spcPts val="600"/>
+              </a:spcAft>
+            </a:pPr>
+            <a:r>
+              <a:rPr lang="en-US" sz="2400" dirty="0">
+                <a:latin typeface="Segoe UI Semilight" panose="020B0402040204020203" pitchFamily="34" charset="0"/>
+                <a:cs typeface="Segoe UI Semilight" panose="020B0402040204020203" pitchFamily="34" charset="0"/>
+              </a:rPr>
+              <a:t>Analyze your customer needs.</a:t>
+            </a:r>
+          </a:p>
+          <a:p>
+            <a:pPr>
+              <a:lnSpc>
+                <a:spcPct val="90000"/>
+              </a:lnSpc>
+              <a:spcAft>
+                <a:spcPts val="600"/>
+              </a:spcAft>
+            </a:pPr>
+            <a:endParaRPr lang="en-US" sz="2400" dirty="0"/>
+          </a:p>
+          <a:p>
+            <a:pPr>
+              <a:lnSpc>
+                <a:spcPct val="90000"/>
+              </a:lnSpc>
+              <a:spcAft>
+                <a:spcPts val="600"/>
+              </a:spcAft>
+            </a:pPr>
+            <a:r>
+              <a:rPr lang="en-US" sz="3600" dirty="0">
+                <a:latin typeface="+mj-lt"/>
+              </a:rPr>
+              <a:t>Timeframe</a:t>
+            </a:r>
+          </a:p>
+          <a:p>
+            <a:pPr>
+              <a:lnSpc>
+                <a:spcPct val="90000"/>
+              </a:lnSpc>
+              <a:spcAft>
+                <a:spcPts val="600"/>
+              </a:spcAft>
+            </a:pPr>
+            <a:r>
+              <a:rPr lang="en-US" sz="2400" dirty="0">
+                <a:latin typeface="Segoe UI Semilight" panose="020B0402040204020203" pitchFamily="34" charset="0"/>
+                <a:cs typeface="Segoe UI Semilight" panose="020B0402040204020203" pitchFamily="34" charset="0"/>
+              </a:rPr>
+              <a:t>15 minutes</a:t>
+            </a:r>
+          </a:p>
+        </p:txBody>
+      </p:sp>
+    </p:spTree>
+    <p:extLst>
+      <p:ext uri="{BB962C8B-B14F-4D97-AF65-F5344CB8AC3E}">
+        <p14:creationId xmlns:p14="http://schemas.microsoft.com/office/powerpoint/2010/main" val="2071289292"/>
+      </p:ext>
+    </p:extLst>
+  </p:cSld>
+  <p:clrMapOvr>
+    <a:masterClrMapping/>
+  </p:clrMapOvr>
+  <mc:AlternateContent xmlns:mc="http://schemas.openxmlformats.org/markup-compatibility/2006" xmlns:p14="http://schemas.microsoft.com/office/powerpoint/2010/main">
+    <mc:Choice Requires="p14">
+      <p:transition p14:dur="0"/>
+    </mc:Choice>
+    <mc:Fallback xmlns="">
+      <p:transition/>
+    </mc:Fallback>
+  </mc:AlternateContent>
+</p:sld>
+</file>
+
+<file path=ppt/slides/slide30.xml><?xml version="1.0" encoding="utf-8"?>
 <p:sld xmlns:a="http://schemas.openxmlformats.org/drawingml/2006/main" xmlns:r="http://schemas.openxmlformats.org/officeDocument/2006/relationships" xmlns:p="http://schemas.openxmlformats.org/presentationml/2006/main">
   <p:cSld>
     <p:spTree>
@@ -19750,189 +20199,7 @@
 </p:sld>
 </file>
 
-<file path=ppt/slides/slide3.xml><?xml version="1.0" encoding="utf-8"?>
-<p:sld xmlns:a="http://schemas.openxmlformats.org/drawingml/2006/main" xmlns:r="http://schemas.openxmlformats.org/officeDocument/2006/relationships" xmlns:p="http://schemas.openxmlformats.org/presentationml/2006/main">
-  <p:cSld>
-    <p:bg>
-      <p:bgPr>
-        <a:solidFill>
-          <a:schemeClr val="bg2"/>
-        </a:solidFill>
-        <a:effectLst/>
-      </p:bgPr>
-    </p:bg>
-    <p:spTree>
-      <p:nvGrpSpPr>
-        <p:cNvPr id="1" name=""/>
-        <p:cNvGrpSpPr/>
-        <p:nvPr/>
-      </p:nvGrpSpPr>
-      <p:grpSpPr>
-        <a:xfrm>
-          <a:off x="0" y="0"/>
-          <a:ext cx="0" cy="0"/>
-          <a:chOff x="0" y="0"/>
-          <a:chExt cx="0" cy="0"/>
-        </a:xfrm>
-      </p:grpSpPr>
-      <p:sp>
-        <p:nvSpPr>
-          <p:cNvPr id="2" name="Title 1"/>
-          <p:cNvSpPr>
-            <a:spLocks noGrp="1"/>
-          </p:cNvSpPr>
-          <p:nvPr>
-            <p:ph type="title"/>
-          </p:nvPr>
-        </p:nvSpPr>
-        <p:spPr/>
-        <p:txBody>
-          <a:bodyPr>
-            <a:normAutofit/>
-          </a:bodyPr>
-          <a:lstStyle/>
-          <a:p>
-            <a:r>
-              <a:rPr lang="en-US" sz="4400" dirty="0">
-                <a:solidFill>
-                  <a:schemeClr val="tx1"/>
-                </a:solidFill>
-                <a:latin typeface="Segoe UI Light" panose="020B0502040204020203" pitchFamily="34" charset="0"/>
-                <a:cs typeface="Segoe UI Light" panose="020B0502040204020203" pitchFamily="34" charset="0"/>
-              </a:rPr>
-              <a:t>Step 1: Review the customer case study</a:t>
-            </a:r>
-          </a:p>
-        </p:txBody>
-      </p:sp>
-      <p:sp>
-        <p:nvSpPr>
-          <p:cNvPr id="9" name="TextBox 8">
-            <a:extLst>
-              <a:ext uri="{FF2B5EF4-FFF2-40B4-BE49-F238E27FC236}">
-                <a16:creationId xmlns:a16="http://schemas.microsoft.com/office/drawing/2014/main" id="{0F86F9F9-39B5-4CE6-AF48-9ADAE40EA728}"/>
-              </a:ext>
-            </a:extLst>
-          </p:cNvPr>
-          <p:cNvSpPr txBox="1"/>
-          <p:nvPr/>
-        </p:nvSpPr>
-        <p:spPr>
-          <a:xfrm>
-            <a:off x="340285" y="1741246"/>
-            <a:ext cx="7247965" cy="2597634"/>
-          </a:xfrm>
-          <a:prstGeom prst="rect">
-            <a:avLst/>
-          </a:prstGeom>
-          <a:noFill/>
-        </p:spPr>
-        <p:txBody>
-          <a:bodyPr wrap="square" lIns="182880" tIns="146304" rIns="182880" bIns="146304" rtlCol="0">
-            <a:spAutoFit/>
-          </a:bodyPr>
-          <a:lstStyle/>
-          <a:p>
-            <a:pPr>
-              <a:lnSpc>
-                <a:spcPct val="90000"/>
-              </a:lnSpc>
-              <a:spcAft>
-                <a:spcPts val="600"/>
-              </a:spcAft>
-            </a:pPr>
-            <a:r>
-              <a:rPr lang="en-US" sz="3600" dirty="0">
-                <a:latin typeface="+mj-lt"/>
-              </a:rPr>
-              <a:t>Outcome</a:t>
-            </a:r>
-          </a:p>
-          <a:p>
-            <a:pPr>
-              <a:lnSpc>
-                <a:spcPct val="90000"/>
-              </a:lnSpc>
-              <a:spcAft>
-                <a:spcPts val="600"/>
-              </a:spcAft>
-            </a:pPr>
-            <a:r>
-              <a:rPr lang="en-US" sz="2400" dirty="0">
-                <a:latin typeface="Segoe UI Semilight" panose="020B0402040204020203" pitchFamily="34" charset="0"/>
-                <a:cs typeface="Segoe UI Semilight" panose="020B0402040204020203" pitchFamily="34" charset="0"/>
-              </a:rPr>
-              <a:t>Analyze your customer needs.</a:t>
-            </a:r>
-          </a:p>
-          <a:p>
-            <a:pPr>
-              <a:lnSpc>
-                <a:spcPct val="90000"/>
-              </a:lnSpc>
-              <a:spcAft>
-                <a:spcPts val="600"/>
-              </a:spcAft>
-            </a:pPr>
-            <a:endParaRPr lang="en-US" sz="2400" dirty="0"/>
-          </a:p>
-          <a:p>
-            <a:pPr>
-              <a:lnSpc>
-                <a:spcPct val="90000"/>
-              </a:lnSpc>
-              <a:spcAft>
-                <a:spcPts val="600"/>
-              </a:spcAft>
-            </a:pPr>
-            <a:r>
-              <a:rPr lang="en-US" sz="3600" dirty="0">
-                <a:latin typeface="+mj-lt"/>
-              </a:rPr>
-              <a:t>Timeframe</a:t>
-            </a:r>
-          </a:p>
-          <a:p>
-            <a:pPr>
-              <a:lnSpc>
-                <a:spcPct val="90000"/>
-              </a:lnSpc>
-              <a:spcAft>
-                <a:spcPts val="600"/>
-              </a:spcAft>
-            </a:pPr>
-            <a:r>
-              <a:rPr lang="en-US" sz="2400" dirty="0">
-                <a:latin typeface="Segoe UI Semilight" panose="020B0402040204020203" pitchFamily="34" charset="0"/>
-                <a:cs typeface="Segoe UI Semilight" panose="020B0402040204020203" pitchFamily="34" charset="0"/>
-              </a:rPr>
-              <a:t>15 minutes</a:t>
-            </a:r>
-          </a:p>
-        </p:txBody>
-      </p:sp>
-    </p:spTree>
-    <p:extLst>
-      <p:ext uri="{BB962C8B-B14F-4D97-AF65-F5344CB8AC3E}">
-        <p14:creationId xmlns:p14="http://schemas.microsoft.com/office/powerpoint/2010/main" val="2071289292"/>
-      </p:ext>
-    </p:extLst>
-  </p:cSld>
-  <p:clrMapOvr>
-    <a:masterClrMapping/>
-  </p:clrMapOvr>
-  <mc:AlternateContent xmlns:mc="http://schemas.openxmlformats.org/markup-compatibility/2006" xmlns:p14="http://schemas.microsoft.com/office/powerpoint/2010/main">
-    <mc:Choice Requires="p14">
-      <p:transition p14:dur="0"/>
-    </mc:Choice>
-    <mc:Fallback xmlns="">
-      <p:transition/>
-    </mc:Fallback>
-  </mc:AlternateContent>
-</p:sld>
-</file>
-
-<file path=ppt/slides/slide30.xml><?xml version="1.0" encoding="utf-8"?>
+<file path=ppt/slides/slide31.xml><?xml version="1.0" encoding="utf-8"?>
 <p:sld xmlns:a="http://schemas.openxmlformats.org/drawingml/2006/main" xmlns:r="http://schemas.openxmlformats.org/officeDocument/2006/relationships" xmlns:p="http://schemas.openxmlformats.org/presentationml/2006/main">
   <p:cSld>
     <p:spTree>
@@ -20099,184 +20366,6 @@
 </p:sld>
 </file>
 
-<file path=ppt/slides/slide31.xml><?xml version="1.0" encoding="utf-8"?>
-<p:sld xmlns:a="http://schemas.openxmlformats.org/drawingml/2006/main" xmlns:r="http://schemas.openxmlformats.org/officeDocument/2006/relationships" xmlns:p="http://schemas.openxmlformats.org/presentationml/2006/main">
-  <p:cSld>
-    <p:spTree>
-      <p:nvGrpSpPr>
-        <p:cNvPr id="1" name=""/>
-        <p:cNvGrpSpPr/>
-        <p:nvPr/>
-      </p:nvGrpSpPr>
-      <p:grpSpPr>
-        <a:xfrm>
-          <a:off x="0" y="0"/>
-          <a:ext cx="0" cy="0"/>
-          <a:chOff x="0" y="0"/>
-          <a:chExt cx="0" cy="0"/>
-        </a:xfrm>
-      </p:grpSpPr>
-      <p:sp>
-        <p:nvSpPr>
-          <p:cNvPr id="3" name="Title 2">
-            <a:extLst>
-              <a:ext uri="{FF2B5EF4-FFF2-40B4-BE49-F238E27FC236}">
-                <a16:creationId xmlns:a16="http://schemas.microsoft.com/office/drawing/2014/main" id="{66A68177-90F0-4F53-B613-75902B630F9E}"/>
-              </a:ext>
-            </a:extLst>
-          </p:cNvPr>
-          <p:cNvSpPr>
-            <a:spLocks noGrp="1"/>
-          </p:cNvSpPr>
-          <p:nvPr>
-            <p:ph type="title"/>
-          </p:nvPr>
-        </p:nvSpPr>
-        <p:spPr/>
-        <p:txBody>
-          <a:bodyPr/>
-          <a:lstStyle/>
-          <a:p>
-            <a:r>
-              <a:rPr lang="en-US" sz="4400" dirty="0">
-                <a:solidFill>
-                  <a:schemeClr val="tx1"/>
-                </a:solidFill>
-              </a:rPr>
-              <a:t>HR App – database tier migration steps</a:t>
-            </a:r>
-            <a:endParaRPr lang="en-US" sz="4400" dirty="0"/>
-          </a:p>
-        </p:txBody>
-      </p:sp>
-      <p:sp>
-        <p:nvSpPr>
-          <p:cNvPr id="2" name="Text Placeholder 1">
-            <a:extLst>
-              <a:ext uri="{FF2B5EF4-FFF2-40B4-BE49-F238E27FC236}">
-                <a16:creationId xmlns:a16="http://schemas.microsoft.com/office/drawing/2014/main" id="{A0080AB5-C747-4D3D-AAAB-313926CDAC4D}"/>
-              </a:ext>
-            </a:extLst>
-          </p:cNvPr>
-          <p:cNvSpPr>
-            <a:spLocks noGrp="1"/>
-          </p:cNvSpPr>
-          <p:nvPr>
-            <p:ph type="body" sz="quarter" idx="10"/>
-          </p:nvPr>
-        </p:nvSpPr>
-        <p:spPr>
-          <a:xfrm>
-            <a:off x="269239" y="1235352"/>
-            <a:ext cx="11243491" cy="4776692"/>
-          </a:xfrm>
-        </p:spPr>
-        <p:txBody>
-          <a:bodyPr/>
-          <a:lstStyle/>
-          <a:p>
-            <a:pPr marL="0" indent="0">
-              <a:buNone/>
-            </a:pPr>
-            <a:r>
-              <a:rPr lang="en-US" sz="3600" dirty="0"/>
-              <a:t>Migrate using Azure Database Migration Service</a:t>
-            </a:r>
-          </a:p>
-          <a:p>
-            <a:pPr marL="514350" indent="-514350">
-              <a:buFont typeface="+mj-lt"/>
-              <a:buAutoNum type="arabicPeriod"/>
-            </a:pPr>
-            <a:r>
-              <a:rPr lang="en-US" sz="2800" dirty="0"/>
-              <a:t>Complete pre-requisites, e.g. setting up the Virtual Network, accounts, etc.</a:t>
-            </a:r>
-          </a:p>
-          <a:p>
-            <a:pPr marL="514350" indent="-514350">
-              <a:buFont typeface="+mj-lt"/>
-              <a:buAutoNum type="arabicPeriod"/>
-            </a:pPr>
-            <a:r>
-              <a:rPr lang="en-US" sz="2800" dirty="0"/>
-              <a:t>Create an Azure Database Migration Service resource and migration project.</a:t>
-            </a:r>
-          </a:p>
-          <a:p>
-            <a:pPr marL="514350" indent="-514350">
-              <a:buFont typeface="+mj-lt"/>
-              <a:buAutoNum type="arabicPeriod"/>
-            </a:pPr>
-            <a:r>
-              <a:rPr lang="en-US" sz="2800" dirty="0"/>
-              <a:t>Specify the settings for the Azure SQL Database Managed Instance.</a:t>
-            </a:r>
-          </a:p>
-          <a:p>
-            <a:pPr marL="514350" indent="-514350">
-              <a:buFont typeface="+mj-lt"/>
-              <a:buAutoNum type="arabicPeriod"/>
-            </a:pPr>
-            <a:r>
-              <a:rPr lang="en-US" sz="2800" dirty="0"/>
-              <a:t>Run the migration, specifying the storage location for backup files.</a:t>
-            </a:r>
-          </a:p>
-          <a:p>
-            <a:pPr marL="514350" indent="-514350">
-              <a:buFont typeface="+mj-lt"/>
-              <a:buAutoNum type="arabicPeriod"/>
-            </a:pPr>
-            <a:r>
-              <a:rPr lang="en-US" sz="2800" dirty="0"/>
-              <a:t>View the migration report.</a:t>
-            </a:r>
-          </a:p>
-          <a:p>
-            <a:pPr marL="514350" indent="-514350">
-              <a:buFont typeface="+mj-lt"/>
-              <a:buAutoNum type="arabicPeriod"/>
-            </a:pPr>
-            <a:r>
-              <a:rPr lang="en-US" sz="2800" dirty="0"/>
-              <a:t>Validate the migrated database.</a:t>
-            </a:r>
-          </a:p>
-          <a:p>
-            <a:pPr marL="514350" indent="-514350">
-              <a:buFont typeface="+mj-lt"/>
-              <a:buAutoNum type="arabicPeriod"/>
-            </a:pPr>
-            <a:r>
-              <a:rPr lang="en-US" sz="2800" dirty="0"/>
-              <a:t>Update the web tier to use the new database.</a:t>
-            </a:r>
-            <a:endParaRPr lang="en-US" sz="3600" dirty="0"/>
-          </a:p>
-        </p:txBody>
-      </p:sp>
-    </p:spTree>
-    <p:extLst>
-      <p:ext uri="{BB962C8B-B14F-4D97-AF65-F5344CB8AC3E}">
-        <p14:creationId xmlns:p14="http://schemas.microsoft.com/office/powerpoint/2010/main" val="3995859295"/>
-      </p:ext>
-    </p:extLst>
-  </p:cSld>
-  <p:clrMapOvr>
-    <a:masterClrMapping/>
-  </p:clrMapOvr>
-  <mc:AlternateContent xmlns:mc="http://schemas.openxmlformats.org/markup-compatibility/2006" xmlns:p14="http://schemas.microsoft.com/office/powerpoint/2010/main">
-    <mc:Choice Requires="p14">
-      <p:transition p14:dur="0"/>
-    </mc:Choice>
-    <mc:Fallback xmlns="">
-      <p:transition/>
-    </mc:Fallback>
-  </mc:AlternateContent>
-</p:sld>
-</file>
-
 <file path=ppt/slides/slide32.xml><?xml version="1.0" encoding="utf-8"?>
 <p:sld xmlns:a="http://schemas.openxmlformats.org/drawingml/2006/main" xmlns:r="http://schemas.openxmlformats.org/officeDocument/2006/relationships" xmlns:p="http://schemas.openxmlformats.org/presentationml/2006/main">
   <p:cSld>
@@ -20321,7 +20410,7 @@
                   <a:schemeClr val="tx1"/>
                 </a:solidFill>
               </a:rPr>
-              <a:t>Additional benefits</a:t>
+              <a:t>HR App – database tier migration steps</a:t>
             </a:r>
             <a:endParaRPr lang="en-US" sz="4400" dirty="0"/>
           </a:p>
@@ -20346,7 +20435,7 @@
         <p:spPr>
           <a:xfrm>
             <a:off x="269239" y="1235352"/>
-            <a:ext cx="11243491" cy="5115246"/>
+            <a:ext cx="11243491" cy="4776692"/>
           </a:xfrm>
         </p:spPr>
         <p:txBody>
@@ -20357,51 +20446,79 @@
               <a:buNone/>
             </a:pPr>
             <a:r>
-              <a:rPr lang="en-US" sz="3600" dirty="0">
-                <a:solidFill>
-                  <a:schemeClr val="tx1"/>
-                </a:solidFill>
-              </a:rPr>
-              <a:t>Azure SQL Database Managed Instances include built-in high availability—an improvement over the existing database failover solution.</a:t>
-            </a:r>
-          </a:p>
-          <a:p>
-            <a:pPr marL="0" indent="0">
-              <a:buNone/>
+              <a:rPr lang="en-US" sz="3600" dirty="0"/>
+              <a:t>Migrate using Azure Database Migration Service</a:t>
+            </a:r>
+          </a:p>
+          <a:p>
+            <a:pPr marL="514350" indent="-514350">
+              <a:buFont typeface="+mj-lt"/>
+              <a:buAutoNum type="arabicPeriod"/>
             </a:pPr>
-            <a:endParaRPr lang="en-US" sz="3600" dirty="0">
-              <a:solidFill>
-                <a:schemeClr val="tx1"/>
-              </a:solidFill>
-            </a:endParaRPr>
-          </a:p>
-          <a:p>
-            <a:pPr marL="0" indent="0">
-              <a:buNone/>
+            <a:r>
+              <a:rPr lang="en-US" sz="2800" dirty="0"/>
+              <a:t>Complete pre-requisites, e.g. setting up the Virtual Network, accounts, etc.</a:t>
+            </a:r>
+          </a:p>
+          <a:p>
+            <a:pPr marL="514350" indent="-514350">
+              <a:buFont typeface="+mj-lt"/>
+              <a:buAutoNum type="arabicPeriod"/>
             </a:pPr>
             <a:r>
-              <a:rPr lang="en-US" sz="3600" dirty="0">
-                <a:solidFill>
-                  <a:schemeClr val="tx1"/>
-                </a:solidFill>
-              </a:rPr>
-              <a:t>Optionally, Lucerne could deploy Azure AD Application Proxy to enable remote access to the HR application without exposing Internet-facing port.</a:t>
-            </a:r>
-          </a:p>
-          <a:p>
-            <a:pPr marL="0" indent="0">
-              <a:buNone/>
+              <a:rPr lang="en-US" sz="2800" dirty="0"/>
+              <a:t>Create an Azure Database Migration Service resource and migration project.</a:t>
+            </a:r>
+          </a:p>
+          <a:p>
+            <a:pPr marL="514350" indent="-514350">
+              <a:buFont typeface="+mj-lt"/>
+              <a:buAutoNum type="arabicPeriod"/>
             </a:pPr>
-            <a:endParaRPr lang="en-US" sz="3600" dirty="0">
-              <a:solidFill>
-                <a:schemeClr val="tx1"/>
-              </a:solidFill>
-            </a:endParaRPr>
-          </a:p>
-          <a:p>
-            <a:pPr marL="0" indent="0">
-              <a:buNone/>
+            <a:r>
+              <a:rPr lang="en-US" sz="2800" dirty="0"/>
+              <a:t>Specify the settings for the Azure SQL Database Managed Instance.</a:t>
+            </a:r>
+          </a:p>
+          <a:p>
+            <a:pPr marL="514350" indent="-514350">
+              <a:buFont typeface="+mj-lt"/>
+              <a:buAutoNum type="arabicPeriod"/>
             </a:pPr>
+            <a:r>
+              <a:rPr lang="en-US" sz="2800" dirty="0"/>
+              <a:t>Run the migration, specifying the storage location for backup files.</a:t>
+            </a:r>
+          </a:p>
+          <a:p>
+            <a:pPr marL="514350" indent="-514350">
+              <a:buFont typeface="+mj-lt"/>
+              <a:buAutoNum type="arabicPeriod"/>
+            </a:pPr>
+            <a:r>
+              <a:rPr lang="en-US" sz="2800" dirty="0"/>
+              <a:t>View the migration report.</a:t>
+            </a:r>
+          </a:p>
+          <a:p>
+            <a:pPr marL="514350" indent="-514350">
+              <a:buFont typeface="+mj-lt"/>
+              <a:buAutoNum type="arabicPeriod"/>
+            </a:pPr>
+            <a:r>
+              <a:rPr lang="en-US" sz="2800" dirty="0"/>
+              <a:t>Validate the migrated database.</a:t>
+            </a:r>
+          </a:p>
+          <a:p>
+            <a:pPr marL="514350" indent="-514350">
+              <a:buFont typeface="+mj-lt"/>
+              <a:buAutoNum type="arabicPeriod"/>
+            </a:pPr>
+            <a:r>
+              <a:rPr lang="en-US" sz="2800" dirty="0"/>
+              <a:t>Update the web tier to use the new database.</a:t>
+            </a:r>
             <a:endParaRPr lang="en-US" sz="3600" dirty="0"/>
           </a:p>
         </p:txBody>
@@ -20409,7 +20526,7 @@
     </p:spTree>
     <p:extLst>
       <p:ext uri="{BB962C8B-B14F-4D97-AF65-F5344CB8AC3E}">
-        <p14:creationId xmlns:p14="http://schemas.microsoft.com/office/powerpoint/2010/main" val="1690771314"/>
+        <p14:creationId xmlns:p14="http://schemas.microsoft.com/office/powerpoint/2010/main" val="3995859295"/>
       </p:ext>
     </p:extLst>
   </p:cSld>
@@ -20446,7 +20563,13 @@
       </p:grpSpPr>
       <p:sp>
         <p:nvSpPr>
-          <p:cNvPr id="2" name="Title 1"/>
+          <p:cNvPr id="3" name="Title 2">
+            <a:extLst>
+              <a:ext uri="{FF2B5EF4-FFF2-40B4-BE49-F238E27FC236}">
+                <a16:creationId xmlns:a16="http://schemas.microsoft.com/office/drawing/2014/main" id="{66A68177-90F0-4F53-B613-75902B630F9E}"/>
+              </a:ext>
+            </a:extLst>
+          </p:cNvPr>
           <p:cNvSpPr>
             <a:spLocks noGrp="1"/>
           </p:cNvSpPr>
@@ -20460,144 +20583,100 @@
           <a:lstStyle/>
           <a:p>
             <a:r>
-              <a:rPr lang="en-US" dirty="0"/>
-              <a:t>Availability and Backup</a:t>
-            </a:r>
+              <a:rPr lang="en-US" sz="4400" dirty="0">
+                <a:solidFill>
+                  <a:schemeClr val="tx1"/>
+                </a:solidFill>
+              </a:rPr>
+              <a:t>Additional benefits</a:t>
+            </a:r>
+            <a:endParaRPr lang="en-US" sz="4400" dirty="0"/>
           </a:p>
         </p:txBody>
       </p:sp>
       <p:sp>
         <p:nvSpPr>
-          <p:cNvPr id="4" name="TextBox 3"/>
-          <p:cNvSpPr txBox="1"/>
-          <p:nvPr/>
+          <p:cNvPr id="2" name="Text Placeholder 1">
+            <a:extLst>
+              <a:ext uri="{FF2B5EF4-FFF2-40B4-BE49-F238E27FC236}">
+                <a16:creationId xmlns:a16="http://schemas.microsoft.com/office/drawing/2014/main" id="{A0080AB5-C747-4D3D-AAAB-313926CDAC4D}"/>
+              </a:ext>
+            </a:extLst>
+          </p:cNvPr>
+          <p:cNvSpPr>
+            <a:spLocks noGrp="1"/>
+          </p:cNvSpPr>
+          <p:nvPr>
+            <p:ph type="body" sz="quarter" idx="10"/>
+          </p:nvPr>
         </p:nvSpPr>
         <p:spPr>
           <a:xfrm>
-            <a:off x="266920" y="1159152"/>
-            <a:ext cx="12805610" cy="5399107"/>
+            <a:off x="269239" y="1235352"/>
+            <a:ext cx="11243491" cy="5115246"/>
           </a:xfrm>
-          <a:prstGeom prst="rect">
-            <a:avLst/>
-          </a:prstGeom>
-          <a:noFill/>
         </p:spPr>
         <p:txBody>
-          <a:bodyPr wrap="square" lIns="182880" tIns="146304" rIns="182880" bIns="146304" rtlCol="0">
-            <a:spAutoFit/>
-          </a:bodyPr>
+          <a:bodyPr/>
           <a:lstStyle/>
           <a:p>
-            <a:r>
-              <a:rPr lang="en-US" sz="2800" dirty="0"/>
-              <a:t>Availability</a:t>
-            </a:r>
-          </a:p>
-          <a:p>
-            <a:pPr marL="457200" indent="-457200">
-              <a:buFont typeface="Arial" panose="020B0604020202020204" pitchFamily="34" charset="0"/>
-              <a:buChar char="•"/>
+            <a:pPr marL="0" indent="0">
+              <a:buNone/>
             </a:pPr>
             <a:r>
-              <a:rPr lang="en-US" sz="2800" dirty="0"/>
-              <a:t>Web and Database tiers are deployed to availability sets.</a:t>
-            </a:r>
-          </a:p>
-          <a:p>
-            <a:pPr marL="457200" indent="-457200">
-              <a:buFont typeface="Arial" panose="020B0604020202020204" pitchFamily="34" charset="0"/>
-              <a:buChar char="•"/>
+              <a:rPr lang="en-US" sz="3600" dirty="0">
+                <a:solidFill>
+                  <a:schemeClr val="tx1"/>
+                </a:solidFill>
+              </a:rPr>
+              <a:t>Azure SQL Database Managed Instances include built-in high availability—an improvement over the existing database failover solution.</a:t>
+            </a:r>
+          </a:p>
+          <a:p>
+            <a:pPr marL="0" indent="0">
+              <a:buNone/>
             </a:pPr>
-            <a:r>
-              <a:rPr lang="en-US" sz="2800" dirty="0"/>
-              <a:t>Web tiers use load balancers (App Gw or Azure LB) with health probes.</a:t>
-            </a:r>
-          </a:p>
-          <a:p>
-            <a:pPr marL="457200" indent="-457200">
-              <a:buFont typeface="Arial" panose="020B0604020202020204" pitchFamily="34" charset="0"/>
-              <a:buChar char="•"/>
+            <a:endParaRPr lang="en-US" sz="3600" dirty="0">
+              <a:solidFill>
+                <a:schemeClr val="tx1"/>
+              </a:solidFill>
+            </a:endParaRPr>
+          </a:p>
+          <a:p>
+            <a:pPr marL="0" indent="0">
+              <a:buNone/>
             </a:pPr>
             <a:r>
-              <a:rPr lang="en-US" sz="2800" dirty="0"/>
-              <a:t>Databases use SQL Always On Availability Groups.</a:t>
-            </a:r>
-          </a:p>
-          <a:p>
-            <a:endParaRPr lang="en-US" sz="2800" dirty="0"/>
-          </a:p>
-          <a:p>
-            <a:r>
-              <a:rPr lang="en-US" sz="2800" dirty="0"/>
-              <a:t>Backup: 3 options</a:t>
-            </a:r>
-          </a:p>
-          <a:p>
-            <a:pPr marL="457200" indent="-457200">
-              <a:buFont typeface="Arial" panose="020B0604020202020204" pitchFamily="34" charset="0"/>
-              <a:buChar char="•"/>
+              <a:rPr lang="en-US" sz="3600" dirty="0">
+                <a:solidFill>
+                  <a:schemeClr val="tx1"/>
+                </a:solidFill>
+              </a:rPr>
+              <a:t>Optionally, Lucerne could deploy Azure AD Application Proxy to enable remote access to the HR application without exposing Internet-facing port.</a:t>
+            </a:r>
+          </a:p>
+          <a:p>
+            <a:pPr marL="0" indent="0">
+              <a:buNone/>
             </a:pPr>
-            <a:r>
-              <a:rPr lang="en-US" sz="2800" dirty="0"/>
-              <a:t>Microsoft Azure Backup Server</a:t>
-            </a:r>
-          </a:p>
-          <a:p>
-            <a:pPr marL="457200" indent="-457200">
-              <a:buFont typeface="Arial" panose="020B0604020202020204" pitchFamily="34" charset="0"/>
-              <a:buChar char="•"/>
+            <a:endParaRPr lang="en-US" sz="3600" dirty="0">
+              <a:solidFill>
+                <a:schemeClr val="tx1"/>
+              </a:solidFill>
+            </a:endParaRPr>
+          </a:p>
+          <a:p>
+            <a:pPr marL="0" indent="0">
+              <a:buNone/>
             </a:pPr>
-            <a:r>
-              <a:rPr lang="en-US" sz="2800" dirty="0"/>
-              <a:t>SQL Server Managed Backup to Microsoft Azure</a:t>
-            </a:r>
-          </a:p>
-          <a:p>
-            <a:pPr marL="457200" indent="-457200">
-              <a:buFont typeface="Arial" panose="020B0604020202020204" pitchFamily="34" charset="0"/>
-              <a:buChar char="•"/>
-            </a:pPr>
-            <a:r>
-              <a:rPr lang="en-US" sz="2800" dirty="0"/>
-              <a:t>Native support for SQL Server on VMs in Azure Backup</a:t>
-            </a:r>
-          </a:p>
-          <a:p>
-            <a:pPr marL="914400" lvl="1" indent="-457200">
-              <a:buFont typeface="Arial" panose="020B0604020202020204" pitchFamily="34" charset="0"/>
-              <a:buChar char="•"/>
-            </a:pPr>
-            <a:r>
-              <a:rPr lang="en-US" sz="2800" dirty="0"/>
-              <a:t>Low cost, zero infrastructure, fully-managed service</a:t>
-            </a:r>
-          </a:p>
-          <a:p>
-            <a:pPr marL="914400" lvl="1" indent="-457200">
-              <a:buFont typeface="Arial" panose="020B0604020202020204" pitchFamily="34" charset="0"/>
-              <a:buChar char="•"/>
-            </a:pPr>
-            <a:r>
-              <a:rPr lang="en-US" sz="2800" dirty="0"/>
-              <a:t>Currently in Preview</a:t>
-            </a:r>
-          </a:p>
-          <a:p>
-            <a:pPr lvl="2">
-              <a:lnSpc>
-                <a:spcPct val="150000"/>
-              </a:lnSpc>
-            </a:pPr>
-            <a:endParaRPr lang="en-US" dirty="0">
-              <a:latin typeface="+mj-lt"/>
-            </a:endParaRPr>
+            <a:endParaRPr lang="en-US" sz="3600" dirty="0"/>
           </a:p>
         </p:txBody>
       </p:sp>
     </p:spTree>
     <p:extLst>
       <p:ext uri="{BB962C8B-B14F-4D97-AF65-F5344CB8AC3E}">
-        <p14:creationId xmlns:p14="http://schemas.microsoft.com/office/powerpoint/2010/main" val="2091169265"/>
+        <p14:creationId xmlns:p14="http://schemas.microsoft.com/office/powerpoint/2010/main" val="1690771314"/>
       </p:ext>
     </p:extLst>
   </p:cSld>
@@ -20648,111 +20727,148 @@
           <a:lstStyle/>
           <a:p>
             <a:r>
-              <a:rPr lang="en-US" sz="4400" dirty="0">
-                <a:solidFill>
-                  <a:schemeClr val="tx1"/>
-                </a:solidFill>
-              </a:rPr>
-              <a:t>Preferred objection handling</a:t>
+              <a:rPr lang="en-US" dirty="0"/>
+              <a:t>Availability and Backup</a:t>
             </a:r>
           </a:p>
         </p:txBody>
       </p:sp>
       <p:sp>
         <p:nvSpPr>
-          <p:cNvPr id="3" name="Content Placeholder 2"/>
-          <p:cNvSpPr>
-            <a:spLocks noGrp="1"/>
-          </p:cNvSpPr>
-          <p:nvPr>
-            <p:ph type="body" sz="quarter" idx="10"/>
-          </p:nvPr>
+          <p:cNvPr id="4" name="TextBox 3"/>
+          <p:cNvSpPr txBox="1"/>
+          <p:nvPr/>
         </p:nvSpPr>
         <p:spPr>
           <a:xfrm>
-            <a:off x="269239" y="1189177"/>
-            <a:ext cx="11653523" cy="4604337"/>
+            <a:off x="266920" y="1159152"/>
+            <a:ext cx="11846422" cy="5983882"/>
           </a:xfrm>
+          <a:prstGeom prst="rect">
+            <a:avLst/>
+          </a:prstGeom>
+          <a:noFill/>
         </p:spPr>
         <p:txBody>
-          <a:bodyPr/>
+          <a:bodyPr wrap="square" lIns="182880" tIns="146304" rIns="182880" bIns="146304" rtlCol="0">
+            <a:spAutoFit/>
+          </a:bodyPr>
           <a:lstStyle/>
           <a:p>
-            <a:pPr marL="0" lvl="0" indent="0">
-              <a:buNone/>
+            <a:r>
+              <a:rPr lang="en-US" sz="2800" dirty="0"/>
+              <a:t>Availability</a:t>
+            </a:r>
+          </a:p>
+          <a:p>
+            <a:pPr marL="457200" indent="-457200">
+              <a:buFont typeface="Arial" panose="020B0604020202020204" pitchFamily="34" charset="0"/>
+              <a:buChar char="•"/>
             </a:pPr>
             <a:r>
-              <a:rPr lang="en-US" sz="3600" dirty="0">
-                <a:solidFill>
-                  <a:schemeClr val="tx1"/>
-                </a:solidFill>
-              </a:rPr>
-              <a:t>Objection </a:t>
-            </a:r>
-          </a:p>
-          <a:p>
-            <a:pPr marL="0" lvl="0" indent="0">
-              <a:buNone/>
+              <a:rPr lang="en-US" sz="2800" dirty="0"/>
+              <a:t>Web and Database tiers are deployed to availability sets or availability zones as appropriate.</a:t>
+            </a:r>
+          </a:p>
+          <a:p>
+            <a:pPr marL="457200" indent="-457200">
+              <a:buFont typeface="Arial" panose="020B0604020202020204" pitchFamily="34" charset="0"/>
+              <a:buChar char="•"/>
             </a:pPr>
             <a:r>
-              <a:rPr lang="en-US" sz="2800" dirty="0">
-                <a:solidFill>
-                  <a:schemeClr val="tx1"/>
-                </a:solidFill>
-                <a:latin typeface="+mn-lt"/>
-              </a:rPr>
-              <a:t>How can we tell how much we will really be spending once we have migrated to Azure?</a:t>
-            </a:r>
-          </a:p>
-          <a:p>
-            <a:pPr marL="0" lvl="0" indent="0">
-              <a:buNone/>
+              <a:rPr lang="en-US" sz="2800" dirty="0"/>
+              <a:t>Web tiers use load balancers (App Gw or Azure LB) with health probes.</a:t>
+            </a:r>
+          </a:p>
+          <a:p>
+            <a:pPr marL="457200" indent="-457200">
+              <a:buFont typeface="Arial" panose="020B0604020202020204" pitchFamily="34" charset="0"/>
+              <a:buChar char="•"/>
             </a:pPr>
             <a:r>
-              <a:rPr lang="en-US" sz="2400" dirty="0">
-                <a:solidFill>
-                  <a:schemeClr val="tx1"/>
-                </a:solidFill>
-                <a:latin typeface="+mn-lt"/>
-              </a:rPr>
-              <a:t> </a:t>
-            </a:r>
-          </a:p>
-          <a:p>
-            <a:pPr marL="0" indent="0">
-              <a:buNone/>
+              <a:rPr lang="en-US" sz="2800" dirty="0"/>
+              <a:t>Databases use SQL Always On Availability Groups.</a:t>
+            </a:r>
+          </a:p>
+          <a:p>
+            <a:pPr marL="457200" indent="-457200">
+              <a:buFont typeface="Arial" panose="020B0604020202020204" pitchFamily="34" charset="0"/>
+              <a:buChar char="•"/>
             </a:pPr>
             <a:r>
-              <a:rPr lang="en-US" sz="3600" dirty="0">
-                <a:solidFill>
-                  <a:schemeClr val="tx1"/>
-                </a:solidFill>
-              </a:rPr>
-              <a:t>Potential answer</a:t>
-            </a:r>
-          </a:p>
-          <a:p>
-            <a:pPr marL="0" indent="0">
-              <a:buNone/>
+              <a:rPr lang="en-US" sz="2800" dirty="0"/>
+              <a:t>Availability monitoring and alerting through Azure Monitor.</a:t>
+            </a:r>
+          </a:p>
+          <a:p>
+            <a:pPr>
+              <a:spcBef>
+                <a:spcPts val="1200"/>
+              </a:spcBef>
             </a:pPr>
             <a:r>
-              <a:rPr lang="en-US" sz="2800" dirty="0">
-                <a:solidFill>
-                  <a:schemeClr val="tx1"/>
-                </a:solidFill>
-                <a:latin typeface="+mn-lt"/>
-              </a:rPr>
-              <a:t>Using the Azure Migrate service, Lucerne Publishing could monitor their existing on-premises solutions prior to migration and review the suggested virtual machine sizes and estimated cost for running the solution in Azure.</a:t>
-            </a:r>
-          </a:p>
-          <a:p>
-            <a:pPr marL="0" indent="0">
-              <a:buNone/>
+              <a:rPr lang="en-US" sz="2800" dirty="0"/>
+              <a:t>Backup: 3 options</a:t>
+            </a:r>
+          </a:p>
+          <a:p>
+            <a:pPr marL="457200" indent="-457200">
+              <a:buFont typeface="Arial" panose="020B0604020202020204" pitchFamily="34" charset="0"/>
+              <a:buChar char="•"/>
             </a:pPr>
-            <a:endParaRPr lang="en-US" sz="2400" dirty="0">
-              <a:solidFill>
-                <a:schemeClr val="tx1"/>
-              </a:solidFill>
+            <a:r>
+              <a:rPr lang="en-US" sz="2800" dirty="0"/>
+              <a:t>Microsoft Azure Backup Server</a:t>
+            </a:r>
+          </a:p>
+          <a:p>
+            <a:pPr marL="457200" indent="-457200">
+              <a:buFont typeface="Arial" panose="020B0604020202020204" pitchFamily="34" charset="0"/>
+              <a:buChar char="•"/>
+            </a:pPr>
+            <a:r>
+              <a:rPr lang="en-US" sz="2800" dirty="0"/>
+              <a:t>SQL Server Managed Backup to Microsoft Azure</a:t>
+            </a:r>
+          </a:p>
+          <a:p>
+            <a:pPr marL="457200" indent="-457200">
+              <a:buFont typeface="Arial" panose="020B0604020202020204" pitchFamily="34" charset="0"/>
+              <a:buChar char="•"/>
+            </a:pPr>
+            <a:r>
+              <a:rPr lang="en-US" sz="2800" dirty="0"/>
+              <a:t>Native support for SQL Server on VMs in Azure Backup</a:t>
+            </a:r>
+          </a:p>
+          <a:p>
+            <a:pPr marL="914400" lvl="1" indent="-457200">
+              <a:buFont typeface="Arial" panose="020B0604020202020204" pitchFamily="34" charset="0"/>
+              <a:buChar char="•"/>
+            </a:pPr>
+            <a:r>
+              <a:rPr lang="en-US" sz="2800" dirty="0"/>
+              <a:t>Low cost, zero infrastructure, fully-managed service</a:t>
+            </a:r>
+          </a:p>
+          <a:p>
+            <a:pPr marL="914400" lvl="1" indent="-457200">
+              <a:buFont typeface="Arial" panose="020B0604020202020204" pitchFamily="34" charset="0"/>
+              <a:buChar char="•"/>
+            </a:pPr>
+            <a:r>
+              <a:rPr lang="en-US" sz="2800" dirty="0"/>
+              <a:t>Currently in Preview</a:t>
+            </a:r>
+          </a:p>
+          <a:p>
+            <a:pPr lvl="2">
+              <a:lnSpc>
+                <a:spcPct val="150000"/>
+              </a:lnSpc>
+            </a:pPr>
+            <a:endParaRPr lang="en-US" dirty="0">
+              <a:latin typeface="+mj-lt"/>
             </a:endParaRPr>
           </a:p>
         </p:txBody>
@@ -20760,7 +20876,7 @@
     </p:spTree>
     <p:extLst>
       <p:ext uri="{BB962C8B-B14F-4D97-AF65-F5344CB8AC3E}">
-        <p14:creationId xmlns:p14="http://schemas.microsoft.com/office/powerpoint/2010/main" val="2719393145"/>
+        <p14:creationId xmlns:p14="http://schemas.microsoft.com/office/powerpoint/2010/main" val="2091169265"/>
       </p:ext>
     </p:extLst>
   </p:cSld>
@@ -20831,7 +20947,12 @@
             <p:ph type="body" sz="quarter" idx="10"/>
           </p:nvPr>
         </p:nvSpPr>
-        <p:spPr/>
+        <p:spPr>
+          <a:xfrm>
+            <a:off x="269239" y="1189177"/>
+            <a:ext cx="11653523" cy="4604337"/>
+          </a:xfrm>
+        </p:spPr>
         <p:txBody>
           <a:bodyPr/>
           <a:lstStyle/>
@@ -20859,8 +20980,13 @@
                 </a:solidFill>
                 <a:latin typeface="+mn-lt"/>
               </a:rPr>
-              <a:t>The procurement application should only be accessible from people at Lucerne’s offices. Putting it in the cloud seems like a security problem</a:t>
-            </a:r>
+              <a:t>How can we tell how much we will really be spending once we have migrated to Azure?</a:t>
+            </a:r>
+          </a:p>
+          <a:p>
+            <a:pPr marL="0" lvl="0" indent="0">
+              <a:buNone/>
+            </a:pPr>
             <a:r>
               <a:rPr lang="en-US" sz="2400" dirty="0">
                 <a:solidFill>
@@ -20868,7 +20994,7 @@
                 </a:solidFill>
                 <a:latin typeface="+mn-lt"/>
               </a:rPr>
-              <a:t>.</a:t>
+              <a:t> </a:t>
             </a:r>
           </a:p>
           <a:p>
@@ -20876,13 +21002,12 @@
               <a:buNone/>
             </a:pPr>
             <a:r>
-              <a:rPr lang="en-US" sz="2400" dirty="0">
-                <a:solidFill>
-                  <a:schemeClr val="tx1"/>
-                </a:solidFill>
-                <a:latin typeface="+mn-lt"/>
-              </a:rPr>
-              <a:t> </a:t>
+              <a:rPr lang="en-US" sz="3600" dirty="0">
+                <a:solidFill>
+                  <a:schemeClr val="tx1"/>
+                </a:solidFill>
+              </a:rPr>
+              <a:t>Potential answer</a:t>
             </a:r>
           </a:p>
           <a:p>
@@ -20890,40 +21015,13 @@
               <a:buNone/>
             </a:pPr>
             <a:r>
-              <a:rPr lang="en-US" sz="3600" dirty="0">
-                <a:solidFill>
-                  <a:schemeClr val="tx1"/>
-                </a:solidFill>
-              </a:rPr>
-              <a:t>Potential answer</a:t>
-            </a:r>
-          </a:p>
-          <a:p>
-            <a:pPr marL="0" indent="0">
-              <a:buNone/>
-            </a:pPr>
-            <a:r>
               <a:rPr lang="en-US" sz="2800" dirty="0">
                 <a:solidFill>
                   <a:schemeClr val="tx1"/>
                 </a:solidFill>
                 <a:latin typeface="+mn-lt"/>
               </a:rPr>
-              <a:t>Lucerne deployed Azure ExpressRoute. With ExpressRoute the connection between the on-premises network and the Azure virtual network is dedicated and private and does not traverse the public Internet at all. </a:t>
-            </a:r>
-          </a:p>
-          <a:p>
-            <a:pPr marL="0" indent="0">
-              <a:buNone/>
-            </a:pPr>
-            <a:r>
-              <a:rPr lang="en-US" sz="2800" dirty="0">
-                <a:solidFill>
-                  <a:schemeClr val="tx1"/>
-                </a:solidFill>
-                <a:latin typeface="+mn-lt"/>
-              </a:rPr>
-              <a:t>Network security groups can also be used to further limit network communication. For instance, a network security group could be used to only allow the on-premises network and restrict other address spaces in the virtual network itself. </a:t>
+              <a:t>Using the Azure Migrate service, Lucerne Publishing could monitor their existing on-premises solutions prior to migration and review the suggested virtual machine sizes and estimated cost for running the solution in Azure.</a:t>
             </a:r>
           </a:p>
           <a:p>
@@ -20941,7 +21039,7 @@
     </p:spTree>
     <p:extLst>
       <p:ext uri="{BB962C8B-B14F-4D97-AF65-F5344CB8AC3E}">
-        <p14:creationId xmlns:p14="http://schemas.microsoft.com/office/powerpoint/2010/main" val="3265172269"/>
+        <p14:creationId xmlns:p14="http://schemas.microsoft.com/office/powerpoint/2010/main" val="2719393145"/>
       </p:ext>
     </p:extLst>
   </p:cSld>
@@ -21015,7 +21113,7 @@
         <p:spPr>
           <a:xfrm>
             <a:off x="269239" y="1189177"/>
-            <a:ext cx="11653523" cy="4739759"/>
+            <a:ext cx="11653523" cy="5853910"/>
           </a:xfrm>
         </p:spPr>
         <p:txBody>
@@ -21031,7 +21129,7 @@
                   <a:schemeClr val="tx1"/>
                 </a:solidFill>
               </a:rPr>
-              <a:t>Objection</a:t>
+              <a:t>Objection </a:t>
             </a:r>
           </a:p>
           <a:p>
@@ -21045,7 +21143,16 @@
                 </a:solidFill>
                 <a:latin typeface="+mn-lt"/>
               </a:rPr>
-              <a:t>We already have licenses for SQL Server. We do not want to pay for them again. </a:t>
+              <a:t>The procurement application should only be accessible for people at Lucerne’s offices. Putting it in the cloud seems like a security problem</a:t>
+            </a:r>
+            <a:r>
+              <a:rPr lang="en-US" sz="2400" dirty="0">
+                <a:solidFill>
+                  <a:schemeClr val="tx1"/>
+                </a:solidFill>
+                <a:latin typeface="+mn-lt"/>
+              </a:rPr>
+              <a:t>.</a:t>
             </a:r>
           </a:p>
           <a:p>
@@ -21053,7 +21160,7 @@
               <a:buNone/>
             </a:pPr>
             <a:r>
-              <a:rPr lang="en-US" sz="2800" dirty="0">
+              <a:rPr lang="en-US" sz="2400" dirty="0">
                 <a:solidFill>
                   <a:schemeClr val="tx1"/>
                 </a:solidFill>
@@ -21086,7 +21193,7 @@
                 </a:solidFill>
                 <a:latin typeface="+mn-lt"/>
               </a:rPr>
-              <a:t>For the procurement system, the existing SQL licenses can be re-used. Either deploy Windows Server VMs and install SQL Server, or use a 'BYOL' SQL Server VM from the Azure Marketplace.</a:t>
+              <a:t>Lucerne deployed Azure ExpressRoute. With ExpressRoute the connection between the on-premises network and the Azure virtual network is dedicated and private and does not traverse the public Internet at all. </a:t>
             </a:r>
           </a:p>
           <a:p>
@@ -21100,15 +21207,25 @@
                 </a:solidFill>
                 <a:latin typeface="+mn-lt"/>
               </a:rPr>
-              <a:t>For the HR system, the existing SQL Server 2017 licenses can be used for the Azure SQL Database Managed Instance deployment.</a:t>
-            </a:r>
+              <a:t>Network security groups can also be used to further limit network communication. For instance, a network security group could be used to only allow the on-premises network and restrict other address spaces in the virtual network itself. </a:t>
+            </a:r>
+          </a:p>
+          <a:p>
+            <a:pPr marL="0" indent="0">
+              <a:buNone/>
+            </a:pPr>
+            <a:endParaRPr lang="en-US" sz="2400" dirty="0">
+              <a:solidFill>
+                <a:schemeClr val="tx1"/>
+              </a:solidFill>
+            </a:endParaRPr>
           </a:p>
         </p:txBody>
       </p:sp>
     </p:spTree>
     <p:extLst>
       <p:ext uri="{BB962C8B-B14F-4D97-AF65-F5344CB8AC3E}">
-        <p14:creationId xmlns:p14="http://schemas.microsoft.com/office/powerpoint/2010/main" val="1657978046"/>
+        <p14:creationId xmlns:p14="http://schemas.microsoft.com/office/powerpoint/2010/main" val="3265172269"/>
       </p:ext>
     </p:extLst>
   </p:cSld>
@@ -21179,7 +21296,12 @@
             <p:ph type="body" sz="quarter" idx="10"/>
           </p:nvPr>
         </p:nvSpPr>
-        <p:spPr/>
+        <p:spPr>
+          <a:xfrm>
+            <a:off x="269239" y="1189177"/>
+            <a:ext cx="11653523" cy="4739759"/>
+          </a:xfrm>
+        </p:spPr>
         <p:txBody>
           <a:bodyPr/>
           <a:lstStyle/>
@@ -21207,7 +21329,7 @@
                 </a:solidFill>
                 <a:latin typeface="+mn-lt"/>
               </a:rPr>
-              <a:t>Our operations team is new to the cloud and currently uses existing technologies like SCOM. We are concerned about the time it takes to learn new technologies to monitor and maintain an existing workload. </a:t>
+              <a:t>We already have licenses for SQL Server. We do not want to pay for them again. </a:t>
             </a:r>
           </a:p>
           <a:p>
@@ -21248,25 +21370,29 @@
                 </a:solidFill>
                 <a:latin typeface="+mn-lt"/>
               </a:rPr>
-              <a:t>Virtual machines in Azure are not that different from virtual machines in Hyper-V. With hybrid connectivity, SCOM could be used to manage the cloud-based deployment in the same way as they are today. </a:t>
+              <a:t>For the procurement system, the existing SQL licenses can be re-used. Either deploy Windows Server VMs and install SQL Server, or use a 'BYOL' SQL Server VM from the Azure Marketplace.</a:t>
             </a:r>
           </a:p>
           <a:p>
             <a:pPr marL="0" indent="0">
               <a:buNone/>
             </a:pPr>
-            <a:endParaRPr lang="en-US" sz="2800" dirty="0">
-              <a:solidFill>
-                <a:schemeClr val="tx1"/>
-              </a:solidFill>
-            </a:endParaRPr>
+            <a:r>
+              <a:rPr lang="en-US" sz="2800" dirty="0">
+                <a:solidFill>
+                  <a:schemeClr val="tx1"/>
+                </a:solidFill>
+                <a:latin typeface="+mn-lt"/>
+              </a:rPr>
+              <a:t>For the HR system, the existing SQL Server 2017 licenses can be used for the Azure SQL Database Managed Instance deployment.</a:t>
+            </a:r>
           </a:p>
         </p:txBody>
       </p:sp>
     </p:spTree>
     <p:extLst>
       <p:ext uri="{BB962C8B-B14F-4D97-AF65-F5344CB8AC3E}">
-        <p14:creationId xmlns:p14="http://schemas.microsoft.com/office/powerpoint/2010/main" val="4265464502"/>
+        <p14:creationId xmlns:p14="http://schemas.microsoft.com/office/powerpoint/2010/main" val="1657978046"/>
       </p:ext>
     </p:extLst>
   </p:cSld>
@@ -21337,12 +21463,7 @@
             <p:ph type="body" sz="quarter" idx="10"/>
           </p:nvPr>
         </p:nvSpPr>
-        <p:spPr>
-          <a:xfrm>
-            <a:off x="269239" y="1189177"/>
-            <a:ext cx="11653523" cy="5429179"/>
-          </a:xfrm>
-        </p:spPr>
+        <p:spPr/>
         <p:txBody>
           <a:bodyPr/>
           <a:lstStyle/>
@@ -21370,16 +21491,7 @@
                 </a:solidFill>
                 <a:latin typeface="+mn-lt"/>
               </a:rPr>
-              <a:t>Procurement is one of our most critical applications. Any glitch will cause havoc in our ecosystem. The procurement system migration must be seamless, with no loss of data and no application downtime. </a:t>
-            </a:r>
-            <a:r>
-              <a:rPr lang="en-US" sz="2400" dirty="0">
-                <a:solidFill>
-                  <a:schemeClr val="tx1"/>
-                </a:solidFill>
-                <a:latin typeface="+mn-lt"/>
-              </a:rPr>
-              <a:t> </a:t>
+              <a:t>Our operations team is new to the cloud and currently uses existing technologies like SCOM. We are concerned about the time it takes to learn new technologies to monitor and maintain an existing workload. </a:t>
             </a:r>
           </a:p>
           <a:p>
@@ -21387,12 +21499,13 @@
               <a:buNone/>
             </a:pPr>
             <a:r>
-              <a:rPr lang="en-US" sz="3600" dirty="0">
-                <a:solidFill>
-                  <a:schemeClr val="tx1"/>
-                </a:solidFill>
-              </a:rPr>
-              <a:t>Potential answer</a:t>
+              <a:rPr lang="en-US" sz="2800" dirty="0">
+                <a:solidFill>
+                  <a:schemeClr val="tx1"/>
+                </a:solidFill>
+                <a:latin typeface="+mn-lt"/>
+              </a:rPr>
+              <a:t> </a:t>
             </a:r>
           </a:p>
           <a:p>
@@ -21400,13 +21513,12 @@
               <a:buNone/>
             </a:pPr>
             <a:r>
-              <a:rPr lang="en-US" sz="2800" dirty="0">
-                <a:solidFill>
-                  <a:schemeClr val="tx1"/>
-                </a:solidFill>
-                <a:latin typeface="+mn-lt"/>
-              </a:rPr>
-              <a:t>Both on-premises and Azure-based web servers are deployed in parallel, with the cut-over occurring at the DNS level. This is seamless for users.</a:t>
+              <a:rPr lang="en-US" sz="3600" dirty="0">
+                <a:solidFill>
+                  <a:schemeClr val="tx1"/>
+                </a:solidFill>
+              </a:rPr>
+              <a:t>Potential answer</a:t>
             </a:r>
           </a:p>
           <a:p>
@@ -21420,9 +21532,14 @@
                 </a:solidFill>
                 <a:latin typeface="+mn-lt"/>
               </a:rPr>
-              <a:t>For the database, a short migration window (in the order of minutes) is required when failing over the primary replica. Failing over the database without pausing or using a read-only mode on the web app is possible, if the transaction volume is low and a slight chance of losing a database transaction can be tolerated.</a:t>
-            </a:r>
-            <a:endParaRPr lang="en-US" sz="2400" dirty="0">
+              <a:t>Virtual machines in Azure are not that different from virtual machines in Hyper-V. With hybrid connectivity, SCOM could be used to manage the cloud-based deployment in the same way as they are today. </a:t>
+            </a:r>
+          </a:p>
+          <a:p>
+            <a:pPr marL="0" indent="0">
+              <a:buNone/>
+            </a:pPr>
+            <a:endParaRPr lang="en-US" sz="2800" dirty="0">
               <a:solidFill>
                 <a:schemeClr val="tx1"/>
               </a:solidFill>
@@ -21433,7 +21550,7 @@
     </p:spTree>
     <p:extLst>
       <p:ext uri="{BB962C8B-B14F-4D97-AF65-F5344CB8AC3E}">
-        <p14:creationId xmlns:p14="http://schemas.microsoft.com/office/powerpoint/2010/main" val="3349297089"/>
+        <p14:creationId xmlns:p14="http://schemas.microsoft.com/office/powerpoint/2010/main" val="4265464502"/>
       </p:ext>
     </p:extLst>
   </p:cSld>
@@ -21507,7 +21624,7 @@
         <p:spPr>
           <a:xfrm>
             <a:off x="269239" y="1189177"/>
-            <a:ext cx="11653523" cy="5361468"/>
+            <a:ext cx="11653523" cy="5041380"/>
           </a:xfrm>
         </p:spPr>
         <p:txBody>
@@ -21537,7 +21654,7 @@
                 </a:solidFill>
                 <a:latin typeface="+mn-lt"/>
               </a:rPr>
-              <a:t>The procurement application is a simple application with known dependencies and is perfect for a pilot. What about more complicated workloads or workloads where we do not exactly know where the dependencies are? </a:t>
+              <a:t>Procurement is one of our most critical applications. Any glitch will cause havoc in our ecosystem. The procurement system migration must be seamless, with no loss of data and no application downtime. </a:t>
             </a:r>
             <a:r>
               <a:rPr lang="en-US" sz="2400" dirty="0">
@@ -21550,49 +21667,57 @@
             </a:r>
           </a:p>
           <a:p>
-            <a:pPr marL="0" lvl="0" indent="0">
+            <a:pPr marL="0" indent="0">
               <a:buNone/>
             </a:pPr>
+            <a:r>
+              <a:rPr lang="en-US" sz="3600" dirty="0">
+                <a:solidFill>
+                  <a:schemeClr val="tx1"/>
+                </a:solidFill>
+              </a:rPr>
+              <a:t>Potential answer</a:t>
+            </a:r>
+          </a:p>
+          <a:p>
+            <a:pPr marL="0" indent="0">
+              <a:buNone/>
+            </a:pPr>
+            <a:r>
+              <a:rPr lang="en-US" sz="2800" dirty="0">
+                <a:solidFill>
+                  <a:schemeClr val="tx1"/>
+                </a:solidFill>
+                <a:latin typeface="+mn-lt"/>
+              </a:rPr>
+              <a:t>Both on-premises and Azure-based web servers are deployed in parallel, with the cut-over occurring at the DNS level. This is seamless for users.</a:t>
+            </a:r>
+          </a:p>
+          <a:p>
+            <a:pPr marL="0" indent="0">
+              <a:buNone/>
+            </a:pPr>
+            <a:r>
+              <a:rPr lang="en-US" sz="2800" dirty="0">
+                <a:solidFill>
+                  <a:schemeClr val="tx1"/>
+                </a:solidFill>
+                <a:latin typeface="+mn-lt"/>
+              </a:rPr>
+              <a:t>For the database, a short migration window (in the order of minutes) is required when failing over the primary replica. Failing over the database without pausing or using a read-only mode on the web app is possible, if the transaction volume is low.</a:t>
+            </a:r>
             <a:endParaRPr lang="en-US" sz="2400" dirty="0">
               <a:solidFill>
                 <a:schemeClr val="tx1"/>
               </a:solidFill>
-              <a:latin typeface="+mn-lt"/>
             </a:endParaRPr>
-          </a:p>
-          <a:p>
-            <a:pPr marL="0" indent="0">
-              <a:buNone/>
-            </a:pPr>
-            <a:r>
-              <a:rPr lang="en-US" sz="3600" dirty="0">
-                <a:solidFill>
-                  <a:schemeClr val="tx1"/>
-                </a:solidFill>
-              </a:rPr>
-              <a:t>Potential answer</a:t>
-            </a:r>
-          </a:p>
-          <a:p>
-            <a:pPr marL="0" indent="0">
-              <a:buNone/>
-            </a:pPr>
-            <a:r>
-              <a:rPr lang="en-US" sz="2800" dirty="0">
-                <a:solidFill>
-                  <a:schemeClr val="tx1"/>
-                </a:solidFill>
-                <a:latin typeface="+mn-lt"/>
-              </a:rPr>
-              <a:t>Using dependency visualization from Azure Migrate, you can view the network dependencies of specific machines, or across a group of machines. This is useful in ensuring no functionality is lost (or machines forgotten) in the migration process when apps and workloads run across multiple machines.</a:t>
-            </a:r>
           </a:p>
         </p:txBody>
       </p:sp>
     </p:spTree>
     <p:extLst>
       <p:ext uri="{BB962C8B-B14F-4D97-AF65-F5344CB8AC3E}">
-        <p14:creationId xmlns:p14="http://schemas.microsoft.com/office/powerpoint/2010/main" val="1993594381"/>
+        <p14:creationId xmlns:p14="http://schemas.microsoft.com/office/powerpoint/2010/main" val="3349297089"/>
       </p:ext>
     </p:extLst>
   </p:cSld>
@@ -21782,6 +21907,165 @@
                   <a:schemeClr val="tx1"/>
                 </a:solidFill>
               </a:rPr>
+              <a:t>Preferred objection handling</a:t>
+            </a:r>
+          </a:p>
+        </p:txBody>
+      </p:sp>
+      <p:sp>
+        <p:nvSpPr>
+          <p:cNvPr id="3" name="Content Placeholder 2"/>
+          <p:cNvSpPr>
+            <a:spLocks noGrp="1"/>
+          </p:cNvSpPr>
+          <p:nvPr>
+            <p:ph type="body" sz="quarter" idx="10"/>
+          </p:nvPr>
+        </p:nvSpPr>
+        <p:spPr>
+          <a:xfrm>
+            <a:off x="269239" y="1189177"/>
+            <a:ext cx="11653523" cy="5361468"/>
+          </a:xfrm>
+        </p:spPr>
+        <p:txBody>
+          <a:bodyPr/>
+          <a:lstStyle/>
+          <a:p>
+            <a:pPr marL="0" lvl="0" indent="0">
+              <a:buNone/>
+            </a:pPr>
+            <a:r>
+              <a:rPr lang="en-US" sz="3600" dirty="0">
+                <a:solidFill>
+                  <a:schemeClr val="tx1"/>
+                </a:solidFill>
+              </a:rPr>
+              <a:t>Objection</a:t>
+            </a:r>
+          </a:p>
+          <a:p>
+            <a:pPr marL="0" lvl="0" indent="0">
+              <a:buNone/>
+            </a:pPr>
+            <a:r>
+              <a:rPr lang="en-US" sz="2800" dirty="0">
+                <a:solidFill>
+                  <a:schemeClr val="tx1"/>
+                </a:solidFill>
+                <a:latin typeface="+mn-lt"/>
+              </a:rPr>
+              <a:t>The procurement application is a simple application with known dependencies and is perfect for a pilot. What about more complicated workloads or workloads where we do not exactly know where the dependencies are? </a:t>
+            </a:r>
+            <a:r>
+              <a:rPr lang="en-US" sz="2400" dirty="0">
+                <a:solidFill>
+                  <a:schemeClr val="tx1"/>
+                </a:solidFill>
+                <a:latin typeface="+mn-lt"/>
+              </a:rPr>
+              <a:t> </a:t>
+            </a:r>
+          </a:p>
+          <a:p>
+            <a:pPr marL="0" lvl="0" indent="0">
+              <a:buNone/>
+            </a:pPr>
+            <a:endParaRPr lang="en-US" sz="2400" dirty="0">
+              <a:solidFill>
+                <a:schemeClr val="tx1"/>
+              </a:solidFill>
+              <a:latin typeface="+mn-lt"/>
+            </a:endParaRPr>
+          </a:p>
+          <a:p>
+            <a:pPr marL="0" indent="0">
+              <a:buNone/>
+            </a:pPr>
+            <a:r>
+              <a:rPr lang="en-US" sz="3600" dirty="0">
+                <a:solidFill>
+                  <a:schemeClr val="tx1"/>
+                </a:solidFill>
+              </a:rPr>
+              <a:t>Potential answer</a:t>
+            </a:r>
+          </a:p>
+          <a:p>
+            <a:pPr marL="0" indent="0">
+              <a:buNone/>
+            </a:pPr>
+            <a:r>
+              <a:rPr lang="en-US" sz="2800" dirty="0">
+                <a:solidFill>
+                  <a:schemeClr val="tx1"/>
+                </a:solidFill>
+                <a:latin typeface="+mn-lt"/>
+              </a:rPr>
+              <a:t>Using dependency visualization from Azure Migrate, you can view the network dependencies of specific machines, or across a group of machines. This is useful in ensuring no functionality is lost (or machines forgotten) in the migration process when apps and workloads run across multiple machines.</a:t>
+            </a:r>
+          </a:p>
+        </p:txBody>
+      </p:sp>
+    </p:spTree>
+    <p:extLst>
+      <p:ext uri="{BB962C8B-B14F-4D97-AF65-F5344CB8AC3E}">
+        <p14:creationId xmlns:p14="http://schemas.microsoft.com/office/powerpoint/2010/main" val="1993594381"/>
+      </p:ext>
+    </p:extLst>
+  </p:cSld>
+  <p:clrMapOvr>
+    <a:masterClrMapping/>
+  </p:clrMapOvr>
+  <mc:AlternateContent xmlns:mc="http://schemas.openxmlformats.org/markup-compatibility/2006" xmlns:p14="http://schemas.microsoft.com/office/powerpoint/2010/main">
+    <mc:Choice Requires="p14">
+      <p:transition p14:dur="0"/>
+    </mc:Choice>
+    <mc:Fallback xmlns="">
+      <p:transition/>
+    </mc:Fallback>
+  </mc:AlternateContent>
+</p:sld>
+</file>
+
+<file path=ppt/slides/slide41.xml><?xml version="1.0" encoding="utf-8"?>
+<p:sld xmlns:a="http://schemas.openxmlformats.org/drawingml/2006/main" xmlns:r="http://schemas.openxmlformats.org/officeDocument/2006/relationships" xmlns:p="http://schemas.openxmlformats.org/presentationml/2006/main">
+  <p:cSld>
+    <p:spTree>
+      <p:nvGrpSpPr>
+        <p:cNvPr id="1" name=""/>
+        <p:cNvGrpSpPr/>
+        <p:nvPr/>
+      </p:nvGrpSpPr>
+      <p:grpSpPr>
+        <a:xfrm>
+          <a:off x="0" y="0"/>
+          <a:ext cx="0" cy="0"/>
+          <a:chOff x="0" y="0"/>
+          <a:chExt cx="0" cy="0"/>
+        </a:xfrm>
+      </p:grpSpPr>
+      <p:sp>
+        <p:nvSpPr>
+          <p:cNvPr id="2" name="Title 1"/>
+          <p:cNvSpPr>
+            <a:spLocks noGrp="1"/>
+          </p:cNvSpPr>
+          <p:nvPr>
+            <p:ph type="title"/>
+          </p:nvPr>
+        </p:nvSpPr>
+        <p:spPr/>
+        <p:txBody>
+          <a:bodyPr/>
+          <a:lstStyle/>
+          <a:p>
+            <a:r>
+              <a:rPr lang="en-US" sz="4400" dirty="0">
+                <a:solidFill>
+                  <a:schemeClr val="tx1"/>
+                </a:solidFill>
+              </a:rPr>
               <a:t>Customer quote</a:t>
             </a:r>
           </a:p>
@@ -21859,7 +22143,7 @@
 </p:sld>
 </file>
 
-<file path=ppt/slides/slide41.xml><?xml version="1.0" encoding="utf-8"?>
+<file path=ppt/slides/slide42.xml><?xml version="1.0" encoding="utf-8"?>
 <p:sld xmlns:a="http://schemas.openxmlformats.org/drawingml/2006/main" xmlns:r="http://schemas.openxmlformats.org/officeDocument/2006/relationships" xmlns:p="http://schemas.openxmlformats.org/presentationml/2006/main">
   <p:cSld>
     <p:bg>
@@ -22843,7 +23127,7 @@
         <p:spPr>
           <a:xfrm>
             <a:off x="269239" y="1189177"/>
-            <a:ext cx="11653523" cy="5565626"/>
+            <a:ext cx="11653523" cy="6347892"/>
           </a:xfrm>
         </p:spPr>
         <p:txBody>
@@ -22851,37 +23135,43 @@
           <a:lstStyle/>
           <a:p>
             <a:r>
-              <a:rPr lang="en-US" dirty="0"/>
+              <a:rPr lang="en-US" sz="3600" dirty="0"/>
               <a:t>Ability to test before committing</a:t>
             </a:r>
           </a:p>
           <a:p>
             <a:r>
-              <a:rPr lang="en-US" dirty="0"/>
+              <a:rPr lang="en-US" sz="3600" dirty="0"/>
               <a:t>Support "fail back" at any point</a:t>
             </a:r>
           </a:p>
           <a:p>
             <a:r>
-              <a:rPr lang="en-US" dirty="0"/>
+              <a:rPr lang="en-US" sz="3600" dirty="0"/>
               <a:t>Secure and performant connectivity from corporate network</a:t>
             </a:r>
           </a:p>
           <a:p>
             <a:r>
-              <a:rPr lang="en-US" dirty="0"/>
+              <a:rPr lang="en-US" sz="3600" dirty="0"/>
               <a:t>Least-privilege access controls and protect against accidental modification or deletion</a:t>
             </a:r>
           </a:p>
           <a:p>
             <a:r>
-              <a:rPr lang="en-US" dirty="0"/>
-              <a:t>Monitor Azure cost and prevent use of unapproved Azure services</a:t>
+              <a:rPr lang="en-US" sz="3600" dirty="0"/>
+              <a:t>Monitor Azure environment for cost and prevent use of unapproved Azure services</a:t>
+            </a:r>
+          </a:p>
+          <a:p>
+            <a:r>
+              <a:rPr lang="en-US" sz="3600" dirty="0"/>
+              <a:t>Monitor every level of the Azure environment for performance and availability</a:t>
             </a:r>
           </a:p>
           <a:p>
             <a:pPr lvl="0" fontAlgn="ctr"/>
-            <a:endParaRPr lang="en-US" sz="3200" dirty="0">
+            <a:endParaRPr lang="en-US" sz="3600" dirty="0">
               <a:solidFill>
                 <a:schemeClr val="tx1"/>
               </a:solidFill>

--- a/Whiteboard design session/WDS trainer presentation - Lift and shift.pptx
+++ b/Whiteboard design session/WDS trainer presentation - Lift and shift.pptx
@@ -262,7 +262,7 @@
           <a:p>
             <a:fld id="{0B4ED74A-224F-4188-850E-AD5C4B751E0D}" type="datetimeFigureOut">
               <a:rPr lang="en-US" smtClean="0"/>
-              <a:t>12/19/2018</a:t>
+              <a:t>1/21/2019</a:t>
             </a:fld>
             <a:endParaRPr lang="en-US" dirty="0"/>
           </a:p>
@@ -439,7 +439,7 @@
           <a:p>
             <a:fld id="{52A13B17-C506-4D51-BB37-16B365906619}" type="datetimeFigureOut">
               <a:rPr lang="en-US" smtClean="0"/>
-              <a:t>12/19/2018</a:t>
+              <a:t>1/21/2019</a:t>
             </a:fld>
             <a:endParaRPr lang="en-US" dirty="0"/>
           </a:p>
@@ -3921,7 +3921,21 @@
                 <a:ea typeface="+mn-ea"/>
                 <a:cs typeface="+mn-cs"/>
               </a:rPr>
-              <a:t>This poses a significant challenge. The existing physical servers use UEFI boot, and therefore Azure Site Recovery cannot be used. The application installers are not available, and so re-installing the application onto clean Azure VMs would be very difficult.</a:t>
+              <a:t>Azure Site Recovery could be used to migrate the web tier. The application installers are not available, and so re-installing the application</a:t>
+            </a:r>
+          </a:p>
+          <a:p>
+            <a:r>
+              <a:rPr lang="en-US" sz="1200" b="0" kern="1200" dirty="0">
+                <a:solidFill>
+                  <a:schemeClr val="tx1"/>
+                </a:solidFill>
+                <a:effectLst/>
+                <a:latin typeface="+mn-lt"/>
+                <a:ea typeface="+mn-ea"/>
+                <a:cs typeface="+mn-cs"/>
+              </a:rPr>
+              <a:t>onto clean Azure VMs would be very difficult. The steps to migrate would be similar to migrating the procurement application.</a:t>
             </a:r>
           </a:p>
           <a:p>
@@ -3946,7 +3960,7 @@
                 <a:ea typeface="+mn-ea"/>
                 <a:cs typeface="+mn-cs"/>
               </a:rPr>
-              <a:t>In this situation, use of third-party migration tools should be explored. For example, [CloudEndure](https://www.cloudendure.com/live-migration/)</a:t>
+              <a:t>Use ASR to facilitate the migration. ASR supports physical servers to ARM failovers and can be used for the web tier of the application. This allows for simple migration of the application without the need for the original application installers. </a:t>
             </a:r>
           </a:p>
           <a:p>
@@ -3960,14 +3974,10 @@
                 <a:ea typeface="+mn-ea"/>
                 <a:cs typeface="+mn-cs"/>
               </a:rPr>
-              <a:t>offers block-level migration of both VMs and physical servers. The migration process is as follows:</a:t>
-            </a:r>
-          </a:p>
-          <a:p>
-            <a:pPr marL="228600" indent="-228600">
-              <a:buFont typeface="+mj-lt"/>
-              <a:buAutoNum type="arabicPeriod"/>
-            </a:pPr>
+              <a:t>Use the [Azure documentation](https://docs.microsoft.com/en-us/azure/site-recovery/physical-azure-architecture) to set up ASR replication. This includes:</a:t>
+            </a:r>
+          </a:p>
+          <a:p>
             <a:r>
               <a:rPr lang="en-US" sz="1200" b="0" kern="1200" dirty="0">
                 <a:solidFill>
@@ -3978,14 +3988,10 @@
                 <a:ea typeface="+mn-ea"/>
                 <a:cs typeface="+mn-cs"/>
               </a:rPr>
-              <a:t>Install the CloudEndure agent on the physical servers to be migrated</a:t>
-            </a:r>
-          </a:p>
-          <a:p>
-            <a:pPr marL="228600" indent="-228600">
-              <a:buFont typeface="+mj-lt"/>
-              <a:buAutoNum type="arabicPeriod"/>
-            </a:pPr>
+              <a:t>- Provisioning the Azure environment (Recovery Services Vault, Virtual Network and Storage Account).</a:t>
+            </a:r>
+          </a:p>
+          <a:p>
             <a:r>
               <a:rPr lang="en-US" sz="1200" b="0" kern="1200" dirty="0">
                 <a:solidFill>
@@ -3996,14 +4002,10 @@
                 <a:ea typeface="+mn-ea"/>
                 <a:cs typeface="+mn-cs"/>
               </a:rPr>
-              <a:t>Specify the destination servers in Azure</a:t>
-            </a:r>
-          </a:p>
-          <a:p>
-            <a:pPr marL="228600" indent="-228600">
-              <a:buFont typeface="+mj-lt"/>
-              <a:buAutoNum type="arabicPeriod"/>
-            </a:pPr>
+              <a:t>- Setting up ASR in the on-premises environment, including deploying the ASR Configuration Server</a:t>
+            </a:r>
+          </a:p>
+          <a:p>
             <a:r>
               <a:rPr lang="en-US" sz="1200" b="0" kern="1200" dirty="0">
                 <a:solidFill>
@@ -4014,14 +4016,10 @@
                 <a:ea typeface="+mn-ea"/>
                 <a:cs typeface="+mn-cs"/>
               </a:rPr>
-              <a:t>CloudEndure will replicate the physical servers to Azure, at the block level, including any on-going changes. This occurs in the background, without disrupting the running application.</a:t>
-            </a:r>
-          </a:p>
-          <a:p>
-            <a:pPr marL="228600" indent="-228600">
-              <a:buFont typeface="+mj-lt"/>
-              <a:buAutoNum type="arabicPeriod"/>
-            </a:pPr>
+              <a:t>and connecting it with your Recovery Service Vault.</a:t>
+            </a:r>
+          </a:p>
+          <a:p>
             <a:r>
               <a:rPr lang="en-US" sz="1200" b="0" kern="1200" dirty="0">
                 <a:solidFill>
@@ -4032,14 +4030,10 @@
                 <a:ea typeface="+mn-ea"/>
                 <a:cs typeface="+mn-cs"/>
               </a:rPr>
-              <a:t>To test the migrated server, CloudEndure allows you to spin up new Azure servers for verification</a:t>
-            </a:r>
-          </a:p>
-          <a:p>
-            <a:pPr marL="228600" indent="-228600">
-              <a:buFont typeface="+mj-lt"/>
-              <a:buAutoNum type="arabicPeriod"/>
-            </a:pPr>
+              <a:t>- Replicating the web tier servers to Azure Storage. This includes setting the replication policy</a:t>
+            </a:r>
+          </a:p>
+          <a:p>
             <a:r>
               <a:rPr lang="en-US" sz="1200" b="0" kern="1200" dirty="0">
                 <a:solidFill>
@@ -4050,7 +4044,432 @@
                 <a:ea typeface="+mn-ea"/>
                 <a:cs typeface="+mn-cs"/>
               </a:rPr>
-              <a:t>Once testing is complete, user traffic can be cut over to the migrated servers similarly to the procurement system.</a:t>
+              <a:t>which defines the retention period (0 suffices since we will only use the latest recovery point),</a:t>
+            </a:r>
+          </a:p>
+          <a:p>
+            <a:r>
+              <a:rPr lang="en-US" sz="1200" b="0" kern="1200" dirty="0">
+                <a:solidFill>
+                  <a:schemeClr val="tx1"/>
+                </a:solidFill>
+                <a:effectLst/>
+                <a:latin typeface="+mn-lt"/>
+                <a:ea typeface="+mn-ea"/>
+                <a:cs typeface="+mn-cs"/>
+              </a:rPr>
+              <a:t>the type of snapshots to use (crash-consistent snapshots suffices for the web tier), and whether</a:t>
+            </a:r>
+          </a:p>
+          <a:p>
+            <a:r>
+              <a:rPr lang="en-US" sz="1200" b="0" kern="1200" dirty="0">
+                <a:solidFill>
+                  <a:schemeClr val="tx1"/>
+                </a:solidFill>
+                <a:effectLst/>
+                <a:latin typeface="+mn-lt"/>
+                <a:ea typeface="+mn-ea"/>
+                <a:cs typeface="+mn-cs"/>
+              </a:rPr>
+              <a:t>to use a replication group.</a:t>
+            </a:r>
+          </a:p>
+          <a:p>
+            <a:br>
+              <a:rPr lang="en-US" sz="1200" b="0" kern="1200" dirty="0">
+                <a:solidFill>
+                  <a:schemeClr val="tx1"/>
+                </a:solidFill>
+                <a:effectLst/>
+                <a:latin typeface="+mn-lt"/>
+                <a:ea typeface="+mn-ea"/>
+                <a:cs typeface="+mn-cs"/>
+              </a:rPr>
+            </a:br>
+            <a:r>
+              <a:rPr lang="en-US" sz="1200" b="0" kern="1200" dirty="0">
+                <a:solidFill>
+                  <a:schemeClr val="tx1"/>
+                </a:solidFill>
+                <a:effectLst/>
+                <a:latin typeface="+mn-lt"/>
+                <a:ea typeface="+mn-ea"/>
+                <a:cs typeface="+mn-cs"/>
+              </a:rPr>
+              <a:t>To test the migration before the live site cutover:</a:t>
+            </a:r>
+          </a:p>
+          <a:p>
+            <a:r>
+              <a:rPr lang="en-US" sz="1200" b="0" kern="1200" dirty="0">
+                <a:solidFill>
+                  <a:schemeClr val="tx1"/>
+                </a:solidFill>
+                <a:effectLst/>
+                <a:latin typeface="+mn-lt"/>
+                <a:ea typeface="+mn-ea"/>
+                <a:cs typeface="+mn-cs"/>
+              </a:rPr>
+              <a:t>- Initiate a test failover from the Azure portal. This will create</a:t>
+            </a:r>
+          </a:p>
+          <a:p>
+            <a:r>
+              <a:rPr lang="en-US" sz="1200" b="0" kern="1200" dirty="0">
+                <a:solidFill>
+                  <a:schemeClr val="tx1"/>
+                </a:solidFill>
+                <a:effectLst/>
+                <a:latin typeface="+mn-lt"/>
+                <a:ea typeface="+mn-ea"/>
+                <a:cs typeface="+mn-cs"/>
+              </a:rPr>
+              <a:t>new Azure VMs from the replicated data from the legacy web servers.</a:t>
+            </a:r>
+          </a:p>
+          <a:p>
+            <a:r>
+              <a:rPr lang="en-US" sz="1200" b="0" kern="1200" dirty="0">
+                <a:solidFill>
+                  <a:schemeClr val="tx1"/>
+                </a:solidFill>
+                <a:effectLst/>
+                <a:latin typeface="+mn-lt"/>
+                <a:ea typeface="+mn-ea"/>
+                <a:cs typeface="+mn-cs"/>
+              </a:rPr>
+              <a:t>These VMs will be connected to the on-premises production database</a:t>
+            </a:r>
+          </a:p>
+          <a:p>
+            <a:r>
+              <a:rPr lang="en-US" sz="1200" b="0" kern="1200" dirty="0">
+                <a:solidFill>
+                  <a:schemeClr val="tx1"/>
+                </a:solidFill>
+                <a:effectLst/>
+                <a:latin typeface="+mn-lt"/>
+                <a:ea typeface="+mn-ea"/>
+                <a:cs typeface="+mn-cs"/>
+              </a:rPr>
+              <a:t>(if desired, a test database could be configured).</a:t>
+            </a:r>
+          </a:p>
+          <a:p>
+            <a:r>
+              <a:rPr lang="en-US" sz="1200" b="0" kern="1200" dirty="0">
+                <a:solidFill>
+                  <a:schemeClr val="tx1"/>
+                </a:solidFill>
+                <a:effectLst/>
+                <a:latin typeface="+mn-lt"/>
+                <a:ea typeface="+mn-ea"/>
+                <a:cs typeface="+mn-cs"/>
+              </a:rPr>
+              <a:t>- Configure the backend server pool of the Internal Load Balancer</a:t>
+            </a:r>
+          </a:p>
+          <a:p>
+            <a:r>
+              <a:rPr lang="en-US" sz="1200" b="0" kern="1200" dirty="0">
+                <a:solidFill>
+                  <a:schemeClr val="tx1"/>
+                </a:solidFill>
+                <a:effectLst/>
+                <a:latin typeface="+mn-lt"/>
+                <a:ea typeface="+mn-ea"/>
+                <a:cs typeface="+mn-cs"/>
+              </a:rPr>
+              <a:t>to reference the HR web servers.</a:t>
+            </a:r>
+          </a:p>
+          <a:p>
+            <a:r>
+              <a:rPr lang="en-US" sz="1200" b="0" kern="1200" dirty="0">
+                <a:solidFill>
+                  <a:schemeClr val="tx1"/>
+                </a:solidFill>
+                <a:effectLst/>
+                <a:latin typeface="+mn-lt"/>
+                <a:ea typeface="+mn-ea"/>
+                <a:cs typeface="+mn-cs"/>
+              </a:rPr>
+              <a:t>- Test the new web tier via the Internal Load Balancer front-end IP. </a:t>
+            </a:r>
+          </a:p>
+          <a:p>
+            <a:br>
+              <a:rPr lang="en-US" sz="1200" b="0" kern="1200" dirty="0">
+                <a:solidFill>
+                  <a:schemeClr val="tx1"/>
+                </a:solidFill>
+                <a:effectLst/>
+                <a:latin typeface="+mn-lt"/>
+                <a:ea typeface="+mn-ea"/>
+                <a:cs typeface="+mn-cs"/>
+              </a:rPr>
+            </a:br>
+            <a:r>
+              <a:rPr lang="en-US" sz="1200" b="0" kern="1200" dirty="0">
+                <a:solidFill>
+                  <a:schemeClr val="tx1"/>
+                </a:solidFill>
+                <a:effectLst/>
+                <a:latin typeface="+mn-lt"/>
+                <a:ea typeface="+mn-ea"/>
+                <a:cs typeface="+mn-cs"/>
+              </a:rPr>
+              <a:t>To perform the migration:</a:t>
+            </a:r>
+          </a:p>
+          <a:p>
+            <a:r>
+              <a:rPr lang="en-US" sz="1200" b="0" kern="1200" dirty="0">
+                <a:solidFill>
+                  <a:schemeClr val="tx1"/>
+                </a:solidFill>
+                <a:effectLst/>
+                <a:latin typeface="+mn-lt"/>
+                <a:ea typeface="+mn-ea"/>
+                <a:cs typeface="+mn-cs"/>
+              </a:rPr>
+              <a:t>- Initiate a planned failover from the Azure portal. As with the test</a:t>
+            </a:r>
+          </a:p>
+          <a:p>
+            <a:r>
+              <a:rPr lang="en-US" sz="1200" b="0" kern="1200" dirty="0">
+                <a:solidFill>
+                  <a:schemeClr val="tx1"/>
+                </a:solidFill>
+                <a:effectLst/>
+                <a:latin typeface="+mn-lt"/>
+                <a:ea typeface="+mn-ea"/>
+                <a:cs typeface="+mn-cs"/>
+              </a:rPr>
+              <a:t>failover, this will create Azure VMs from the replicated web tier disks,</a:t>
+            </a:r>
+          </a:p>
+          <a:p>
+            <a:r>
+              <a:rPr lang="en-US" sz="1200" b="0" kern="1200" dirty="0">
+                <a:solidFill>
+                  <a:schemeClr val="tx1"/>
+                </a:solidFill>
+                <a:effectLst/>
+                <a:latin typeface="+mn-lt"/>
+                <a:ea typeface="+mn-ea"/>
+                <a:cs typeface="+mn-cs"/>
+              </a:rPr>
+              <a:t>connected to the on-premises production database.</a:t>
+            </a:r>
+          </a:p>
+          <a:p>
+            <a:r>
+              <a:rPr lang="en-US" sz="1200" b="0" kern="1200" dirty="0">
+                <a:solidFill>
+                  <a:schemeClr val="tx1"/>
+                </a:solidFill>
+                <a:effectLst/>
+                <a:latin typeface="+mn-lt"/>
+                <a:ea typeface="+mn-ea"/>
+                <a:cs typeface="+mn-cs"/>
+              </a:rPr>
+              <a:t>- Update the Internal Load Balancer back-end server pool to reference</a:t>
+            </a:r>
+          </a:p>
+          <a:p>
+            <a:r>
+              <a:rPr lang="en-US" sz="1200" b="0" kern="1200" dirty="0">
+                <a:solidFill>
+                  <a:schemeClr val="tx1"/>
+                </a:solidFill>
+                <a:effectLst/>
+                <a:latin typeface="+mn-lt"/>
+                <a:ea typeface="+mn-ea"/>
+                <a:cs typeface="+mn-cs"/>
+              </a:rPr>
+              <a:t>the new web server VMs, and validate the application is working.</a:t>
+            </a:r>
+          </a:p>
+          <a:p>
+            <a:r>
+              <a:rPr lang="en-US" sz="1200" b="0" kern="1200" dirty="0">
+                <a:solidFill>
+                  <a:schemeClr val="tx1"/>
+                </a:solidFill>
+                <a:effectLst/>
+                <a:latin typeface="+mn-lt"/>
+                <a:ea typeface="+mn-ea"/>
+                <a:cs typeface="+mn-cs"/>
+              </a:rPr>
+              <a:t>- Update the DNS entry for the 'https://&lt;span&gt;&lt;/span&gt;AskHR' endpoint</a:t>
+            </a:r>
+          </a:p>
+          <a:p>
+            <a:r>
+              <a:rPr lang="en-US" sz="1200" b="0" kern="1200" dirty="0">
+                <a:solidFill>
+                  <a:schemeClr val="tx1"/>
+                </a:solidFill>
+                <a:effectLst/>
+                <a:latin typeface="+mn-lt"/>
+                <a:ea typeface="+mn-ea"/>
+                <a:cs typeface="+mn-cs"/>
+              </a:rPr>
+              <a:t>to point to the Internal Load Balancer front-end.</a:t>
+            </a:r>
+          </a:p>
+          <a:p>
+            <a:br>
+              <a:rPr lang="en-US" sz="1200" b="0" kern="1200" dirty="0">
+                <a:solidFill>
+                  <a:schemeClr val="tx1"/>
+                </a:solidFill>
+                <a:effectLst/>
+                <a:latin typeface="+mn-lt"/>
+                <a:ea typeface="+mn-ea"/>
+                <a:cs typeface="+mn-cs"/>
+              </a:rPr>
+            </a:br>
+            <a:r>
+              <a:rPr lang="en-US" sz="1200" b="0" kern="1200" dirty="0">
+                <a:solidFill>
+                  <a:schemeClr val="tx1"/>
+                </a:solidFill>
+                <a:effectLst/>
+                <a:latin typeface="+mn-lt"/>
+                <a:ea typeface="+mn-ea"/>
+                <a:cs typeface="+mn-cs"/>
+              </a:rPr>
+              <a:t>Rollback (if required):</a:t>
+            </a:r>
+          </a:p>
+          <a:p>
+            <a:r>
+              <a:rPr lang="en-US" sz="1200" b="0" kern="1200" dirty="0">
+                <a:solidFill>
+                  <a:schemeClr val="tx1"/>
+                </a:solidFill>
+                <a:effectLst/>
+                <a:latin typeface="+mn-lt"/>
+                <a:ea typeface="+mn-ea"/>
+                <a:cs typeface="+mn-cs"/>
+              </a:rPr>
+              <a:t>- If the migration does not work properly, there is a simple back out plan. The</a:t>
+            </a:r>
+          </a:p>
+          <a:p>
+            <a:r>
+              <a:rPr lang="en-US" sz="1200" b="0" kern="1200" dirty="0">
+                <a:solidFill>
+                  <a:schemeClr val="tx1"/>
+                </a:solidFill>
+                <a:effectLst/>
+                <a:latin typeface="+mn-lt"/>
+                <a:ea typeface="+mn-ea"/>
+                <a:cs typeface="+mn-cs"/>
+              </a:rPr>
+              <a:t>planned failover should be canceled from the portal and</a:t>
+            </a:r>
+          </a:p>
+          <a:p>
+            <a:r>
+              <a:rPr lang="en-US" sz="1200" b="0" kern="1200" dirty="0">
+                <a:solidFill>
+                  <a:schemeClr val="tx1"/>
+                </a:solidFill>
+                <a:effectLst/>
+                <a:latin typeface="+mn-lt"/>
+                <a:ea typeface="+mn-ea"/>
+                <a:cs typeface="+mn-cs"/>
+              </a:rPr>
+              <a:t>then the physical servers on-premises should be restarted to restore</a:t>
+            </a:r>
+          </a:p>
+          <a:p>
+            <a:r>
+              <a:rPr lang="en-US" sz="1200" b="0" kern="1200" dirty="0">
+                <a:solidFill>
+                  <a:schemeClr val="tx1"/>
+                </a:solidFill>
+                <a:effectLst/>
+                <a:latin typeface="+mn-lt"/>
+                <a:ea typeface="+mn-ea"/>
+                <a:cs typeface="+mn-cs"/>
+              </a:rPr>
+              <a:t>service.</a:t>
+            </a:r>
+          </a:p>
+          <a:p>
+            <a:r>
+              <a:rPr lang="en-US" sz="1200" b="0" kern="1200" dirty="0">
+                <a:solidFill>
+                  <a:schemeClr val="tx1"/>
+                </a:solidFill>
+                <a:effectLst/>
+                <a:latin typeface="+mn-lt"/>
+                <a:ea typeface="+mn-ea"/>
+                <a:cs typeface="+mn-cs"/>
+              </a:rPr>
+              <a:t>- If the 'AskHR' DNS entry has already been updated, revert it to the previous value.</a:t>
+            </a:r>
+          </a:p>
+          <a:p>
+            <a:r>
+              <a:rPr lang="en-US" sz="1200" b="0" kern="1200" dirty="0">
+                <a:solidFill>
+                  <a:schemeClr val="tx1"/>
+                </a:solidFill>
+                <a:effectLst/>
+                <a:latin typeface="+mn-lt"/>
+                <a:ea typeface="+mn-ea"/>
+                <a:cs typeface="+mn-cs"/>
+              </a:rPr>
+              <a:t>&gt; **Note**: To minimize the impact of DNS caching, the Time-To-Live (TTL) for the DNS entry</a:t>
+            </a:r>
+          </a:p>
+          <a:p>
+            <a:r>
+              <a:rPr lang="en-US" sz="1200" b="0" kern="1200" dirty="0">
+                <a:solidFill>
+                  <a:schemeClr val="tx1"/>
+                </a:solidFill>
+                <a:effectLst/>
+                <a:latin typeface="+mn-lt"/>
+                <a:ea typeface="+mn-ea"/>
+                <a:cs typeface="+mn-cs"/>
+              </a:rPr>
+              <a:t>should be reduced to a short value (e.g. 60 seconds) well in advance of the migration.</a:t>
+            </a:r>
+          </a:p>
+          <a:p>
+            <a:r>
+              <a:rPr lang="en-US" sz="1200" b="0" kern="1200" dirty="0">
+                <a:solidFill>
+                  <a:schemeClr val="tx1"/>
+                </a:solidFill>
+                <a:effectLst/>
+                <a:latin typeface="+mn-lt"/>
+                <a:ea typeface="+mn-ea"/>
+                <a:cs typeface="+mn-cs"/>
+              </a:rPr>
+              <a:t>This enables DNS changes during migration and roll-back to take effect quickly.</a:t>
+            </a:r>
+          </a:p>
+          <a:p>
+            <a:r>
+              <a:rPr lang="en-US" sz="1200" b="0" kern="1200" dirty="0">
+                <a:solidFill>
+                  <a:schemeClr val="tx1"/>
+                </a:solidFill>
+                <a:effectLst/>
+                <a:latin typeface="+mn-lt"/>
+                <a:ea typeface="+mn-ea"/>
+                <a:cs typeface="+mn-cs"/>
+              </a:rPr>
+              <a:t>Once migration is successful and stable, the TTL should be returned to a long value (e.g. 1 day)</a:t>
             </a:r>
           </a:p>
           <a:p>
@@ -5797,7 +6216,7 @@
                   <a:prstClr val="black"/>
                 </a:solidFill>
               </a:rPr>
-              <a:t>12/19/2018 11:43 AM</a:t>
+              <a:t>1/21/2019 1:59 PM</a:t>
             </a:fld>
             <a:endParaRPr lang="en-US" dirty="0">
               <a:solidFill>
@@ -20261,7 +20680,7 @@
         <p:spPr>
           <a:xfrm>
             <a:off x="269240" y="1373762"/>
-            <a:ext cx="5378548" cy="4380173"/>
+            <a:ext cx="7234424" cy="5795946"/>
           </a:xfrm>
         </p:spPr>
         <p:txBody>
@@ -20269,40 +20688,89 @@
           <a:lstStyle/>
           <a:p>
             <a:r>
+              <a:rPr lang="en-US" sz="2800" dirty="0">
+                <a:latin typeface="+mn-lt"/>
+              </a:rPr>
+              <a:t>Use Azure Site Recovery to migrate physical servers to Azure VMs.</a:t>
+            </a:r>
+          </a:p>
+          <a:p>
+            <a:pPr lvl="1">
+              <a:spcBef>
+                <a:spcPts val="1200"/>
+              </a:spcBef>
+            </a:pPr>
+            <a:r>
               <a:rPr lang="en-US" sz="2400" dirty="0">
                 <a:latin typeface="+mn-lt"/>
               </a:rPr>
-              <a:t>Cannot use Azure Site Recovery due to physical servers with UEFI boot.</a:t>
-            </a:r>
-          </a:p>
-          <a:p>
+              <a:t>Configure Azure environment including Recovery Services Vault, Virtual Network and Storage Account</a:t>
+            </a:r>
+          </a:p>
+          <a:p>
+            <a:pPr lvl="1">
+              <a:spcBef>
+                <a:spcPts val="1200"/>
+              </a:spcBef>
+            </a:pPr>
             <a:r>
               <a:rPr lang="en-US" sz="2400" dirty="0">
                 <a:latin typeface="+mn-lt"/>
               </a:rPr>
-              <a:t>Cannot re-install since installers not available.</a:t>
-            </a:r>
-          </a:p>
-          <a:p>
+              <a:t>Setup ASR on-premises including ASR Configuration Server</a:t>
+            </a:r>
+          </a:p>
+          <a:p>
+            <a:pPr lvl="1">
+              <a:spcBef>
+                <a:spcPts val="1200"/>
+              </a:spcBef>
+            </a:pPr>
             <a:r>
               <a:rPr lang="en-US" sz="2400" dirty="0">
                 <a:latin typeface="+mn-lt"/>
               </a:rPr>
-              <a:t>Consider third-party migration tools</a:t>
-            </a:r>
-          </a:p>
-          <a:p>
+              <a:t>Replicate web-tier servers to Azure Storage</a:t>
+            </a:r>
+          </a:p>
+          <a:p>
+            <a:pPr lvl="1">
+              <a:spcBef>
+                <a:spcPts val="1200"/>
+              </a:spcBef>
+            </a:pPr>
             <a:r>
               <a:rPr lang="en-US" sz="2400" dirty="0">
                 <a:latin typeface="+mn-lt"/>
               </a:rPr>
-              <a:t>See list at: https://azure.microsoft.com/migration/migrate/</a:t>
-            </a:r>
-          </a:p>
-          <a:p>
-            <a:endParaRPr lang="en-US" sz="2400" dirty="0">
-              <a:latin typeface="+mn-lt"/>
-            </a:endParaRPr>
+              <a:t>Test and Initiate planned failover to Azure VMs </a:t>
+            </a:r>
+          </a:p>
+          <a:p>
+            <a:pPr lvl="1">
+              <a:spcBef>
+                <a:spcPts val="1200"/>
+              </a:spcBef>
+            </a:pPr>
+            <a:r>
+              <a:rPr lang="en-US" sz="2400" dirty="0">
+                <a:latin typeface="+mn-lt"/>
+              </a:rPr>
+              <a:t>Reconfigure Internal Load Balancer backend pool to point to web server VMs in Azure</a:t>
+            </a:r>
+          </a:p>
+          <a:p>
+            <a:pPr lvl="1">
+              <a:spcBef>
+                <a:spcPts val="1200"/>
+              </a:spcBef>
+            </a:pPr>
+            <a:r>
+              <a:rPr lang="en-US" sz="2400" dirty="0">
+                <a:latin typeface="+mn-lt"/>
+              </a:rPr>
+              <a:t>Update DNS entry for 'http://AskHR'</a:t>
+            </a:r>
           </a:p>
           <a:p>
             <a:endParaRPr lang="en-US" dirty="0"/>
@@ -20311,10 +20779,10 @@
       </p:sp>
       <p:pic>
         <p:nvPicPr>
-          <p:cNvPr id="6" name="Picture 5" descr="This image shows the company names and logos for a variety of Microsoft partners who offer third-party Azure migration tools. The partners listed are Attunity, CloudEndure, Corent, Datometry, and Informatica." title="Third-party migration partners">
+          <p:cNvPr id="4" name="Picture 3">
             <a:extLst>
               <a:ext uri="{FF2B5EF4-FFF2-40B4-BE49-F238E27FC236}">
-                <a16:creationId xmlns:a16="http://schemas.microsoft.com/office/drawing/2014/main" id="{A8C9AD3C-F457-4185-8F65-F300B9D5C0DF}"/>
+                <a16:creationId xmlns:a16="http://schemas.microsoft.com/office/drawing/2014/main" id="{E73BAE6C-DCC8-4B28-90B5-E028448C784A}"/>
               </a:ext>
             </a:extLst>
           </p:cNvPr>
@@ -20324,21 +20792,15 @@
           <p:nvPr/>
         </p:nvPicPr>
         <p:blipFill>
-          <a:blip r:embed="rId3">
-            <a:extLst>
-              <a:ext uri="{28A0092B-C50C-407E-A947-70E740481C1C}">
-                <a14:useLocalDpi xmlns:a14="http://schemas.microsoft.com/office/drawing/2010/main" val="0"/>
-              </a:ext>
-            </a:extLst>
-          </a:blip>
+          <a:blip r:embed="rId3"/>
           <a:stretch>
             <a:fillRect/>
           </a:stretch>
         </p:blipFill>
         <p:spPr>
           <a:xfrm>
-            <a:off x="6096000" y="1373762"/>
-            <a:ext cx="5598996" cy="4883081"/>
+            <a:off x="7671944" y="2744469"/>
+            <a:ext cx="4023709" cy="1871634"/>
           </a:xfrm>
           <a:prstGeom prst="rect">
             <a:avLst/>
